--- a/Presentation.pptx
+++ b/Presentation.pptx
@@ -12,13 +12,13 @@
   </p:handoutMasterIdLst>
   <p:sldIdLst>
     <p:sldId id="256" r:id="rId2"/>
-    <p:sldId id="257" r:id="rId3"/>
-    <p:sldId id="258" r:id="rId4"/>
-    <p:sldId id="259" r:id="rId5"/>
-    <p:sldId id="260" r:id="rId6"/>
-    <p:sldId id="261" r:id="rId7"/>
-    <p:sldId id="262" r:id="rId8"/>
-    <p:sldId id="263" r:id="rId9"/>
+    <p:sldId id="258" r:id="rId3"/>
+    <p:sldId id="259" r:id="rId4"/>
+    <p:sldId id="260" r:id="rId5"/>
+    <p:sldId id="261" r:id="rId6"/>
+    <p:sldId id="263" r:id="rId7"/>
+    <p:sldId id="257" r:id="rId8"/>
+    <p:sldId id="262" r:id="rId9"/>
     <p:sldId id="264" r:id="rId10"/>
     <p:sldId id="265" r:id="rId11"/>
     <p:sldId id="266" r:id="rId12"/>
@@ -4661,8 +4661,15 @@
           <a:p>
             <a:pPr rtl="0"/>
             <a:r>
-              <a:rPr lang="pt-BR" dirty="0"/>
-              <a:t>A</a:t>
+              <a:rPr lang="pt-BR" sz="7200" dirty="0"/>
+              <a:t>APS</a:t>
+            </a:r>
+            <a:br>
+              <a:rPr lang="pt-BR" sz="7200" dirty="0"/>
+            </a:br>
+            <a:r>
+              <a:rPr lang="pt-BR" sz="7200" dirty="0"/>
+              <a:t>linguagem cifrada por criptografia de césar</a:t>
             </a:r>
           </a:p>
         </p:txBody>
@@ -4686,8 +4693,15 @@
           <a:p>
             <a:pPr rtl="0"/>
             <a:r>
-              <a:rPr lang="pt-BR" dirty="0"/>
+              <a:rPr lang="pt-BR" sz="1800" b="1" dirty="0"/>
               <a:t>WILLIAM SILVA</a:t>
+            </a:r>
+          </a:p>
+          <a:p>
+            <a:pPr rtl="0"/>
+            <a:r>
+              <a:rPr lang="pt-BR" sz="1800" b="1" dirty="0"/>
+              <a:t>LÓGICA DA COMPUTAÇÃO 2022/1</a:t>
             </a:r>
           </a:p>
         </p:txBody>
@@ -4967,7 +4981,7 @@
           <p:cNvPr id="2" name="Título 1">
             <a:extLst>
               <a:ext uri="{FF2B5EF4-FFF2-40B4-BE49-F238E27FC236}">
-                <a16:creationId xmlns:a16="http://schemas.microsoft.com/office/drawing/2014/main" id="{79C0CFB2-0C0D-0C63-4974-2E162DD76A3C}"/>
+                <a16:creationId xmlns:a16="http://schemas.microsoft.com/office/drawing/2014/main" id="{31E5A476-75ED-BE41-7D9E-90AEBDF6E204}"/>
               </a:ext>
             </a:extLst>
           </p:cNvPr>
@@ -4983,7 +4997,10 @@
           <a:bodyPr/>
           <a:lstStyle/>
           <a:p>
-            <a:endParaRPr lang="pt-BR" dirty="0"/>
+            <a:r>
+              <a:rPr lang="pt-BR" dirty="0"/>
+              <a:t>MOTIVAÇÃO</a:t>
+            </a:r>
           </a:p>
         </p:txBody>
       </p:sp>
@@ -4992,7 +5009,7 @@
           <p:cNvPr id="3" name="Espaço Reservado para Conteúdo 2">
             <a:extLst>
               <a:ext uri="{FF2B5EF4-FFF2-40B4-BE49-F238E27FC236}">
-                <a16:creationId xmlns:a16="http://schemas.microsoft.com/office/drawing/2014/main" id="{9FC8DBD8-9F18-6D51-647D-BE4F2F1FC868}"/>
+                <a16:creationId xmlns:a16="http://schemas.microsoft.com/office/drawing/2014/main" id="{DB1F2D00-8E36-FB91-83C2-B66634F25DC0}"/>
               </a:ext>
             </a:extLst>
           </p:cNvPr>
@@ -5015,7 +5032,7 @@
     </p:spTree>
     <p:extLst>
       <p:ext uri="{BB962C8B-B14F-4D97-AF65-F5344CB8AC3E}">
-        <p14:creationId xmlns:p14="http://schemas.microsoft.com/office/powerpoint/2010/main" val="3120225865"/>
+        <p14:creationId xmlns:p14="http://schemas.microsoft.com/office/powerpoint/2010/main" val="2506327153"/>
       </p:ext>
     </p:extLst>
   </p:cSld>
@@ -5047,7 +5064,7 @@
           <p:cNvPr id="2" name="Título 1">
             <a:extLst>
               <a:ext uri="{FF2B5EF4-FFF2-40B4-BE49-F238E27FC236}">
-                <a16:creationId xmlns:a16="http://schemas.microsoft.com/office/drawing/2014/main" id="{31E5A476-75ED-BE41-7D9E-90AEBDF6E204}"/>
+                <a16:creationId xmlns:a16="http://schemas.microsoft.com/office/drawing/2014/main" id="{A54E18B9-FAFB-E354-1764-F4A65E6E0845}"/>
               </a:ext>
             </a:extLst>
           </p:cNvPr>
@@ -5065,7 +5082,7 @@
           <a:p>
             <a:r>
               <a:rPr lang="pt-BR" dirty="0"/>
-              <a:t>MOTIVAÇÃO</a:t>
+              <a:t>CARACTERÍSTICAS</a:t>
             </a:r>
           </a:p>
         </p:txBody>
@@ -5075,7 +5092,7 @@
           <p:cNvPr id="3" name="Espaço Reservado para Conteúdo 2">
             <a:extLst>
               <a:ext uri="{FF2B5EF4-FFF2-40B4-BE49-F238E27FC236}">
-                <a16:creationId xmlns:a16="http://schemas.microsoft.com/office/drawing/2014/main" id="{DB1F2D00-8E36-FB91-83C2-B66634F25DC0}"/>
+                <a16:creationId xmlns:a16="http://schemas.microsoft.com/office/drawing/2014/main" id="{897F37FE-6580-73ED-374A-1583E1EA80D7}"/>
               </a:ext>
             </a:extLst>
           </p:cNvPr>
@@ -5091,14 +5108,72 @@
           <a:bodyPr/>
           <a:lstStyle/>
           <a:p>
-            <a:endParaRPr lang="pt-BR"/>
+            <a:r>
+              <a:rPr lang="pt-BR" dirty="0"/>
+              <a:t>Linguagem C criptografada</a:t>
+            </a:r>
+          </a:p>
+          <a:p>
+            <a:pPr lvl="1"/>
+            <a:r>
+              <a:rPr lang="pt-BR" dirty="0"/>
+              <a:t>Função </a:t>
+            </a:r>
+            <a:r>
+              <a:rPr lang="pt-BR" dirty="0" err="1"/>
+              <a:t>main</a:t>
+            </a:r>
+            <a:r>
+              <a:rPr lang="pt-BR" dirty="0"/>
+              <a:t> (</a:t>
+            </a:r>
+            <a:r>
+              <a:rPr lang="pt-BR" dirty="0" err="1"/>
+              <a:t>thpu</a:t>
+            </a:r>
+            <a:r>
+              <a:rPr lang="pt-BR" dirty="0"/>
+              <a:t>)</a:t>
+            </a:r>
+          </a:p>
+          <a:p>
+            <a:pPr lvl="1"/>
+            <a:endParaRPr lang="pt-BR" dirty="0"/>
+          </a:p>
+          <a:p>
+            <a:pPr lvl="1"/>
+            <a:endParaRPr lang="pt-BR" dirty="0"/>
+          </a:p>
+          <a:p>
+            <a:r>
+              <a:rPr lang="pt-BR" dirty="0"/>
+              <a:t>Diferenças</a:t>
+            </a:r>
+          </a:p>
+          <a:p>
+            <a:pPr lvl="1"/>
+            <a:r>
+              <a:rPr lang="pt-BR" dirty="0"/>
+              <a:t>Operações Aritméticas</a:t>
+            </a:r>
+          </a:p>
+          <a:p>
+            <a:pPr lvl="1"/>
+            <a:r>
+              <a:rPr lang="pt-BR" dirty="0"/>
+              <a:t>Operações Lógicas</a:t>
+            </a:r>
+          </a:p>
+          <a:p>
+            <a:pPr lvl="1"/>
+            <a:endParaRPr lang="pt-BR" dirty="0"/>
           </a:p>
         </p:txBody>
       </p:sp>
     </p:spTree>
     <p:extLst>
       <p:ext uri="{BB962C8B-B14F-4D97-AF65-F5344CB8AC3E}">
-        <p14:creationId xmlns:p14="http://schemas.microsoft.com/office/powerpoint/2010/main" val="2506327153"/>
+        <p14:creationId xmlns:p14="http://schemas.microsoft.com/office/powerpoint/2010/main" val="561920486"/>
       </p:ext>
     </p:extLst>
   </p:cSld>
@@ -5130,7 +5205,7 @@
           <p:cNvPr id="2" name="Título 1">
             <a:extLst>
               <a:ext uri="{FF2B5EF4-FFF2-40B4-BE49-F238E27FC236}">
-                <a16:creationId xmlns:a16="http://schemas.microsoft.com/office/drawing/2014/main" id="{A54E18B9-FAFB-E354-1764-F4A65E6E0845}"/>
+                <a16:creationId xmlns:a16="http://schemas.microsoft.com/office/drawing/2014/main" id="{59DA8CC2-998F-5C31-FBA2-59DFD5BBEC84}"/>
               </a:ext>
             </a:extLst>
           </p:cNvPr>
@@ -5148,7 +5223,7 @@
           <a:p>
             <a:r>
               <a:rPr lang="pt-BR" dirty="0"/>
-              <a:t>CARACTERÍSTICAS</a:t>
+              <a:t>CURIOSIDADES</a:t>
             </a:r>
           </a:p>
         </p:txBody>
@@ -5158,7 +5233,7 @@
           <p:cNvPr id="3" name="Espaço Reservado para Conteúdo 2">
             <a:extLst>
               <a:ext uri="{FF2B5EF4-FFF2-40B4-BE49-F238E27FC236}">
-                <a16:creationId xmlns:a16="http://schemas.microsoft.com/office/drawing/2014/main" id="{897F37FE-6580-73ED-374A-1583E1EA80D7}"/>
+                <a16:creationId xmlns:a16="http://schemas.microsoft.com/office/drawing/2014/main" id="{A02E805C-F953-F050-6FC2-51EFCFF89D3A}"/>
               </a:ext>
             </a:extLst>
           </p:cNvPr>
@@ -5181,7 +5256,7 @@
     </p:spTree>
     <p:extLst>
       <p:ext uri="{BB962C8B-B14F-4D97-AF65-F5344CB8AC3E}">
-        <p14:creationId xmlns:p14="http://schemas.microsoft.com/office/powerpoint/2010/main" val="561920486"/>
+        <p14:creationId xmlns:p14="http://schemas.microsoft.com/office/powerpoint/2010/main" val="3559867697"/>
       </p:ext>
     </p:extLst>
   </p:cSld>
@@ -5213,7 +5288,7 @@
           <p:cNvPr id="2" name="Título 1">
             <a:extLst>
               <a:ext uri="{FF2B5EF4-FFF2-40B4-BE49-F238E27FC236}">
-                <a16:creationId xmlns:a16="http://schemas.microsoft.com/office/drawing/2014/main" id="{59DA8CC2-998F-5C31-FBA2-59DFD5BBEC84}"/>
+                <a16:creationId xmlns:a16="http://schemas.microsoft.com/office/drawing/2014/main" id="{B014C2AF-D256-3500-7688-A0B60FBFDC90}"/>
               </a:ext>
             </a:extLst>
           </p:cNvPr>
@@ -5231,7 +5306,7 @@
           <a:p>
             <a:r>
               <a:rPr lang="pt-BR" dirty="0"/>
-              <a:t>CURIOSIDADES</a:t>
+              <a:t>EXEMPLOS</a:t>
             </a:r>
           </a:p>
         </p:txBody>
@@ -5241,7 +5316,7 @@
           <p:cNvPr id="3" name="Espaço Reservado para Conteúdo 2">
             <a:extLst>
               <a:ext uri="{FF2B5EF4-FFF2-40B4-BE49-F238E27FC236}">
-                <a16:creationId xmlns:a16="http://schemas.microsoft.com/office/drawing/2014/main" id="{A02E805C-F953-F050-6FC2-51EFCFF89D3A}"/>
+                <a16:creationId xmlns:a16="http://schemas.microsoft.com/office/drawing/2014/main" id="{56AED061-2C1A-697F-E595-250137B7C841}"/>
               </a:ext>
             </a:extLst>
           </p:cNvPr>
@@ -5264,7 +5339,7 @@
     </p:spTree>
     <p:extLst>
       <p:ext uri="{BB962C8B-B14F-4D97-AF65-F5344CB8AC3E}">
-        <p14:creationId xmlns:p14="http://schemas.microsoft.com/office/powerpoint/2010/main" val="3559867697"/>
+        <p14:creationId xmlns:p14="http://schemas.microsoft.com/office/powerpoint/2010/main" val="975028074"/>
       </p:ext>
     </p:extLst>
   </p:cSld>
@@ -5296,7 +5371,7 @@
           <p:cNvPr id="2" name="Título 1">
             <a:extLst>
               <a:ext uri="{FF2B5EF4-FFF2-40B4-BE49-F238E27FC236}">
-                <a16:creationId xmlns:a16="http://schemas.microsoft.com/office/drawing/2014/main" id="{B014C2AF-D256-3500-7688-A0B60FBFDC90}"/>
+                <a16:creationId xmlns:a16="http://schemas.microsoft.com/office/drawing/2014/main" id="{77D458D2-46C2-303F-C843-661F5CE189DB}"/>
               </a:ext>
             </a:extLst>
           </p:cNvPr>
@@ -5314,7 +5389,7 @@
           <a:p>
             <a:r>
               <a:rPr lang="pt-BR" dirty="0"/>
-              <a:t>EXEMPLOS</a:t>
+              <a:t>referências</a:t>
             </a:r>
           </a:p>
         </p:txBody>
@@ -5324,7 +5399,7 @@
           <p:cNvPr id="3" name="Espaço Reservado para Conteúdo 2">
             <a:extLst>
               <a:ext uri="{FF2B5EF4-FFF2-40B4-BE49-F238E27FC236}">
-                <a16:creationId xmlns:a16="http://schemas.microsoft.com/office/drawing/2014/main" id="{56AED061-2C1A-697F-E595-250137B7C841}"/>
+                <a16:creationId xmlns:a16="http://schemas.microsoft.com/office/drawing/2014/main" id="{0E9000CF-4741-26E0-8B86-753B05DB42D2}"/>
               </a:ext>
             </a:extLst>
           </p:cNvPr>
@@ -5340,14 +5415,37 @@
           <a:bodyPr/>
           <a:lstStyle/>
           <a:p>
-            <a:endParaRPr lang="pt-BR"/>
+            <a:r>
+              <a:rPr lang="pt-BR" dirty="0">
+                <a:hlinkClick r:id="rId2"/>
+              </a:rPr>
+              <a:t> Minha implementação: </a:t>
+            </a:r>
+            <a:r>
+              <a:rPr lang="pt-BR" i="1" dirty="0">
+                <a:hlinkClick r:id="rId2"/>
+              </a:rPr>
+              <a:t>https://github.com/williamars/my-programming-language</a:t>
+            </a:r>
+          </a:p>
+          <a:p>
+            <a:r>
+              <a:rPr lang="pt-BR" dirty="0">
+                <a:hlinkClick r:id="rId2"/>
+              </a:rPr>
+              <a:t>https://marciapsilva.github.io/cifra-de-cesar/</a:t>
+            </a:r>
+            <a:endParaRPr lang="pt-BR" dirty="0"/>
+          </a:p>
+          <a:p>
+            <a:endParaRPr lang="pt-BR" dirty="0"/>
           </a:p>
         </p:txBody>
       </p:sp>
     </p:spTree>
     <p:extLst>
       <p:ext uri="{BB962C8B-B14F-4D97-AF65-F5344CB8AC3E}">
-        <p14:creationId xmlns:p14="http://schemas.microsoft.com/office/powerpoint/2010/main" val="975028074"/>
+        <p14:creationId xmlns:p14="http://schemas.microsoft.com/office/powerpoint/2010/main" val="2817449499"/>
       </p:ext>
     </p:extLst>
   </p:cSld>
@@ -5379,7 +5477,7 @@
           <p:cNvPr id="2" name="Título 1">
             <a:extLst>
               <a:ext uri="{FF2B5EF4-FFF2-40B4-BE49-F238E27FC236}">
-                <a16:creationId xmlns:a16="http://schemas.microsoft.com/office/drawing/2014/main" id="{99335932-ABF5-475E-D79B-C30A9024FB2A}"/>
+                <a16:creationId xmlns:a16="http://schemas.microsoft.com/office/drawing/2014/main" id="{79C0CFB2-0C0D-0C63-4974-2E162DD76A3C}"/>
               </a:ext>
             </a:extLst>
           </p:cNvPr>
@@ -5395,7 +5493,7 @@
           <a:bodyPr/>
           <a:lstStyle/>
           <a:p>
-            <a:endParaRPr lang="pt-BR"/>
+            <a:endParaRPr lang="pt-BR" dirty="0"/>
           </a:p>
         </p:txBody>
       </p:sp>
@@ -5404,7 +5502,7 @@
           <p:cNvPr id="3" name="Espaço Reservado para Conteúdo 2">
             <a:extLst>
               <a:ext uri="{FF2B5EF4-FFF2-40B4-BE49-F238E27FC236}">
-                <a16:creationId xmlns:a16="http://schemas.microsoft.com/office/drawing/2014/main" id="{A589CD89-A475-AF85-11EC-3D2460E0C5AE}"/>
+                <a16:creationId xmlns:a16="http://schemas.microsoft.com/office/drawing/2014/main" id="{9FC8DBD8-9F18-6D51-647D-BE4F2F1FC868}"/>
               </a:ext>
             </a:extLst>
           </p:cNvPr>
@@ -5427,7 +5525,7 @@
     </p:spTree>
     <p:extLst>
       <p:ext uri="{BB962C8B-B14F-4D97-AF65-F5344CB8AC3E}">
-        <p14:creationId xmlns:p14="http://schemas.microsoft.com/office/powerpoint/2010/main" val="1207302036"/>
+        <p14:creationId xmlns:p14="http://schemas.microsoft.com/office/powerpoint/2010/main" val="3120225865"/>
       </p:ext>
     </p:extLst>
   </p:cSld>
@@ -5459,7 +5557,7 @@
           <p:cNvPr id="2" name="Título 1">
             <a:extLst>
               <a:ext uri="{FF2B5EF4-FFF2-40B4-BE49-F238E27FC236}">
-                <a16:creationId xmlns:a16="http://schemas.microsoft.com/office/drawing/2014/main" id="{77D458D2-46C2-303F-C843-661F5CE189DB}"/>
+                <a16:creationId xmlns:a16="http://schemas.microsoft.com/office/drawing/2014/main" id="{99335932-ABF5-475E-D79B-C30A9024FB2A}"/>
               </a:ext>
             </a:extLst>
           </p:cNvPr>
@@ -5484,7 +5582,7 @@
           <p:cNvPr id="3" name="Espaço Reservado para Conteúdo 2">
             <a:extLst>
               <a:ext uri="{FF2B5EF4-FFF2-40B4-BE49-F238E27FC236}">
-                <a16:creationId xmlns:a16="http://schemas.microsoft.com/office/drawing/2014/main" id="{0E9000CF-4741-26E0-8B86-753B05DB42D2}"/>
+                <a16:creationId xmlns:a16="http://schemas.microsoft.com/office/drawing/2014/main" id="{A589CD89-A475-AF85-11EC-3D2460E0C5AE}"/>
               </a:ext>
             </a:extLst>
           </p:cNvPr>
@@ -5500,17 +5598,14 @@
           <a:bodyPr/>
           <a:lstStyle/>
           <a:p>
-            <a:r>
-              <a:rPr lang="pt-BR" dirty="0"/>
-              <a:t>https://marciapsilva.github.io/cifra-de-cesar/</a:t>
-            </a:r>
+            <a:endParaRPr lang="pt-BR"/>
           </a:p>
         </p:txBody>
       </p:sp>
     </p:spTree>
     <p:extLst>
       <p:ext uri="{BB962C8B-B14F-4D97-AF65-F5344CB8AC3E}">
-        <p14:creationId xmlns:p14="http://schemas.microsoft.com/office/powerpoint/2010/main" val="2817449499"/>
+        <p14:creationId xmlns:p14="http://schemas.microsoft.com/office/powerpoint/2010/main" val="1207302036"/>
       </p:ext>
     </p:extLst>
   </p:cSld>

--- a/Presentation.pptx
+++ b/Presentation.pptx
@@ -5,24 +5,26 @@
     <p:sldMasterId id="2147483840" r:id="rId1"/>
   </p:sldMasterIdLst>
   <p:notesMasterIdLst>
-    <p:notesMasterId r:id="rId14"/>
+    <p:notesMasterId r:id="rId16"/>
   </p:notesMasterIdLst>
   <p:handoutMasterIdLst>
-    <p:handoutMasterId r:id="rId15"/>
+    <p:handoutMasterId r:id="rId17"/>
   </p:handoutMasterIdLst>
   <p:sldIdLst>
     <p:sldId id="256" r:id="rId2"/>
     <p:sldId id="258" r:id="rId3"/>
-    <p:sldId id="259" r:id="rId4"/>
+    <p:sldId id="268" r:id="rId4"/>
     <p:sldId id="260" r:id="rId5"/>
-    <p:sldId id="261" r:id="rId6"/>
-    <p:sldId id="263" r:id="rId7"/>
-    <p:sldId id="257" r:id="rId8"/>
-    <p:sldId id="262" r:id="rId9"/>
-    <p:sldId id="264" r:id="rId10"/>
-    <p:sldId id="265" r:id="rId11"/>
-    <p:sldId id="266" r:id="rId12"/>
-    <p:sldId id="267" r:id="rId13"/>
+    <p:sldId id="259" r:id="rId6"/>
+    <p:sldId id="277" r:id="rId7"/>
+    <p:sldId id="261" r:id="rId8"/>
+    <p:sldId id="269" r:id="rId9"/>
+    <p:sldId id="274" r:id="rId10"/>
+    <p:sldId id="275" r:id="rId11"/>
+    <p:sldId id="276" r:id="rId12"/>
+    <p:sldId id="278" r:id="rId13"/>
+    <p:sldId id="273" r:id="rId14"/>
+    <p:sldId id="263" r:id="rId15"/>
   </p:sldIdLst>
   <p:sldSz cx="12192000" cy="6858000"/>
   <p:notesSz cx="6858000" cy="9144000"/>
@@ -234,7 +236,7 @@
           <a:p>
             <a:fld id="{0E49CCD0-351B-453D-9A1C-72C6B99B6929}" type="datetimeFigureOut">
               <a:rPr lang="pt-BR" smtClean="0"/>
-              <a:t>06/06/2022</a:t>
+              <a:t>07/06/2022</a:t>
             </a:fld>
             <a:endParaRPr lang="pt-BR"/>
           </a:p>
@@ -412,7 +414,7 @@
           <a:p>
             <a:fld id="{A0D3351F-CBF3-4BC4-9270-296E822FDF10}" type="datetimeFigureOut">
               <a:rPr lang="pt-BR" noProof="0" smtClean="0"/>
-              <a:t>06/06/2022</a:t>
+              <a:t>07/06/2022</a:t>
             </a:fld>
             <a:endParaRPr lang="pt-BR" noProof="0"/>
           </a:p>
@@ -1168,7 +1170,7 @@
             <a:pPr rtl="0"/>
             <a:fld id="{A072E816-7DFF-41CA-88F2-3E4273FD1E2C}" type="datetime1">
               <a:rPr lang="pt-BR" noProof="0" smtClean="0"/>
-              <a:t>06/06/2022</a:t>
+              <a:t>07/06/2022</a:t>
             </a:fld>
             <a:endParaRPr lang="pt-BR" noProof="0"/>
           </a:p>
@@ -1345,7 +1347,7 @@
             <a:pPr rtl="0"/>
             <a:fld id="{9A86B213-B5ED-4269-88ED-4420999F7313}" type="datetime1">
               <a:rPr lang="pt-BR" noProof="0" smtClean="0"/>
-              <a:t>06/06/2022</a:t>
+              <a:t>07/06/2022</a:t>
             </a:fld>
             <a:endParaRPr lang="pt-BR" noProof="0"/>
           </a:p>
@@ -1522,7 +1524,7 @@
             <a:pPr rtl="0"/>
             <a:fld id="{1AEC1BDA-3348-4A6F-84DB-48E1C70AD572}" type="datetime1">
               <a:rPr lang="pt-BR" noProof="0" smtClean="0"/>
-              <a:t>06/06/2022</a:t>
+              <a:t>07/06/2022</a:t>
             </a:fld>
             <a:endParaRPr lang="pt-BR" noProof="0"/>
           </a:p>
@@ -1689,7 +1691,7 @@
             <a:pPr rtl="0"/>
             <a:fld id="{094D372A-2CB8-44C1-B0BB-6833EEDC8A41}" type="datetime1">
               <a:rPr lang="pt-BR" noProof="0" smtClean="0"/>
-              <a:t>06/06/2022</a:t>
+              <a:t>07/06/2022</a:t>
             </a:fld>
             <a:endParaRPr lang="pt-BR" noProof="0"/>
           </a:p>
@@ -2000,7 +2002,7 @@
             <a:pPr rtl="0"/>
             <a:fld id="{7D2CFFEC-47E9-4540-9DD1-789A6EB4161B}" type="datetime1">
               <a:rPr lang="pt-BR" noProof="0" smtClean="0"/>
-              <a:t>06/06/2022</a:t>
+              <a:t>07/06/2022</a:t>
             </a:fld>
             <a:endParaRPr lang="pt-BR" noProof="0"/>
           </a:p>
@@ -2383,7 +2385,7 @@
             <a:pPr rtl="0"/>
             <a:fld id="{0CC9B7DB-925F-48C8-93E6-0D647701EF2B}" type="datetime1">
               <a:rPr lang="pt-BR" noProof="0" smtClean="0"/>
-              <a:t>06/06/2022</a:t>
+              <a:t>07/06/2022</a:t>
             </a:fld>
             <a:endParaRPr lang="pt-BR" noProof="0"/>
           </a:p>
@@ -2813,7 +2815,7 @@
             <a:pPr rtl="0"/>
             <a:fld id="{D007FA2B-9EE0-47EA-8B1A-8757D1470D1B}" type="datetime1">
               <a:rPr lang="pt-BR" noProof="0" smtClean="0"/>
-              <a:t>06/06/2022</a:t>
+              <a:t>07/06/2022</a:t>
             </a:fld>
             <a:endParaRPr lang="pt-BR" noProof="0"/>
           </a:p>
@@ -2929,7 +2931,7 @@
             <a:pPr rtl="0"/>
             <a:fld id="{5D8A11E3-8D7B-4710-8064-97D640332107}" type="datetime1">
               <a:rPr lang="pt-BR" noProof="0" smtClean="0"/>
-              <a:t>06/06/2022</a:t>
+              <a:t>07/06/2022</a:t>
             </a:fld>
             <a:endParaRPr lang="pt-BR" noProof="0"/>
           </a:p>
@@ -3022,7 +3024,7 @@
             <a:pPr rtl="0"/>
             <a:fld id="{E7FF15CD-9F60-4CA3-8464-AD6E33281789}" type="datetime1">
               <a:rPr lang="pt-BR" noProof="0" smtClean="0"/>
-              <a:t>06/06/2022</a:t>
+              <a:t>07/06/2022</a:t>
             </a:fld>
             <a:endParaRPr lang="pt-BR" noProof="0"/>
           </a:p>
@@ -3369,7 +3371,7 @@
             <a:pPr rtl="0"/>
             <a:fld id="{BC113F39-1B80-43C2-92B5-D6A3EEA6E946}" type="datetime1">
               <a:rPr lang="pt-BR" noProof="0" smtClean="0"/>
-              <a:t>06/06/2022</a:t>
+              <a:t>07/06/2022</a:t>
             </a:fld>
             <a:endParaRPr lang="pt-BR" noProof="0"/>
           </a:p>
@@ -3792,7 +3794,7 @@
             <a:pPr rtl="0"/>
             <a:fld id="{8127C905-F650-446B-A676-3255E0271985}" type="datetime1">
               <a:rPr lang="pt-BR" noProof="0" smtClean="0"/>
-              <a:t>06/06/2022</a:t>
+              <a:t>07/06/2022</a:t>
             </a:fld>
             <a:endParaRPr lang="pt-BR" noProof="0"/>
           </a:p>
@@ -4069,7 +4071,7 @@
             <a:pPr rtl="0"/>
             <a:fld id="{BE1BFEF3-AB92-4301-B18D-1FDF26605CD5}" type="datetime1">
               <a:rPr lang="pt-BR" noProof="0" smtClean="0"/>
-              <a:t>06/06/2022</a:t>
+              <a:t>07/06/2022</a:t>
             </a:fld>
             <a:endParaRPr lang="pt-BR" noProof="0"/>
           </a:p>
@@ -4669,7 +4671,7 @@
             </a:br>
             <a:r>
               <a:rPr lang="pt-BR" sz="7200" dirty="0"/>
-              <a:t>linguagem cifrada por criptografia de césar</a:t>
+              <a:t>linguagem criptografada por cifra de césar</a:t>
             </a:r>
           </a:p>
         </p:txBody>
@@ -4741,7 +4743,7 @@
           <p:cNvPr id="2" name="Título 1">
             <a:extLst>
               <a:ext uri="{FF2B5EF4-FFF2-40B4-BE49-F238E27FC236}">
-                <a16:creationId xmlns:a16="http://schemas.microsoft.com/office/drawing/2014/main" id="{896080AA-9FB3-AEA9-8A54-CE8D6704D0DD}"/>
+                <a16:creationId xmlns:a16="http://schemas.microsoft.com/office/drawing/2014/main" id="{B014C2AF-D256-3500-7688-A0B60FBFDC90}"/>
               </a:ext>
             </a:extLst>
           </p:cNvPr>
@@ -4752,21 +4754,29 @@
             <p:ph type="title"/>
           </p:nvPr>
         </p:nvSpPr>
-        <p:spPr/>
+        <p:spPr>
+          <a:xfrm>
+            <a:off x="778903" y="138268"/>
+            <a:ext cx="10058400" cy="1609344"/>
+          </a:xfrm>
+        </p:spPr>
         <p:txBody>
           <a:bodyPr/>
           <a:lstStyle/>
           <a:p>
-            <a:endParaRPr lang="pt-BR"/>
-          </a:p>
-        </p:txBody>
-      </p:sp>
-      <p:sp>
-        <p:nvSpPr>
-          <p:cNvPr id="3" name="Espaço Reservado para Conteúdo 2">
+            <a:r>
+              <a:rPr lang="pt-BR" dirty="0"/>
+              <a:t>EXEMPLO 4</a:t>
+            </a:r>
+          </a:p>
+        </p:txBody>
+      </p:sp>
+      <p:sp>
+        <p:nvSpPr>
+          <p:cNvPr id="4" name="Espaço Reservado para Texto 3">
             <a:extLst>
               <a:ext uri="{FF2B5EF4-FFF2-40B4-BE49-F238E27FC236}">
-                <a16:creationId xmlns:a16="http://schemas.microsoft.com/office/drawing/2014/main" id="{166CF659-7C5A-EF3B-5C9E-ED8EE2635E6E}"/>
+                <a16:creationId xmlns:a16="http://schemas.microsoft.com/office/drawing/2014/main" id="{A366B20C-7F80-EC66-3010-3252BE04F46E}"/>
               </a:ext>
             </a:extLst>
           </p:cNvPr>
@@ -4774,22 +4784,468 @@
             <a:spLocks noGrp="1"/>
           </p:cNvSpPr>
           <p:nvPr>
-            <p:ph idx="1"/>
-          </p:nvPr>
-        </p:nvSpPr>
-        <p:spPr/>
+            <p:ph type="body" idx="1"/>
+          </p:nvPr>
+        </p:nvSpPr>
+        <p:spPr>
+          <a:xfrm>
+            <a:off x="775855" y="1427572"/>
+            <a:ext cx="4754880" cy="640080"/>
+          </a:xfrm>
+        </p:spPr>
         <p:txBody>
           <a:bodyPr/>
           <a:lstStyle/>
           <a:p>
-            <a:endParaRPr lang="pt-BR"/>
-          </a:p>
-        </p:txBody>
-      </p:sp>
+            <a:r>
+              <a:rPr lang="pt-BR" dirty="0"/>
+              <a:t>Linguagem C (do compilador)</a:t>
+            </a:r>
+          </a:p>
+        </p:txBody>
+      </p:sp>
+      <p:sp>
+        <p:nvSpPr>
+          <p:cNvPr id="6" name="Espaço Reservado para Texto 5">
+            <a:extLst>
+              <a:ext uri="{FF2B5EF4-FFF2-40B4-BE49-F238E27FC236}">
+                <a16:creationId xmlns:a16="http://schemas.microsoft.com/office/drawing/2014/main" id="{A41D93C6-4C47-8C29-5870-946CCFD4B28A}"/>
+              </a:ext>
+            </a:extLst>
+          </p:cNvPr>
+          <p:cNvSpPr>
+            <a:spLocks noGrp="1"/>
+          </p:cNvSpPr>
+          <p:nvPr>
+            <p:ph type="body" sz="quarter" idx="3"/>
+          </p:nvPr>
+        </p:nvSpPr>
+        <p:spPr>
+          <a:xfrm>
+            <a:off x="5048735" y="1381852"/>
+            <a:ext cx="4754880" cy="640080"/>
+          </a:xfrm>
+        </p:spPr>
+        <p:txBody>
+          <a:bodyPr/>
+          <a:lstStyle/>
+          <a:p>
+            <a:r>
+              <a:rPr lang="pt-BR" dirty="0"/>
+              <a:t>Cifra de César</a:t>
+            </a:r>
+          </a:p>
+        </p:txBody>
+      </p:sp>
+      <p:sp>
+        <p:nvSpPr>
+          <p:cNvPr id="11" name="Espaço Reservado para Texto 5">
+            <a:extLst>
+              <a:ext uri="{FF2B5EF4-FFF2-40B4-BE49-F238E27FC236}">
+                <a16:creationId xmlns:a16="http://schemas.microsoft.com/office/drawing/2014/main" id="{791280D0-45AE-BB2A-25B8-DFC683450CA2}"/>
+              </a:ext>
+            </a:extLst>
+          </p:cNvPr>
+          <p:cNvSpPr txBox="1">
+            <a:spLocks/>
+          </p:cNvSpPr>
+          <p:nvPr/>
+        </p:nvSpPr>
+        <p:spPr>
+          <a:xfrm>
+            <a:off x="8592659" y="1381852"/>
+            <a:ext cx="4754880" cy="640080"/>
+          </a:xfrm>
+          <a:prstGeom prst="rect">
+            <a:avLst/>
+          </a:prstGeom>
+        </p:spPr>
+        <p:txBody>
+          <a:bodyPr vert="horz" lIns="91440" tIns="45720" rIns="91440" bIns="45720" rtlCol="0" anchor="ctr">
+            <a:normAutofit/>
+          </a:bodyPr>
+          <a:lstStyle>
+            <a:lvl1pPr marL="0" indent="0" algn="l" defTabSz="914400" rtl="0" eaLnBrk="1" latinLnBrk="0" hangingPunct="1">
+              <a:lnSpc>
+                <a:spcPct val="90000"/>
+              </a:lnSpc>
+              <a:spcBef>
+                <a:spcPts val="1200"/>
+              </a:spcBef>
+              <a:buClr>
+                <a:schemeClr val="accent1">
+                  <a:lumMod val="75000"/>
+                </a:schemeClr>
+              </a:buClr>
+              <a:buSzPct val="85000"/>
+              <a:buFont typeface="Wingdings" pitchFamily="2" charset="2"/>
+              <a:buNone/>
+              <a:defRPr sz="2000" b="1" kern="1200">
+                <a:solidFill>
+                  <a:schemeClr val="accent1">
+                    <a:lumMod val="75000"/>
+                  </a:schemeClr>
+                </a:solidFill>
+                <a:latin typeface="+mn-lt"/>
+                <a:ea typeface="+mn-ea"/>
+                <a:cs typeface="+mn-cs"/>
+              </a:defRPr>
+            </a:lvl1pPr>
+            <a:lvl2pPr marL="457200" indent="0" algn="l" defTabSz="914400" rtl="0" eaLnBrk="1" latinLnBrk="0" hangingPunct="1">
+              <a:lnSpc>
+                <a:spcPct val="90000"/>
+              </a:lnSpc>
+              <a:spcBef>
+                <a:spcPts val="400"/>
+              </a:spcBef>
+              <a:spcAft>
+                <a:spcPts val="200"/>
+              </a:spcAft>
+              <a:buClr>
+                <a:schemeClr val="accent1">
+                  <a:lumMod val="75000"/>
+                </a:schemeClr>
+              </a:buClr>
+              <a:buSzPct val="85000"/>
+              <a:buFont typeface="Wingdings" pitchFamily="2" charset="2"/>
+              <a:buNone/>
+              <a:defRPr sz="2000" b="1" kern="1200">
+                <a:solidFill>
+                  <a:schemeClr val="tx1"/>
+                </a:solidFill>
+                <a:latin typeface="+mn-lt"/>
+                <a:ea typeface="+mn-ea"/>
+                <a:cs typeface="+mn-cs"/>
+              </a:defRPr>
+            </a:lvl2pPr>
+            <a:lvl3pPr marL="914400" indent="0" algn="l" defTabSz="914400" rtl="0" eaLnBrk="1" latinLnBrk="0" hangingPunct="1">
+              <a:lnSpc>
+                <a:spcPct val="90000"/>
+              </a:lnSpc>
+              <a:spcBef>
+                <a:spcPts val="400"/>
+              </a:spcBef>
+              <a:spcAft>
+                <a:spcPts val="200"/>
+              </a:spcAft>
+              <a:buClr>
+                <a:schemeClr val="accent1">
+                  <a:lumMod val="75000"/>
+                </a:schemeClr>
+              </a:buClr>
+              <a:buSzPct val="85000"/>
+              <a:buFont typeface="Wingdings" pitchFamily="2" charset="2"/>
+              <a:buNone/>
+              <a:defRPr sz="1800" b="1" kern="1200">
+                <a:solidFill>
+                  <a:schemeClr val="tx1"/>
+                </a:solidFill>
+                <a:latin typeface="+mn-lt"/>
+                <a:ea typeface="+mn-ea"/>
+                <a:cs typeface="+mn-cs"/>
+              </a:defRPr>
+            </a:lvl3pPr>
+            <a:lvl4pPr marL="1371600" indent="0" algn="l" defTabSz="914400" rtl="0" eaLnBrk="1" latinLnBrk="0" hangingPunct="1">
+              <a:lnSpc>
+                <a:spcPct val="90000"/>
+              </a:lnSpc>
+              <a:spcBef>
+                <a:spcPts val="400"/>
+              </a:spcBef>
+              <a:spcAft>
+                <a:spcPts val="200"/>
+              </a:spcAft>
+              <a:buClr>
+                <a:schemeClr val="accent1">
+                  <a:lumMod val="75000"/>
+                </a:schemeClr>
+              </a:buClr>
+              <a:buSzPct val="85000"/>
+              <a:buFont typeface="Wingdings" pitchFamily="2" charset="2"/>
+              <a:buNone/>
+              <a:defRPr sz="1600" b="1" kern="1200">
+                <a:solidFill>
+                  <a:schemeClr val="tx1"/>
+                </a:solidFill>
+                <a:latin typeface="+mn-lt"/>
+                <a:ea typeface="+mn-ea"/>
+                <a:cs typeface="+mn-cs"/>
+              </a:defRPr>
+            </a:lvl4pPr>
+            <a:lvl5pPr marL="1828800" indent="0" algn="l" defTabSz="914400" rtl="0" eaLnBrk="1" latinLnBrk="0" hangingPunct="1">
+              <a:lnSpc>
+                <a:spcPct val="90000"/>
+              </a:lnSpc>
+              <a:spcBef>
+                <a:spcPts val="400"/>
+              </a:spcBef>
+              <a:spcAft>
+                <a:spcPts val="200"/>
+              </a:spcAft>
+              <a:buClr>
+                <a:schemeClr val="accent1">
+                  <a:lumMod val="75000"/>
+                </a:schemeClr>
+              </a:buClr>
+              <a:buSzPct val="85000"/>
+              <a:buFont typeface="Wingdings" pitchFamily="2" charset="2"/>
+              <a:buNone/>
+              <a:defRPr sz="1600" b="1" kern="1200">
+                <a:solidFill>
+                  <a:schemeClr val="tx1"/>
+                </a:solidFill>
+                <a:latin typeface="+mn-lt"/>
+                <a:ea typeface="+mn-ea"/>
+                <a:cs typeface="+mn-cs"/>
+              </a:defRPr>
+            </a:lvl5pPr>
+            <a:lvl6pPr marL="2286000" indent="0" algn="l" defTabSz="914400" rtl="0" eaLnBrk="1" latinLnBrk="0" hangingPunct="1">
+              <a:lnSpc>
+                <a:spcPct val="90000"/>
+              </a:lnSpc>
+              <a:spcBef>
+                <a:spcPts val="400"/>
+              </a:spcBef>
+              <a:spcAft>
+                <a:spcPts val="200"/>
+              </a:spcAft>
+              <a:buClr>
+                <a:schemeClr val="accent1">
+                  <a:lumMod val="75000"/>
+                </a:schemeClr>
+              </a:buClr>
+              <a:buSzPct val="85000"/>
+              <a:buFont typeface="Wingdings" pitchFamily="2" charset="2"/>
+              <a:buNone/>
+              <a:defRPr sz="1600" b="1" kern="1200">
+                <a:solidFill>
+                  <a:schemeClr val="tx1"/>
+                </a:solidFill>
+                <a:latin typeface="+mn-lt"/>
+                <a:ea typeface="+mn-ea"/>
+                <a:cs typeface="+mn-cs"/>
+              </a:defRPr>
+            </a:lvl6pPr>
+            <a:lvl7pPr marL="2743200" indent="0" algn="l" defTabSz="914400" rtl="0" eaLnBrk="1" latinLnBrk="0" hangingPunct="1">
+              <a:lnSpc>
+                <a:spcPct val="90000"/>
+              </a:lnSpc>
+              <a:spcBef>
+                <a:spcPts val="400"/>
+              </a:spcBef>
+              <a:spcAft>
+                <a:spcPts val="200"/>
+              </a:spcAft>
+              <a:buClr>
+                <a:schemeClr val="accent1">
+                  <a:lumMod val="75000"/>
+                </a:schemeClr>
+              </a:buClr>
+              <a:buSzPct val="85000"/>
+              <a:buFont typeface="Wingdings" pitchFamily="2" charset="2"/>
+              <a:buNone/>
+              <a:defRPr sz="1600" b="1" kern="1200">
+                <a:solidFill>
+                  <a:schemeClr val="tx1"/>
+                </a:solidFill>
+                <a:latin typeface="+mn-lt"/>
+                <a:ea typeface="+mn-ea"/>
+                <a:cs typeface="+mn-cs"/>
+              </a:defRPr>
+            </a:lvl7pPr>
+            <a:lvl8pPr marL="3200400" indent="0" algn="l" defTabSz="914400" rtl="0" eaLnBrk="1" latinLnBrk="0" hangingPunct="1">
+              <a:lnSpc>
+                <a:spcPct val="90000"/>
+              </a:lnSpc>
+              <a:spcBef>
+                <a:spcPts val="400"/>
+              </a:spcBef>
+              <a:spcAft>
+                <a:spcPts val="200"/>
+              </a:spcAft>
+              <a:buClr>
+                <a:schemeClr val="accent1">
+                  <a:lumMod val="75000"/>
+                </a:schemeClr>
+              </a:buClr>
+              <a:buSzPct val="85000"/>
+              <a:buFont typeface="Wingdings" pitchFamily="2" charset="2"/>
+              <a:buNone/>
+              <a:defRPr sz="1600" b="1" kern="1200">
+                <a:solidFill>
+                  <a:schemeClr val="tx1"/>
+                </a:solidFill>
+                <a:latin typeface="+mn-lt"/>
+                <a:ea typeface="+mn-ea"/>
+                <a:cs typeface="+mn-cs"/>
+              </a:defRPr>
+            </a:lvl8pPr>
+            <a:lvl9pPr marL="3657600" indent="0" algn="l" defTabSz="914400" rtl="0" eaLnBrk="1" latinLnBrk="0" hangingPunct="1">
+              <a:lnSpc>
+                <a:spcPct val="90000"/>
+              </a:lnSpc>
+              <a:spcBef>
+                <a:spcPts val="400"/>
+              </a:spcBef>
+              <a:spcAft>
+                <a:spcPts val="200"/>
+              </a:spcAft>
+              <a:buClr>
+                <a:schemeClr val="accent1">
+                  <a:lumMod val="75000"/>
+                </a:schemeClr>
+              </a:buClr>
+              <a:buSzPct val="85000"/>
+              <a:buFont typeface="Wingdings" pitchFamily="2" charset="2"/>
+              <a:buNone/>
+              <a:defRPr sz="1600" b="1" kern="1200">
+                <a:solidFill>
+                  <a:schemeClr val="tx1"/>
+                </a:solidFill>
+                <a:latin typeface="+mn-lt"/>
+                <a:ea typeface="+mn-ea"/>
+                <a:cs typeface="+mn-cs"/>
+              </a:defRPr>
+            </a:lvl9pPr>
+          </a:lstStyle>
+          <a:p>
+            <a:r>
+              <a:rPr lang="pt-BR" dirty="0"/>
+              <a:t>Saída de Ambas</a:t>
+            </a:r>
+          </a:p>
+        </p:txBody>
+      </p:sp>
+      <p:sp>
+        <p:nvSpPr>
+          <p:cNvPr id="12" name="CaixaDeTexto 11">
+            <a:extLst>
+              <a:ext uri="{FF2B5EF4-FFF2-40B4-BE49-F238E27FC236}">
+                <a16:creationId xmlns:a16="http://schemas.microsoft.com/office/drawing/2014/main" id="{D9713173-A9BF-488C-D19D-F2994841828A}"/>
+              </a:ext>
+            </a:extLst>
+          </p:cNvPr>
+          <p:cNvSpPr txBox="1"/>
+          <p:nvPr/>
+        </p:nvSpPr>
+        <p:spPr>
+          <a:xfrm>
+            <a:off x="8592659" y="2049196"/>
+            <a:ext cx="3366655" cy="923330"/>
+          </a:xfrm>
+          <a:prstGeom prst="rect">
+            <a:avLst/>
+          </a:prstGeom>
+        </p:spPr>
+        <p:style>
+          <a:lnRef idx="2">
+            <a:schemeClr val="dk1"/>
+          </a:lnRef>
+          <a:fillRef idx="1">
+            <a:schemeClr val="lt1"/>
+          </a:fillRef>
+          <a:effectRef idx="0">
+            <a:schemeClr val="dk1"/>
+          </a:effectRef>
+          <a:fontRef idx="minor">
+            <a:schemeClr val="dk1"/>
+          </a:fontRef>
+        </p:style>
+        <p:txBody>
+          <a:bodyPr wrap="square" rtlCol="0">
+            <a:spAutoFit/>
+          </a:bodyPr>
+          <a:lstStyle/>
+          <a:p>
+            <a:r>
+              <a:rPr lang="pt-BR" dirty="0">
+                <a:latin typeface="Arial Nova" panose="020B0504020202020204" pitchFamily="34" charset="0"/>
+              </a:rPr>
+              <a:t>7</a:t>
+            </a:r>
+          </a:p>
+          <a:p>
+            <a:r>
+              <a:rPr lang="pt-BR" dirty="0">
+                <a:latin typeface="Arial Nova" panose="020B0504020202020204" pitchFamily="34" charset="0"/>
+              </a:rPr>
+              <a:t>3</a:t>
+            </a:r>
+          </a:p>
+          <a:p>
+            <a:r>
+              <a:rPr lang="pt-BR" dirty="0">
+                <a:latin typeface="Arial Nova" panose="020B0504020202020204" pitchFamily="34" charset="0"/>
+              </a:rPr>
+              <a:t>7</a:t>
+            </a:r>
+          </a:p>
+        </p:txBody>
+      </p:sp>
+      <p:pic>
+        <p:nvPicPr>
+          <p:cNvPr id="5" name="Imagem 4">
+            <a:extLst>
+              <a:ext uri="{FF2B5EF4-FFF2-40B4-BE49-F238E27FC236}">
+                <a16:creationId xmlns:a16="http://schemas.microsoft.com/office/drawing/2014/main" id="{191CD5D6-2FE8-666E-115E-EBB689092436}"/>
+              </a:ext>
+            </a:extLst>
+          </p:cNvPr>
+          <p:cNvPicPr>
+            <a:picLocks noChangeAspect="1"/>
+          </p:cNvPicPr>
+          <p:nvPr/>
+        </p:nvPicPr>
+        <p:blipFill>
+          <a:blip r:embed="rId2"/>
+          <a:stretch>
+            <a:fillRect/>
+          </a:stretch>
+        </p:blipFill>
+        <p:spPr>
+          <a:xfrm>
+            <a:off x="775855" y="2148007"/>
+            <a:ext cx="3006436" cy="4185685"/>
+          </a:xfrm>
+          <a:prstGeom prst="rect">
+            <a:avLst/>
+          </a:prstGeom>
+        </p:spPr>
+      </p:pic>
+      <p:pic>
+        <p:nvPicPr>
+          <p:cNvPr id="10" name="Imagem 9">
+            <a:extLst>
+              <a:ext uri="{FF2B5EF4-FFF2-40B4-BE49-F238E27FC236}">
+                <a16:creationId xmlns:a16="http://schemas.microsoft.com/office/drawing/2014/main" id="{9FF77D77-42B7-21BA-ED86-8025E1D90AE8}"/>
+              </a:ext>
+            </a:extLst>
+          </p:cNvPr>
+          <p:cNvPicPr>
+            <a:picLocks noChangeAspect="1"/>
+          </p:cNvPicPr>
+          <p:nvPr/>
+        </p:nvPicPr>
+        <p:blipFill>
+          <a:blip r:embed="rId3"/>
+          <a:stretch>
+            <a:fillRect/>
+          </a:stretch>
+        </p:blipFill>
+        <p:spPr>
+          <a:xfrm>
+            <a:off x="5048735" y="2158155"/>
+            <a:ext cx="1905266" cy="2991267"/>
+          </a:xfrm>
+          <a:prstGeom prst="rect">
+            <a:avLst/>
+          </a:prstGeom>
+        </p:spPr>
+      </p:pic>
     </p:spTree>
     <p:extLst>
       <p:ext uri="{BB962C8B-B14F-4D97-AF65-F5344CB8AC3E}">
-        <p14:creationId xmlns:p14="http://schemas.microsoft.com/office/powerpoint/2010/main" val="915638485"/>
+        <p14:creationId xmlns:p14="http://schemas.microsoft.com/office/powerpoint/2010/main" val="2397096283"/>
       </p:ext>
     </p:extLst>
   </p:cSld>
@@ -4821,7 +5277,7 @@
           <p:cNvPr id="2" name="Título 1">
             <a:extLst>
               <a:ext uri="{FF2B5EF4-FFF2-40B4-BE49-F238E27FC236}">
-                <a16:creationId xmlns:a16="http://schemas.microsoft.com/office/drawing/2014/main" id="{0AE036E6-3D7D-9D3B-9CC5-D92133DD859A}"/>
+                <a16:creationId xmlns:a16="http://schemas.microsoft.com/office/drawing/2014/main" id="{B014C2AF-D256-3500-7688-A0B60FBFDC90}"/>
               </a:ext>
             </a:extLst>
           </p:cNvPr>
@@ -4832,21 +5288,29 @@
             <p:ph type="title"/>
           </p:nvPr>
         </p:nvSpPr>
-        <p:spPr/>
+        <p:spPr>
+          <a:xfrm>
+            <a:off x="778903" y="138268"/>
+            <a:ext cx="10058400" cy="1609344"/>
+          </a:xfrm>
+        </p:spPr>
         <p:txBody>
           <a:bodyPr/>
           <a:lstStyle/>
           <a:p>
-            <a:endParaRPr lang="pt-BR"/>
-          </a:p>
-        </p:txBody>
-      </p:sp>
-      <p:sp>
-        <p:nvSpPr>
-          <p:cNvPr id="3" name="Espaço Reservado para Conteúdo 2">
+            <a:r>
+              <a:rPr lang="pt-BR" dirty="0"/>
+              <a:t>EXEMPLO 5</a:t>
+            </a:r>
+          </a:p>
+        </p:txBody>
+      </p:sp>
+      <p:sp>
+        <p:nvSpPr>
+          <p:cNvPr id="4" name="Espaço Reservado para Texto 3">
             <a:extLst>
               <a:ext uri="{FF2B5EF4-FFF2-40B4-BE49-F238E27FC236}">
-                <a16:creationId xmlns:a16="http://schemas.microsoft.com/office/drawing/2014/main" id="{C626B01E-F209-7901-402E-7F5355B40037}"/>
+                <a16:creationId xmlns:a16="http://schemas.microsoft.com/office/drawing/2014/main" id="{A366B20C-7F80-EC66-3010-3252BE04F46E}"/>
               </a:ext>
             </a:extLst>
           </p:cNvPr>
@@ -4854,22 +5318,624 @@
             <a:spLocks noGrp="1"/>
           </p:cNvSpPr>
           <p:nvPr>
-            <p:ph idx="1"/>
-          </p:nvPr>
-        </p:nvSpPr>
-        <p:spPr/>
+            <p:ph type="body" idx="1"/>
+          </p:nvPr>
+        </p:nvSpPr>
+        <p:spPr>
+          <a:xfrm>
+            <a:off x="775855" y="1427572"/>
+            <a:ext cx="4754880" cy="640080"/>
+          </a:xfrm>
+        </p:spPr>
         <p:txBody>
           <a:bodyPr/>
           <a:lstStyle/>
           <a:p>
-            <a:endParaRPr lang="pt-BR"/>
-          </a:p>
-        </p:txBody>
-      </p:sp>
+            <a:r>
+              <a:rPr lang="pt-BR" dirty="0"/>
+              <a:t>Linguagem C (do compilador)</a:t>
+            </a:r>
+          </a:p>
+        </p:txBody>
+      </p:sp>
+      <p:sp>
+        <p:nvSpPr>
+          <p:cNvPr id="6" name="Espaço Reservado para Texto 5">
+            <a:extLst>
+              <a:ext uri="{FF2B5EF4-FFF2-40B4-BE49-F238E27FC236}">
+                <a16:creationId xmlns:a16="http://schemas.microsoft.com/office/drawing/2014/main" id="{A41D93C6-4C47-8C29-5870-946CCFD4B28A}"/>
+              </a:ext>
+            </a:extLst>
+          </p:cNvPr>
+          <p:cNvSpPr>
+            <a:spLocks noGrp="1"/>
+          </p:cNvSpPr>
+          <p:nvPr>
+            <p:ph type="body" sz="quarter" idx="3"/>
+          </p:nvPr>
+        </p:nvSpPr>
+        <p:spPr>
+          <a:xfrm>
+            <a:off x="5048735" y="1381852"/>
+            <a:ext cx="4754880" cy="640080"/>
+          </a:xfrm>
+        </p:spPr>
+        <p:txBody>
+          <a:bodyPr/>
+          <a:lstStyle/>
+          <a:p>
+            <a:r>
+              <a:rPr lang="pt-BR" dirty="0"/>
+              <a:t>Cifra de César</a:t>
+            </a:r>
+          </a:p>
+        </p:txBody>
+      </p:sp>
+      <p:sp>
+        <p:nvSpPr>
+          <p:cNvPr id="11" name="Espaço Reservado para Texto 5">
+            <a:extLst>
+              <a:ext uri="{FF2B5EF4-FFF2-40B4-BE49-F238E27FC236}">
+                <a16:creationId xmlns:a16="http://schemas.microsoft.com/office/drawing/2014/main" id="{791280D0-45AE-BB2A-25B8-DFC683450CA2}"/>
+              </a:ext>
+            </a:extLst>
+          </p:cNvPr>
+          <p:cNvSpPr txBox="1">
+            <a:spLocks/>
+          </p:cNvSpPr>
+          <p:nvPr/>
+        </p:nvSpPr>
+        <p:spPr>
+          <a:xfrm>
+            <a:off x="8592659" y="162375"/>
+            <a:ext cx="4754880" cy="640080"/>
+          </a:xfrm>
+          <a:prstGeom prst="rect">
+            <a:avLst/>
+          </a:prstGeom>
+        </p:spPr>
+        <p:txBody>
+          <a:bodyPr vert="horz" lIns="91440" tIns="45720" rIns="91440" bIns="45720" rtlCol="0" anchor="ctr">
+            <a:normAutofit/>
+          </a:bodyPr>
+          <a:lstStyle>
+            <a:lvl1pPr marL="0" indent="0" algn="l" defTabSz="914400" rtl="0" eaLnBrk="1" latinLnBrk="0" hangingPunct="1">
+              <a:lnSpc>
+                <a:spcPct val="90000"/>
+              </a:lnSpc>
+              <a:spcBef>
+                <a:spcPts val="1200"/>
+              </a:spcBef>
+              <a:buClr>
+                <a:schemeClr val="accent1">
+                  <a:lumMod val="75000"/>
+                </a:schemeClr>
+              </a:buClr>
+              <a:buSzPct val="85000"/>
+              <a:buFont typeface="Wingdings" pitchFamily="2" charset="2"/>
+              <a:buNone/>
+              <a:defRPr sz="2000" b="1" kern="1200">
+                <a:solidFill>
+                  <a:schemeClr val="accent1">
+                    <a:lumMod val="75000"/>
+                  </a:schemeClr>
+                </a:solidFill>
+                <a:latin typeface="+mn-lt"/>
+                <a:ea typeface="+mn-ea"/>
+                <a:cs typeface="+mn-cs"/>
+              </a:defRPr>
+            </a:lvl1pPr>
+            <a:lvl2pPr marL="457200" indent="0" algn="l" defTabSz="914400" rtl="0" eaLnBrk="1" latinLnBrk="0" hangingPunct="1">
+              <a:lnSpc>
+                <a:spcPct val="90000"/>
+              </a:lnSpc>
+              <a:spcBef>
+                <a:spcPts val="400"/>
+              </a:spcBef>
+              <a:spcAft>
+                <a:spcPts val="200"/>
+              </a:spcAft>
+              <a:buClr>
+                <a:schemeClr val="accent1">
+                  <a:lumMod val="75000"/>
+                </a:schemeClr>
+              </a:buClr>
+              <a:buSzPct val="85000"/>
+              <a:buFont typeface="Wingdings" pitchFamily="2" charset="2"/>
+              <a:buNone/>
+              <a:defRPr sz="2000" b="1" kern="1200">
+                <a:solidFill>
+                  <a:schemeClr val="tx1"/>
+                </a:solidFill>
+                <a:latin typeface="+mn-lt"/>
+                <a:ea typeface="+mn-ea"/>
+                <a:cs typeface="+mn-cs"/>
+              </a:defRPr>
+            </a:lvl2pPr>
+            <a:lvl3pPr marL="914400" indent="0" algn="l" defTabSz="914400" rtl="0" eaLnBrk="1" latinLnBrk="0" hangingPunct="1">
+              <a:lnSpc>
+                <a:spcPct val="90000"/>
+              </a:lnSpc>
+              <a:spcBef>
+                <a:spcPts val="400"/>
+              </a:spcBef>
+              <a:spcAft>
+                <a:spcPts val="200"/>
+              </a:spcAft>
+              <a:buClr>
+                <a:schemeClr val="accent1">
+                  <a:lumMod val="75000"/>
+                </a:schemeClr>
+              </a:buClr>
+              <a:buSzPct val="85000"/>
+              <a:buFont typeface="Wingdings" pitchFamily="2" charset="2"/>
+              <a:buNone/>
+              <a:defRPr sz="1800" b="1" kern="1200">
+                <a:solidFill>
+                  <a:schemeClr val="tx1"/>
+                </a:solidFill>
+                <a:latin typeface="+mn-lt"/>
+                <a:ea typeface="+mn-ea"/>
+                <a:cs typeface="+mn-cs"/>
+              </a:defRPr>
+            </a:lvl3pPr>
+            <a:lvl4pPr marL="1371600" indent="0" algn="l" defTabSz="914400" rtl="0" eaLnBrk="1" latinLnBrk="0" hangingPunct="1">
+              <a:lnSpc>
+                <a:spcPct val="90000"/>
+              </a:lnSpc>
+              <a:spcBef>
+                <a:spcPts val="400"/>
+              </a:spcBef>
+              <a:spcAft>
+                <a:spcPts val="200"/>
+              </a:spcAft>
+              <a:buClr>
+                <a:schemeClr val="accent1">
+                  <a:lumMod val="75000"/>
+                </a:schemeClr>
+              </a:buClr>
+              <a:buSzPct val="85000"/>
+              <a:buFont typeface="Wingdings" pitchFamily="2" charset="2"/>
+              <a:buNone/>
+              <a:defRPr sz="1600" b="1" kern="1200">
+                <a:solidFill>
+                  <a:schemeClr val="tx1"/>
+                </a:solidFill>
+                <a:latin typeface="+mn-lt"/>
+                <a:ea typeface="+mn-ea"/>
+                <a:cs typeface="+mn-cs"/>
+              </a:defRPr>
+            </a:lvl4pPr>
+            <a:lvl5pPr marL="1828800" indent="0" algn="l" defTabSz="914400" rtl="0" eaLnBrk="1" latinLnBrk="0" hangingPunct="1">
+              <a:lnSpc>
+                <a:spcPct val="90000"/>
+              </a:lnSpc>
+              <a:spcBef>
+                <a:spcPts val="400"/>
+              </a:spcBef>
+              <a:spcAft>
+                <a:spcPts val="200"/>
+              </a:spcAft>
+              <a:buClr>
+                <a:schemeClr val="accent1">
+                  <a:lumMod val="75000"/>
+                </a:schemeClr>
+              </a:buClr>
+              <a:buSzPct val="85000"/>
+              <a:buFont typeface="Wingdings" pitchFamily="2" charset="2"/>
+              <a:buNone/>
+              <a:defRPr sz="1600" b="1" kern="1200">
+                <a:solidFill>
+                  <a:schemeClr val="tx1"/>
+                </a:solidFill>
+                <a:latin typeface="+mn-lt"/>
+                <a:ea typeface="+mn-ea"/>
+                <a:cs typeface="+mn-cs"/>
+              </a:defRPr>
+            </a:lvl5pPr>
+            <a:lvl6pPr marL="2286000" indent="0" algn="l" defTabSz="914400" rtl="0" eaLnBrk="1" latinLnBrk="0" hangingPunct="1">
+              <a:lnSpc>
+                <a:spcPct val="90000"/>
+              </a:lnSpc>
+              <a:spcBef>
+                <a:spcPts val="400"/>
+              </a:spcBef>
+              <a:spcAft>
+                <a:spcPts val="200"/>
+              </a:spcAft>
+              <a:buClr>
+                <a:schemeClr val="accent1">
+                  <a:lumMod val="75000"/>
+                </a:schemeClr>
+              </a:buClr>
+              <a:buSzPct val="85000"/>
+              <a:buFont typeface="Wingdings" pitchFamily="2" charset="2"/>
+              <a:buNone/>
+              <a:defRPr sz="1600" b="1" kern="1200">
+                <a:solidFill>
+                  <a:schemeClr val="tx1"/>
+                </a:solidFill>
+                <a:latin typeface="+mn-lt"/>
+                <a:ea typeface="+mn-ea"/>
+                <a:cs typeface="+mn-cs"/>
+              </a:defRPr>
+            </a:lvl6pPr>
+            <a:lvl7pPr marL="2743200" indent="0" algn="l" defTabSz="914400" rtl="0" eaLnBrk="1" latinLnBrk="0" hangingPunct="1">
+              <a:lnSpc>
+                <a:spcPct val="90000"/>
+              </a:lnSpc>
+              <a:spcBef>
+                <a:spcPts val="400"/>
+              </a:spcBef>
+              <a:spcAft>
+                <a:spcPts val="200"/>
+              </a:spcAft>
+              <a:buClr>
+                <a:schemeClr val="accent1">
+                  <a:lumMod val="75000"/>
+                </a:schemeClr>
+              </a:buClr>
+              <a:buSzPct val="85000"/>
+              <a:buFont typeface="Wingdings" pitchFamily="2" charset="2"/>
+              <a:buNone/>
+              <a:defRPr sz="1600" b="1" kern="1200">
+                <a:solidFill>
+                  <a:schemeClr val="tx1"/>
+                </a:solidFill>
+                <a:latin typeface="+mn-lt"/>
+                <a:ea typeface="+mn-ea"/>
+                <a:cs typeface="+mn-cs"/>
+              </a:defRPr>
+            </a:lvl7pPr>
+            <a:lvl8pPr marL="3200400" indent="0" algn="l" defTabSz="914400" rtl="0" eaLnBrk="1" latinLnBrk="0" hangingPunct="1">
+              <a:lnSpc>
+                <a:spcPct val="90000"/>
+              </a:lnSpc>
+              <a:spcBef>
+                <a:spcPts val="400"/>
+              </a:spcBef>
+              <a:spcAft>
+                <a:spcPts val="200"/>
+              </a:spcAft>
+              <a:buClr>
+                <a:schemeClr val="accent1">
+                  <a:lumMod val="75000"/>
+                </a:schemeClr>
+              </a:buClr>
+              <a:buSzPct val="85000"/>
+              <a:buFont typeface="Wingdings" pitchFamily="2" charset="2"/>
+              <a:buNone/>
+              <a:defRPr sz="1600" b="1" kern="1200">
+                <a:solidFill>
+                  <a:schemeClr val="tx1"/>
+                </a:solidFill>
+                <a:latin typeface="+mn-lt"/>
+                <a:ea typeface="+mn-ea"/>
+                <a:cs typeface="+mn-cs"/>
+              </a:defRPr>
+            </a:lvl8pPr>
+            <a:lvl9pPr marL="3657600" indent="0" algn="l" defTabSz="914400" rtl="0" eaLnBrk="1" latinLnBrk="0" hangingPunct="1">
+              <a:lnSpc>
+                <a:spcPct val="90000"/>
+              </a:lnSpc>
+              <a:spcBef>
+                <a:spcPts val="400"/>
+              </a:spcBef>
+              <a:spcAft>
+                <a:spcPts val="200"/>
+              </a:spcAft>
+              <a:buClr>
+                <a:schemeClr val="accent1">
+                  <a:lumMod val="75000"/>
+                </a:schemeClr>
+              </a:buClr>
+              <a:buSzPct val="85000"/>
+              <a:buFont typeface="Wingdings" pitchFamily="2" charset="2"/>
+              <a:buNone/>
+              <a:defRPr sz="1600" b="1" kern="1200">
+                <a:solidFill>
+                  <a:schemeClr val="tx1"/>
+                </a:solidFill>
+                <a:latin typeface="+mn-lt"/>
+                <a:ea typeface="+mn-ea"/>
+                <a:cs typeface="+mn-cs"/>
+              </a:defRPr>
+            </a:lvl9pPr>
+          </a:lstStyle>
+          <a:p>
+            <a:r>
+              <a:rPr lang="pt-BR" dirty="0"/>
+              <a:t>Saída de Ambas</a:t>
+            </a:r>
+          </a:p>
+        </p:txBody>
+      </p:sp>
+      <p:sp>
+        <p:nvSpPr>
+          <p:cNvPr id="12" name="CaixaDeTexto 11">
+            <a:extLst>
+              <a:ext uri="{FF2B5EF4-FFF2-40B4-BE49-F238E27FC236}">
+                <a16:creationId xmlns:a16="http://schemas.microsoft.com/office/drawing/2014/main" id="{D9713173-A9BF-488C-D19D-F2994841828A}"/>
+              </a:ext>
+            </a:extLst>
+          </p:cNvPr>
+          <p:cNvSpPr txBox="1"/>
+          <p:nvPr/>
+        </p:nvSpPr>
+        <p:spPr>
+          <a:xfrm>
+            <a:off x="8637132" y="791925"/>
+            <a:ext cx="3366655" cy="2308324"/>
+          </a:xfrm>
+          <a:prstGeom prst="rect">
+            <a:avLst/>
+          </a:prstGeom>
+        </p:spPr>
+        <p:style>
+          <a:lnRef idx="2">
+            <a:schemeClr val="dk1"/>
+          </a:lnRef>
+          <a:fillRef idx="1">
+            <a:schemeClr val="lt1"/>
+          </a:fillRef>
+          <a:effectRef idx="0">
+            <a:schemeClr val="dk1"/>
+          </a:effectRef>
+          <a:fontRef idx="minor">
+            <a:schemeClr val="dk1"/>
+          </a:fontRef>
+        </p:style>
+        <p:txBody>
+          <a:bodyPr wrap="square" rtlCol="0">
+            <a:spAutoFit/>
+          </a:bodyPr>
+          <a:lstStyle/>
+          <a:p>
+            <a:r>
+              <a:rPr lang="pt-BR" dirty="0">
+                <a:latin typeface="Arial Nova" panose="020B0504020202020204" pitchFamily="34" charset="0"/>
+              </a:rPr>
+              <a:t>5</a:t>
+            </a:r>
+          </a:p>
+          <a:p>
+            <a:r>
+              <a:rPr lang="pt-BR" dirty="0">
+                <a:latin typeface="Arial Nova" panose="020B0504020202020204" pitchFamily="34" charset="0"/>
+              </a:rPr>
+              <a:t>1910</a:t>
+            </a:r>
+          </a:p>
+          <a:p>
+            <a:r>
+              <a:rPr lang="pt-BR" dirty="0">
+                <a:latin typeface="Arial Nova" panose="020B0504020202020204" pitchFamily="34" charset="0"/>
+              </a:rPr>
+              <a:t>-1905</a:t>
+            </a:r>
+          </a:p>
+          <a:p>
+            <a:r>
+              <a:rPr lang="pt-BR" dirty="0">
+                <a:latin typeface="Arial Nova" panose="020B0504020202020204" pitchFamily="34" charset="0"/>
+              </a:rPr>
+              <a:t>Essa e uma mensagem secreta você não deveria compartilhar com ninguém VAI CORINTHIANS</a:t>
+            </a:r>
+          </a:p>
+          <a:p>
+            <a:r>
+              <a:rPr lang="pt-BR" dirty="0">
+                <a:latin typeface="Arial Nova" panose="020B0504020202020204" pitchFamily="34" charset="0"/>
+              </a:rPr>
+              <a:t>VAI CORINTHIANS 1910</a:t>
+            </a:r>
+          </a:p>
+        </p:txBody>
+      </p:sp>
+      <p:pic>
+        <p:nvPicPr>
+          <p:cNvPr id="8" name="Imagem 7">
+            <a:extLst>
+              <a:ext uri="{FF2B5EF4-FFF2-40B4-BE49-F238E27FC236}">
+                <a16:creationId xmlns:a16="http://schemas.microsoft.com/office/drawing/2014/main" id="{DCD6A7CC-0576-18C1-3182-B8BA2F7C6A09}"/>
+              </a:ext>
+            </a:extLst>
+          </p:cNvPr>
+          <p:cNvPicPr>
+            <a:picLocks noChangeAspect="1"/>
+          </p:cNvPicPr>
+          <p:nvPr/>
+        </p:nvPicPr>
+        <p:blipFill>
+          <a:blip r:embed="rId2"/>
+          <a:stretch>
+            <a:fillRect/>
+          </a:stretch>
+        </p:blipFill>
+        <p:spPr>
+          <a:xfrm>
+            <a:off x="1602272" y="1959732"/>
+            <a:ext cx="1861366" cy="1878761"/>
+          </a:xfrm>
+          <a:prstGeom prst="rect">
+            <a:avLst/>
+          </a:prstGeom>
+        </p:spPr>
+      </p:pic>
+      <p:pic>
+        <p:nvPicPr>
+          <p:cNvPr id="14" name="Imagem 13">
+            <a:extLst>
+              <a:ext uri="{FF2B5EF4-FFF2-40B4-BE49-F238E27FC236}">
+                <a16:creationId xmlns:a16="http://schemas.microsoft.com/office/drawing/2014/main" id="{DC91F410-4328-BDF1-B24F-D3A0302D61E9}"/>
+              </a:ext>
+            </a:extLst>
+          </p:cNvPr>
+          <p:cNvPicPr>
+            <a:picLocks noChangeAspect="1"/>
+          </p:cNvPicPr>
+          <p:nvPr/>
+        </p:nvPicPr>
+        <p:blipFill>
+          <a:blip r:embed="rId3"/>
+          <a:stretch>
+            <a:fillRect/>
+          </a:stretch>
+        </p:blipFill>
+        <p:spPr>
+          <a:xfrm>
+            <a:off x="419527" y="3886170"/>
+            <a:ext cx="4320993" cy="2846338"/>
+          </a:xfrm>
+          <a:prstGeom prst="rect">
+            <a:avLst/>
+          </a:prstGeom>
+        </p:spPr>
+      </p:pic>
+      <p:pic>
+        <p:nvPicPr>
+          <p:cNvPr id="16" name="Imagem 15">
+            <a:extLst>
+              <a:ext uri="{FF2B5EF4-FFF2-40B4-BE49-F238E27FC236}">
+                <a16:creationId xmlns:a16="http://schemas.microsoft.com/office/drawing/2014/main" id="{E6BD1F57-FE9A-5433-8A3B-AC88EDEEF0C8}"/>
+              </a:ext>
+            </a:extLst>
+          </p:cNvPr>
+          <p:cNvPicPr>
+            <a:picLocks noChangeAspect="1"/>
+          </p:cNvPicPr>
+          <p:nvPr/>
+        </p:nvPicPr>
+        <p:blipFill>
+          <a:blip r:embed="rId4"/>
+          <a:stretch>
+            <a:fillRect/>
+          </a:stretch>
+        </p:blipFill>
+        <p:spPr>
+          <a:xfrm>
+            <a:off x="5295408" y="2032707"/>
+            <a:ext cx="1601183" cy="1703077"/>
+          </a:xfrm>
+          <a:prstGeom prst="rect">
+            <a:avLst/>
+          </a:prstGeom>
+        </p:spPr>
+      </p:pic>
+      <p:pic>
+        <p:nvPicPr>
+          <p:cNvPr id="18" name="Imagem 17">
+            <a:extLst>
+              <a:ext uri="{FF2B5EF4-FFF2-40B4-BE49-F238E27FC236}">
+                <a16:creationId xmlns:a16="http://schemas.microsoft.com/office/drawing/2014/main" id="{D486F52E-A94A-102F-0BE5-9ED9D9A1ECCC}"/>
+              </a:ext>
+            </a:extLst>
+          </p:cNvPr>
+          <p:cNvPicPr>
+            <a:picLocks noChangeAspect="1"/>
+          </p:cNvPicPr>
+          <p:nvPr/>
+        </p:nvPicPr>
+        <p:blipFill>
+          <a:blip r:embed="rId5"/>
+          <a:stretch>
+            <a:fillRect/>
+          </a:stretch>
+        </p:blipFill>
+        <p:spPr>
+          <a:xfrm>
+            <a:off x="5780394" y="3536403"/>
+            <a:ext cx="5134770" cy="3232725"/>
+          </a:xfrm>
+          <a:prstGeom prst="rect">
+            <a:avLst/>
+          </a:prstGeom>
+        </p:spPr>
+      </p:pic>
+      <p:cxnSp>
+        <p:nvCxnSpPr>
+          <p:cNvPr id="20" name="Conector de Seta Reta 19">
+            <a:extLst>
+              <a:ext uri="{FF2B5EF4-FFF2-40B4-BE49-F238E27FC236}">
+                <a16:creationId xmlns:a16="http://schemas.microsoft.com/office/drawing/2014/main" id="{01E611A0-4BA2-21A3-73A8-5F9E0EC582F0}"/>
+              </a:ext>
+            </a:extLst>
+          </p:cNvPr>
+          <p:cNvCxnSpPr/>
+          <p:nvPr/>
+        </p:nvCxnSpPr>
+        <p:spPr>
+          <a:xfrm>
+            <a:off x="3726873" y="2884245"/>
+            <a:ext cx="1321862" cy="0"/>
+          </a:xfrm>
+          <a:prstGeom prst="straightConnector1">
+            <a:avLst/>
+          </a:prstGeom>
+          <a:ln w="38100">
+            <a:tailEnd type="triangle"/>
+          </a:ln>
+        </p:spPr>
+        <p:style>
+          <a:lnRef idx="1">
+            <a:schemeClr val="accent1"/>
+          </a:lnRef>
+          <a:fillRef idx="0">
+            <a:schemeClr val="accent1"/>
+          </a:fillRef>
+          <a:effectRef idx="0">
+            <a:schemeClr val="accent1"/>
+          </a:effectRef>
+          <a:fontRef idx="minor">
+            <a:schemeClr val="tx1"/>
+          </a:fontRef>
+        </p:style>
+      </p:cxnSp>
+      <p:cxnSp>
+        <p:nvCxnSpPr>
+          <p:cNvPr id="21" name="Conector de Seta Reta 20">
+            <a:extLst>
+              <a:ext uri="{FF2B5EF4-FFF2-40B4-BE49-F238E27FC236}">
+                <a16:creationId xmlns:a16="http://schemas.microsoft.com/office/drawing/2014/main" id="{1FCF3031-AFD3-E457-91C9-52AB7B7F116B}"/>
+              </a:ext>
+            </a:extLst>
+          </p:cNvPr>
+          <p:cNvCxnSpPr>
+            <a:cxnSpLocks/>
+          </p:cNvCxnSpPr>
+          <p:nvPr/>
+        </p:nvCxnSpPr>
+        <p:spPr>
+          <a:xfrm>
+            <a:off x="4876970" y="5152765"/>
+            <a:ext cx="836876" cy="0"/>
+          </a:xfrm>
+          <a:prstGeom prst="straightConnector1">
+            <a:avLst/>
+          </a:prstGeom>
+          <a:ln w="38100">
+            <a:tailEnd type="triangle"/>
+          </a:ln>
+        </p:spPr>
+        <p:style>
+          <a:lnRef idx="1">
+            <a:schemeClr val="accent1"/>
+          </a:lnRef>
+          <a:fillRef idx="0">
+            <a:schemeClr val="accent1"/>
+          </a:fillRef>
+          <a:effectRef idx="0">
+            <a:schemeClr val="accent1"/>
+          </a:effectRef>
+          <a:fontRef idx="minor">
+            <a:schemeClr val="tx1"/>
+          </a:fontRef>
+        </p:style>
+      </p:cxnSp>
     </p:spTree>
     <p:extLst>
       <p:ext uri="{BB962C8B-B14F-4D97-AF65-F5344CB8AC3E}">
-        <p14:creationId xmlns:p14="http://schemas.microsoft.com/office/powerpoint/2010/main" val="563435365"/>
+        <p14:creationId xmlns:p14="http://schemas.microsoft.com/office/powerpoint/2010/main" val="650176485"/>
       </p:ext>
     </p:extLst>
   </p:cSld>
@@ -4901,7 +5967,7 @@
           <p:cNvPr id="2" name="Título 1">
             <a:extLst>
               <a:ext uri="{FF2B5EF4-FFF2-40B4-BE49-F238E27FC236}">
-                <a16:creationId xmlns:a16="http://schemas.microsoft.com/office/drawing/2014/main" id="{DD342DE3-E6EE-9505-4062-005658B66FB9}"/>
+                <a16:creationId xmlns:a16="http://schemas.microsoft.com/office/drawing/2014/main" id="{B014C2AF-D256-3500-7688-A0B60FBFDC90}"/>
               </a:ext>
             </a:extLst>
           </p:cNvPr>
@@ -4912,12 +5978,710 @@
             <p:ph type="title"/>
           </p:nvPr>
         </p:nvSpPr>
-        <p:spPr/>
+        <p:spPr>
+          <a:xfrm>
+            <a:off x="778903" y="138268"/>
+            <a:ext cx="10058400" cy="1609344"/>
+          </a:xfrm>
+        </p:spPr>
         <p:txBody>
           <a:bodyPr/>
           <a:lstStyle/>
           <a:p>
-            <a:endParaRPr lang="pt-BR"/>
+            <a:r>
+              <a:rPr lang="pt-BR" dirty="0"/>
+              <a:t>EXEMPLO 6</a:t>
+            </a:r>
+          </a:p>
+        </p:txBody>
+      </p:sp>
+      <p:sp>
+        <p:nvSpPr>
+          <p:cNvPr id="4" name="Espaço Reservado para Texto 3">
+            <a:extLst>
+              <a:ext uri="{FF2B5EF4-FFF2-40B4-BE49-F238E27FC236}">
+                <a16:creationId xmlns:a16="http://schemas.microsoft.com/office/drawing/2014/main" id="{A366B20C-7F80-EC66-3010-3252BE04F46E}"/>
+              </a:ext>
+            </a:extLst>
+          </p:cNvPr>
+          <p:cNvSpPr>
+            <a:spLocks noGrp="1"/>
+          </p:cNvSpPr>
+          <p:nvPr>
+            <p:ph type="body" idx="1"/>
+          </p:nvPr>
+        </p:nvSpPr>
+        <p:spPr>
+          <a:xfrm>
+            <a:off x="775855" y="1427572"/>
+            <a:ext cx="4754880" cy="640080"/>
+          </a:xfrm>
+        </p:spPr>
+        <p:txBody>
+          <a:bodyPr/>
+          <a:lstStyle/>
+          <a:p>
+            <a:r>
+              <a:rPr lang="pt-BR" dirty="0"/>
+              <a:t>Linguagem C (do compilador)</a:t>
+            </a:r>
+          </a:p>
+        </p:txBody>
+      </p:sp>
+      <p:sp>
+        <p:nvSpPr>
+          <p:cNvPr id="6" name="Espaço Reservado para Texto 5">
+            <a:extLst>
+              <a:ext uri="{FF2B5EF4-FFF2-40B4-BE49-F238E27FC236}">
+                <a16:creationId xmlns:a16="http://schemas.microsoft.com/office/drawing/2014/main" id="{A41D93C6-4C47-8C29-5870-946CCFD4B28A}"/>
+              </a:ext>
+            </a:extLst>
+          </p:cNvPr>
+          <p:cNvSpPr>
+            <a:spLocks noGrp="1"/>
+          </p:cNvSpPr>
+          <p:nvPr>
+            <p:ph type="body" sz="quarter" idx="3"/>
+          </p:nvPr>
+        </p:nvSpPr>
+        <p:spPr>
+          <a:xfrm>
+            <a:off x="5048735" y="1441980"/>
+            <a:ext cx="4754880" cy="640080"/>
+          </a:xfrm>
+        </p:spPr>
+        <p:txBody>
+          <a:bodyPr/>
+          <a:lstStyle/>
+          <a:p>
+            <a:r>
+              <a:rPr lang="pt-BR" dirty="0"/>
+              <a:t>Cifra de César</a:t>
+            </a:r>
+          </a:p>
+        </p:txBody>
+      </p:sp>
+      <p:sp>
+        <p:nvSpPr>
+          <p:cNvPr id="11" name="Espaço Reservado para Texto 5">
+            <a:extLst>
+              <a:ext uri="{FF2B5EF4-FFF2-40B4-BE49-F238E27FC236}">
+                <a16:creationId xmlns:a16="http://schemas.microsoft.com/office/drawing/2014/main" id="{791280D0-45AE-BB2A-25B8-DFC683450CA2}"/>
+              </a:ext>
+            </a:extLst>
+          </p:cNvPr>
+          <p:cNvSpPr txBox="1">
+            <a:spLocks/>
+          </p:cNvSpPr>
+          <p:nvPr/>
+        </p:nvSpPr>
+        <p:spPr>
+          <a:xfrm>
+            <a:off x="8592659" y="162375"/>
+            <a:ext cx="4754880" cy="640080"/>
+          </a:xfrm>
+          <a:prstGeom prst="rect">
+            <a:avLst/>
+          </a:prstGeom>
+        </p:spPr>
+        <p:txBody>
+          <a:bodyPr vert="horz" lIns="91440" tIns="45720" rIns="91440" bIns="45720" rtlCol="0" anchor="ctr">
+            <a:normAutofit/>
+          </a:bodyPr>
+          <a:lstStyle>
+            <a:lvl1pPr marL="0" indent="0" algn="l" defTabSz="914400" rtl="0" eaLnBrk="1" latinLnBrk="0" hangingPunct="1">
+              <a:lnSpc>
+                <a:spcPct val="90000"/>
+              </a:lnSpc>
+              <a:spcBef>
+                <a:spcPts val="1200"/>
+              </a:spcBef>
+              <a:buClr>
+                <a:schemeClr val="accent1">
+                  <a:lumMod val="75000"/>
+                </a:schemeClr>
+              </a:buClr>
+              <a:buSzPct val="85000"/>
+              <a:buFont typeface="Wingdings" pitchFamily="2" charset="2"/>
+              <a:buNone/>
+              <a:defRPr sz="2000" b="1" kern="1200">
+                <a:solidFill>
+                  <a:schemeClr val="accent1">
+                    <a:lumMod val="75000"/>
+                  </a:schemeClr>
+                </a:solidFill>
+                <a:latin typeface="+mn-lt"/>
+                <a:ea typeface="+mn-ea"/>
+                <a:cs typeface="+mn-cs"/>
+              </a:defRPr>
+            </a:lvl1pPr>
+            <a:lvl2pPr marL="457200" indent="0" algn="l" defTabSz="914400" rtl="0" eaLnBrk="1" latinLnBrk="0" hangingPunct="1">
+              <a:lnSpc>
+                <a:spcPct val="90000"/>
+              </a:lnSpc>
+              <a:spcBef>
+                <a:spcPts val="400"/>
+              </a:spcBef>
+              <a:spcAft>
+                <a:spcPts val="200"/>
+              </a:spcAft>
+              <a:buClr>
+                <a:schemeClr val="accent1">
+                  <a:lumMod val="75000"/>
+                </a:schemeClr>
+              </a:buClr>
+              <a:buSzPct val="85000"/>
+              <a:buFont typeface="Wingdings" pitchFamily="2" charset="2"/>
+              <a:buNone/>
+              <a:defRPr sz="2000" b="1" kern="1200">
+                <a:solidFill>
+                  <a:schemeClr val="tx1"/>
+                </a:solidFill>
+                <a:latin typeface="+mn-lt"/>
+                <a:ea typeface="+mn-ea"/>
+                <a:cs typeface="+mn-cs"/>
+              </a:defRPr>
+            </a:lvl2pPr>
+            <a:lvl3pPr marL="914400" indent="0" algn="l" defTabSz="914400" rtl="0" eaLnBrk="1" latinLnBrk="0" hangingPunct="1">
+              <a:lnSpc>
+                <a:spcPct val="90000"/>
+              </a:lnSpc>
+              <a:spcBef>
+                <a:spcPts val="400"/>
+              </a:spcBef>
+              <a:spcAft>
+                <a:spcPts val="200"/>
+              </a:spcAft>
+              <a:buClr>
+                <a:schemeClr val="accent1">
+                  <a:lumMod val="75000"/>
+                </a:schemeClr>
+              </a:buClr>
+              <a:buSzPct val="85000"/>
+              <a:buFont typeface="Wingdings" pitchFamily="2" charset="2"/>
+              <a:buNone/>
+              <a:defRPr sz="1800" b="1" kern="1200">
+                <a:solidFill>
+                  <a:schemeClr val="tx1"/>
+                </a:solidFill>
+                <a:latin typeface="+mn-lt"/>
+                <a:ea typeface="+mn-ea"/>
+                <a:cs typeface="+mn-cs"/>
+              </a:defRPr>
+            </a:lvl3pPr>
+            <a:lvl4pPr marL="1371600" indent="0" algn="l" defTabSz="914400" rtl="0" eaLnBrk="1" latinLnBrk="0" hangingPunct="1">
+              <a:lnSpc>
+                <a:spcPct val="90000"/>
+              </a:lnSpc>
+              <a:spcBef>
+                <a:spcPts val="400"/>
+              </a:spcBef>
+              <a:spcAft>
+                <a:spcPts val="200"/>
+              </a:spcAft>
+              <a:buClr>
+                <a:schemeClr val="accent1">
+                  <a:lumMod val="75000"/>
+                </a:schemeClr>
+              </a:buClr>
+              <a:buSzPct val="85000"/>
+              <a:buFont typeface="Wingdings" pitchFamily="2" charset="2"/>
+              <a:buNone/>
+              <a:defRPr sz="1600" b="1" kern="1200">
+                <a:solidFill>
+                  <a:schemeClr val="tx1"/>
+                </a:solidFill>
+                <a:latin typeface="+mn-lt"/>
+                <a:ea typeface="+mn-ea"/>
+                <a:cs typeface="+mn-cs"/>
+              </a:defRPr>
+            </a:lvl4pPr>
+            <a:lvl5pPr marL="1828800" indent="0" algn="l" defTabSz="914400" rtl="0" eaLnBrk="1" latinLnBrk="0" hangingPunct="1">
+              <a:lnSpc>
+                <a:spcPct val="90000"/>
+              </a:lnSpc>
+              <a:spcBef>
+                <a:spcPts val="400"/>
+              </a:spcBef>
+              <a:spcAft>
+                <a:spcPts val="200"/>
+              </a:spcAft>
+              <a:buClr>
+                <a:schemeClr val="accent1">
+                  <a:lumMod val="75000"/>
+                </a:schemeClr>
+              </a:buClr>
+              <a:buSzPct val="85000"/>
+              <a:buFont typeface="Wingdings" pitchFamily="2" charset="2"/>
+              <a:buNone/>
+              <a:defRPr sz="1600" b="1" kern="1200">
+                <a:solidFill>
+                  <a:schemeClr val="tx1"/>
+                </a:solidFill>
+                <a:latin typeface="+mn-lt"/>
+                <a:ea typeface="+mn-ea"/>
+                <a:cs typeface="+mn-cs"/>
+              </a:defRPr>
+            </a:lvl5pPr>
+            <a:lvl6pPr marL="2286000" indent="0" algn="l" defTabSz="914400" rtl="0" eaLnBrk="1" latinLnBrk="0" hangingPunct="1">
+              <a:lnSpc>
+                <a:spcPct val="90000"/>
+              </a:lnSpc>
+              <a:spcBef>
+                <a:spcPts val="400"/>
+              </a:spcBef>
+              <a:spcAft>
+                <a:spcPts val="200"/>
+              </a:spcAft>
+              <a:buClr>
+                <a:schemeClr val="accent1">
+                  <a:lumMod val="75000"/>
+                </a:schemeClr>
+              </a:buClr>
+              <a:buSzPct val="85000"/>
+              <a:buFont typeface="Wingdings" pitchFamily="2" charset="2"/>
+              <a:buNone/>
+              <a:defRPr sz="1600" b="1" kern="1200">
+                <a:solidFill>
+                  <a:schemeClr val="tx1"/>
+                </a:solidFill>
+                <a:latin typeface="+mn-lt"/>
+                <a:ea typeface="+mn-ea"/>
+                <a:cs typeface="+mn-cs"/>
+              </a:defRPr>
+            </a:lvl6pPr>
+            <a:lvl7pPr marL="2743200" indent="0" algn="l" defTabSz="914400" rtl="0" eaLnBrk="1" latinLnBrk="0" hangingPunct="1">
+              <a:lnSpc>
+                <a:spcPct val="90000"/>
+              </a:lnSpc>
+              <a:spcBef>
+                <a:spcPts val="400"/>
+              </a:spcBef>
+              <a:spcAft>
+                <a:spcPts val="200"/>
+              </a:spcAft>
+              <a:buClr>
+                <a:schemeClr val="accent1">
+                  <a:lumMod val="75000"/>
+                </a:schemeClr>
+              </a:buClr>
+              <a:buSzPct val="85000"/>
+              <a:buFont typeface="Wingdings" pitchFamily="2" charset="2"/>
+              <a:buNone/>
+              <a:defRPr sz="1600" b="1" kern="1200">
+                <a:solidFill>
+                  <a:schemeClr val="tx1"/>
+                </a:solidFill>
+                <a:latin typeface="+mn-lt"/>
+                <a:ea typeface="+mn-ea"/>
+                <a:cs typeface="+mn-cs"/>
+              </a:defRPr>
+            </a:lvl7pPr>
+            <a:lvl8pPr marL="3200400" indent="0" algn="l" defTabSz="914400" rtl="0" eaLnBrk="1" latinLnBrk="0" hangingPunct="1">
+              <a:lnSpc>
+                <a:spcPct val="90000"/>
+              </a:lnSpc>
+              <a:spcBef>
+                <a:spcPts val="400"/>
+              </a:spcBef>
+              <a:spcAft>
+                <a:spcPts val="200"/>
+              </a:spcAft>
+              <a:buClr>
+                <a:schemeClr val="accent1">
+                  <a:lumMod val="75000"/>
+                </a:schemeClr>
+              </a:buClr>
+              <a:buSzPct val="85000"/>
+              <a:buFont typeface="Wingdings" pitchFamily="2" charset="2"/>
+              <a:buNone/>
+              <a:defRPr sz="1600" b="1" kern="1200">
+                <a:solidFill>
+                  <a:schemeClr val="tx1"/>
+                </a:solidFill>
+                <a:latin typeface="+mn-lt"/>
+                <a:ea typeface="+mn-ea"/>
+                <a:cs typeface="+mn-cs"/>
+              </a:defRPr>
+            </a:lvl8pPr>
+            <a:lvl9pPr marL="3657600" indent="0" algn="l" defTabSz="914400" rtl="0" eaLnBrk="1" latinLnBrk="0" hangingPunct="1">
+              <a:lnSpc>
+                <a:spcPct val="90000"/>
+              </a:lnSpc>
+              <a:spcBef>
+                <a:spcPts val="400"/>
+              </a:spcBef>
+              <a:spcAft>
+                <a:spcPts val="200"/>
+              </a:spcAft>
+              <a:buClr>
+                <a:schemeClr val="accent1">
+                  <a:lumMod val="75000"/>
+                </a:schemeClr>
+              </a:buClr>
+              <a:buSzPct val="85000"/>
+              <a:buFont typeface="Wingdings" pitchFamily="2" charset="2"/>
+              <a:buNone/>
+              <a:defRPr sz="1600" b="1" kern="1200">
+                <a:solidFill>
+                  <a:schemeClr val="tx1"/>
+                </a:solidFill>
+                <a:latin typeface="+mn-lt"/>
+                <a:ea typeface="+mn-ea"/>
+                <a:cs typeface="+mn-cs"/>
+              </a:defRPr>
+            </a:lvl9pPr>
+          </a:lstStyle>
+          <a:p>
+            <a:r>
+              <a:rPr lang="pt-BR" dirty="0"/>
+              <a:t>Saída de Ambas</a:t>
+            </a:r>
+          </a:p>
+        </p:txBody>
+      </p:sp>
+      <p:sp>
+        <p:nvSpPr>
+          <p:cNvPr id="12" name="CaixaDeTexto 11">
+            <a:extLst>
+              <a:ext uri="{FF2B5EF4-FFF2-40B4-BE49-F238E27FC236}">
+                <a16:creationId xmlns:a16="http://schemas.microsoft.com/office/drawing/2014/main" id="{D9713173-A9BF-488C-D19D-F2994841828A}"/>
+              </a:ext>
+            </a:extLst>
+          </p:cNvPr>
+          <p:cNvSpPr txBox="1"/>
+          <p:nvPr/>
+        </p:nvSpPr>
+        <p:spPr>
+          <a:xfrm>
+            <a:off x="8637132" y="791925"/>
+            <a:ext cx="3366655" cy="2585323"/>
+          </a:xfrm>
+          <a:prstGeom prst="rect">
+            <a:avLst/>
+          </a:prstGeom>
+        </p:spPr>
+        <p:style>
+          <a:lnRef idx="2">
+            <a:schemeClr val="dk1"/>
+          </a:lnRef>
+          <a:fillRef idx="1">
+            <a:schemeClr val="lt1"/>
+          </a:fillRef>
+          <a:effectRef idx="0">
+            <a:schemeClr val="dk1"/>
+          </a:effectRef>
+          <a:fontRef idx="minor">
+            <a:schemeClr val="dk1"/>
+          </a:fontRef>
+        </p:style>
+        <p:txBody>
+          <a:bodyPr wrap="square" rtlCol="0">
+            <a:spAutoFit/>
+          </a:bodyPr>
+          <a:lstStyle/>
+          <a:p>
+            <a:r>
+              <a:rPr lang="pt-BR" dirty="0">
+                <a:latin typeface="Arial Nova" panose="020B0504020202020204" pitchFamily="34" charset="0"/>
+              </a:rPr>
+              <a:t>1</a:t>
+            </a:r>
+          </a:p>
+          <a:p>
+            <a:r>
+              <a:rPr lang="pt-BR" dirty="0">
+                <a:latin typeface="Arial Nova" panose="020B0504020202020204" pitchFamily="34" charset="0"/>
+              </a:rPr>
+              <a:t>2</a:t>
+            </a:r>
+          </a:p>
+          <a:p>
+            <a:r>
+              <a:rPr lang="pt-BR" dirty="0">
+                <a:latin typeface="Arial Nova" panose="020B0504020202020204" pitchFamily="34" charset="0"/>
+              </a:rPr>
+              <a:t>3</a:t>
+            </a:r>
+          </a:p>
+          <a:p>
+            <a:r>
+              <a:rPr lang="pt-BR" dirty="0">
+                <a:latin typeface="Arial Nova" panose="020B0504020202020204" pitchFamily="34" charset="0"/>
+              </a:rPr>
+              <a:t>4</a:t>
+            </a:r>
+          </a:p>
+          <a:p>
+            <a:r>
+              <a:rPr lang="pt-BR" dirty="0">
+                <a:latin typeface="Arial Nova" panose="020B0504020202020204" pitchFamily="34" charset="0"/>
+              </a:rPr>
+              <a:t>5</a:t>
+            </a:r>
+          </a:p>
+          <a:p>
+            <a:r>
+              <a:rPr lang="pt-BR" dirty="0">
+                <a:latin typeface="Arial Nova" panose="020B0504020202020204" pitchFamily="34" charset="0"/>
+              </a:rPr>
+              <a:t>6</a:t>
+            </a:r>
+          </a:p>
+          <a:p>
+            <a:r>
+              <a:rPr lang="pt-BR" dirty="0">
+                <a:latin typeface="Arial Nova" panose="020B0504020202020204" pitchFamily="34" charset="0"/>
+              </a:rPr>
+              <a:t>7</a:t>
+            </a:r>
+          </a:p>
+          <a:p>
+            <a:r>
+              <a:rPr lang="pt-BR" dirty="0">
+                <a:latin typeface="Arial Nova" panose="020B0504020202020204" pitchFamily="34" charset="0"/>
+              </a:rPr>
+              <a:t>8</a:t>
+            </a:r>
+          </a:p>
+          <a:p>
+            <a:r>
+              <a:rPr lang="pt-BR" dirty="0">
+                <a:latin typeface="Arial Nova" panose="020B0504020202020204" pitchFamily="34" charset="0"/>
+              </a:rPr>
+              <a:t>9</a:t>
+            </a:r>
+          </a:p>
+        </p:txBody>
+      </p:sp>
+      <p:pic>
+        <p:nvPicPr>
+          <p:cNvPr id="13" name="Imagem 12">
+            <a:extLst>
+              <a:ext uri="{FF2B5EF4-FFF2-40B4-BE49-F238E27FC236}">
+                <a16:creationId xmlns:a16="http://schemas.microsoft.com/office/drawing/2014/main" id="{A927087C-DEA7-C2F9-FFFF-B2515DB65FB3}"/>
+              </a:ext>
+            </a:extLst>
+          </p:cNvPr>
+          <p:cNvPicPr>
+            <a:picLocks noChangeAspect="1"/>
+          </p:cNvPicPr>
+          <p:nvPr/>
+        </p:nvPicPr>
+        <p:blipFill>
+          <a:blip r:embed="rId2"/>
+          <a:stretch>
+            <a:fillRect/>
+          </a:stretch>
+        </p:blipFill>
+        <p:spPr>
+          <a:xfrm>
+            <a:off x="5048735" y="2452756"/>
+            <a:ext cx="2517403" cy="2190140"/>
+          </a:xfrm>
+          <a:prstGeom prst="rect">
+            <a:avLst/>
+          </a:prstGeom>
+        </p:spPr>
+      </p:pic>
+      <p:pic>
+        <p:nvPicPr>
+          <p:cNvPr id="5" name="Imagem 4">
+            <a:extLst>
+              <a:ext uri="{FF2B5EF4-FFF2-40B4-BE49-F238E27FC236}">
+                <a16:creationId xmlns:a16="http://schemas.microsoft.com/office/drawing/2014/main" id="{AF880A1D-2004-DFC4-3A66-6440760853D8}"/>
+              </a:ext>
+            </a:extLst>
+          </p:cNvPr>
+          <p:cNvPicPr>
+            <a:picLocks noChangeAspect="1"/>
+          </p:cNvPicPr>
+          <p:nvPr/>
+        </p:nvPicPr>
+        <p:blipFill>
+          <a:blip r:embed="rId3"/>
+          <a:stretch>
+            <a:fillRect/>
+          </a:stretch>
+        </p:blipFill>
+        <p:spPr>
+          <a:xfrm>
+            <a:off x="832211" y="2138903"/>
+            <a:ext cx="2722658" cy="2580193"/>
+          </a:xfrm>
+          <a:prstGeom prst="rect">
+            <a:avLst/>
+          </a:prstGeom>
+        </p:spPr>
+      </p:pic>
+    </p:spTree>
+    <p:extLst>
+      <p:ext uri="{BB962C8B-B14F-4D97-AF65-F5344CB8AC3E}">
+        <p14:creationId xmlns:p14="http://schemas.microsoft.com/office/powerpoint/2010/main" val="2586193329"/>
+      </p:ext>
+    </p:extLst>
+  </p:cSld>
+  <p:clrMapOvr>
+    <a:masterClrMapping/>
+  </p:clrMapOvr>
+</p:sld>
+</file>
+
+<file path=ppt/slides/slide13.xml><?xml version="1.0" encoding="utf-8"?>
+<p:sld xmlns:a="http://schemas.openxmlformats.org/drawingml/2006/main" xmlns:r="http://schemas.openxmlformats.org/officeDocument/2006/relationships" xmlns:p="http://schemas.openxmlformats.org/presentationml/2006/main">
+  <p:cSld>
+    <p:spTree>
+      <p:nvGrpSpPr>
+        <p:cNvPr id="1" name=""/>
+        <p:cNvGrpSpPr/>
+        <p:nvPr/>
+      </p:nvGrpSpPr>
+      <p:grpSpPr>
+        <a:xfrm>
+          <a:off x="0" y="0"/>
+          <a:ext cx="0" cy="0"/>
+          <a:chOff x="0" y="0"/>
+          <a:chExt cx="0" cy="0"/>
+        </a:xfrm>
+      </p:grpSpPr>
+      <p:sp>
+        <p:nvSpPr>
+          <p:cNvPr id="2" name="Título 1">
+            <a:extLst>
+              <a:ext uri="{FF2B5EF4-FFF2-40B4-BE49-F238E27FC236}">
+                <a16:creationId xmlns:a16="http://schemas.microsoft.com/office/drawing/2014/main" id="{6C82D817-FEFF-C2B5-AB36-82D2DECDC7CB}"/>
+              </a:ext>
+            </a:extLst>
+          </p:cNvPr>
+          <p:cNvSpPr>
+            <a:spLocks noGrp="1"/>
+          </p:cNvSpPr>
+          <p:nvPr>
+            <p:ph type="title"/>
+          </p:nvPr>
+        </p:nvSpPr>
+        <p:spPr/>
+        <p:txBody>
+          <a:bodyPr/>
+          <a:lstStyle/>
+          <a:p>
+            <a:r>
+              <a:rPr lang="pt-BR" dirty="0"/>
+              <a:t>Como testar</a:t>
+            </a:r>
+          </a:p>
+        </p:txBody>
+      </p:sp>
+      <p:sp>
+        <p:nvSpPr>
+          <p:cNvPr id="7" name="Espaço Reservado para Conteúdo 6">
+            <a:extLst>
+              <a:ext uri="{FF2B5EF4-FFF2-40B4-BE49-F238E27FC236}">
+                <a16:creationId xmlns:a16="http://schemas.microsoft.com/office/drawing/2014/main" id="{DE160342-69AC-94A4-EA8F-23BE564B8101}"/>
+              </a:ext>
+            </a:extLst>
+          </p:cNvPr>
+          <p:cNvSpPr>
+            <a:spLocks noGrp="1"/>
+          </p:cNvSpPr>
+          <p:nvPr>
+            <p:ph idx="1"/>
+          </p:nvPr>
+        </p:nvSpPr>
+        <p:spPr/>
+        <p:txBody>
+          <a:bodyPr/>
+          <a:lstStyle/>
+          <a:p>
+            <a:r>
+              <a:rPr lang="pt-BR" dirty="0" err="1"/>
+              <a:t>git</a:t>
+            </a:r>
+            <a:r>
+              <a:rPr lang="pt-BR" dirty="0"/>
+              <a:t> clone </a:t>
+            </a:r>
+            <a:r>
+              <a:rPr lang="pt-BR" dirty="0">
+                <a:hlinkClick r:id="rId2"/>
+              </a:rPr>
+              <a:t>https://github.com/williamars/my-programming-language</a:t>
+            </a:r>
+            <a:endParaRPr lang="pt-BR" dirty="0"/>
+          </a:p>
+          <a:p>
+            <a:r>
+              <a:rPr lang="pt-BR" dirty="0" err="1"/>
+              <a:t>python</a:t>
+            </a:r>
+            <a:r>
+              <a:rPr lang="pt-BR" dirty="0"/>
+              <a:t> main.py example/example-01.cr</a:t>
+            </a:r>
+          </a:p>
+          <a:p>
+            <a:r>
+              <a:rPr lang="pt-BR" dirty="0"/>
+              <a:t>Podendo ir até o example-06.cr</a:t>
+            </a:r>
+          </a:p>
+        </p:txBody>
+      </p:sp>
+    </p:spTree>
+    <p:extLst>
+      <p:ext uri="{BB962C8B-B14F-4D97-AF65-F5344CB8AC3E}">
+        <p14:creationId xmlns:p14="http://schemas.microsoft.com/office/powerpoint/2010/main" val="313788278"/>
+      </p:ext>
+    </p:extLst>
+  </p:cSld>
+  <p:clrMapOvr>
+    <a:masterClrMapping/>
+  </p:clrMapOvr>
+</p:sld>
+</file>
+
+<file path=ppt/slides/slide14.xml><?xml version="1.0" encoding="utf-8"?>
+<p:sld xmlns:a="http://schemas.openxmlformats.org/drawingml/2006/main" xmlns:r="http://schemas.openxmlformats.org/officeDocument/2006/relationships" xmlns:p="http://schemas.openxmlformats.org/presentationml/2006/main">
+  <p:cSld>
+    <p:spTree>
+      <p:nvGrpSpPr>
+        <p:cNvPr id="1" name=""/>
+        <p:cNvGrpSpPr/>
+        <p:nvPr/>
+      </p:nvGrpSpPr>
+      <p:grpSpPr>
+        <a:xfrm>
+          <a:off x="0" y="0"/>
+          <a:ext cx="0" cy="0"/>
+          <a:chOff x="0" y="0"/>
+          <a:chExt cx="0" cy="0"/>
+        </a:xfrm>
+      </p:grpSpPr>
+      <p:sp>
+        <p:nvSpPr>
+          <p:cNvPr id="2" name="Título 1">
+            <a:extLst>
+              <a:ext uri="{FF2B5EF4-FFF2-40B4-BE49-F238E27FC236}">
+                <a16:creationId xmlns:a16="http://schemas.microsoft.com/office/drawing/2014/main" id="{77D458D2-46C2-303F-C843-661F5CE189DB}"/>
+              </a:ext>
+            </a:extLst>
+          </p:cNvPr>
+          <p:cNvSpPr>
+            <a:spLocks noGrp="1"/>
+          </p:cNvSpPr>
+          <p:nvPr>
+            <p:ph type="title"/>
+          </p:nvPr>
+        </p:nvSpPr>
+        <p:spPr/>
+        <p:txBody>
+          <a:bodyPr/>
+          <a:lstStyle/>
+          <a:p>
+            <a:r>
+              <a:rPr lang="pt-BR" dirty="0"/>
+              <a:t>referências</a:t>
+            </a:r>
           </a:p>
         </p:txBody>
       </p:sp>
@@ -4926,7 +6690,7 @@
           <p:cNvPr id="3" name="Espaço Reservado para Conteúdo 2">
             <a:extLst>
               <a:ext uri="{FF2B5EF4-FFF2-40B4-BE49-F238E27FC236}">
-                <a16:creationId xmlns:a16="http://schemas.microsoft.com/office/drawing/2014/main" id="{CDEA540A-E8C9-2967-163B-7B29141797F8}"/>
+                <a16:creationId xmlns:a16="http://schemas.microsoft.com/office/drawing/2014/main" id="{0E9000CF-4741-26E0-8B86-753B05DB42D2}"/>
               </a:ext>
             </a:extLst>
           </p:cNvPr>
@@ -4942,14 +6706,64 @@
           <a:bodyPr/>
           <a:lstStyle/>
           <a:p>
-            <a:endParaRPr lang="pt-BR"/>
+            <a:r>
+              <a:rPr lang="pt-BR" dirty="0">
+                <a:hlinkClick r:id="rId2"/>
+              </a:rPr>
+              <a:t> Minha implementação:</a:t>
+            </a:r>
+          </a:p>
+          <a:p>
+            <a:pPr lvl="1"/>
+            <a:r>
+              <a:rPr lang="pt-BR" dirty="0">
+                <a:hlinkClick r:id="rId2"/>
+              </a:rPr>
+              <a:t> </a:t>
+            </a:r>
+            <a:r>
+              <a:rPr lang="pt-BR" i="1" dirty="0">
+                <a:hlinkClick r:id="rId2"/>
+              </a:rPr>
+              <a:t>https://github.com/williamars/my-programming-language</a:t>
+            </a:r>
+          </a:p>
+          <a:p>
+            <a:r>
+              <a:rPr lang="pt-BR" i="1" dirty="0">
+                <a:hlinkClick r:id="rId2"/>
+              </a:rPr>
+              <a:t>Ótima referência de criptografia e </a:t>
+            </a:r>
+            <a:r>
+              <a:rPr lang="pt-BR" i="1" dirty="0" err="1">
+                <a:hlinkClick r:id="rId2"/>
+              </a:rPr>
+              <a:t>descriptografia</a:t>
+            </a:r>
+            <a:endParaRPr lang="pt-BR" i="1" dirty="0">
+              <a:hlinkClick r:id="rId2"/>
+            </a:endParaRPr>
+          </a:p>
+          <a:p>
+            <a:pPr lvl="1"/>
+            <a:r>
+              <a:rPr lang="pt-BR" dirty="0">
+                <a:hlinkClick r:id="rId2"/>
+              </a:rPr>
+              <a:t>https://marciapsilva.github.io/cifra-de-cesar/</a:t>
+            </a:r>
+            <a:endParaRPr lang="pt-BR" dirty="0"/>
+          </a:p>
+          <a:p>
+            <a:endParaRPr lang="pt-BR" dirty="0"/>
           </a:p>
         </p:txBody>
       </p:sp>
     </p:spTree>
     <p:extLst>
       <p:ext uri="{BB962C8B-B14F-4D97-AF65-F5344CB8AC3E}">
-        <p14:creationId xmlns:p14="http://schemas.microsoft.com/office/powerpoint/2010/main" val="3331782725"/>
+        <p14:creationId xmlns:p14="http://schemas.microsoft.com/office/powerpoint/2010/main" val="2817449499"/>
       </p:ext>
     </p:extLst>
   </p:cSld>
@@ -4992,7 +6806,12 @@
             <p:ph type="title"/>
           </p:nvPr>
         </p:nvSpPr>
-        <p:spPr/>
+        <p:spPr>
+          <a:xfrm>
+            <a:off x="1066800" y="401504"/>
+            <a:ext cx="10058400" cy="1609344"/>
+          </a:xfrm>
+        </p:spPr>
         <p:txBody>
           <a:bodyPr/>
           <a:lstStyle/>
@@ -5020,12 +6839,347 @@
             <p:ph idx="1"/>
           </p:nvPr>
         </p:nvSpPr>
-        <p:spPr/>
+        <p:spPr>
+          <a:xfrm>
+            <a:off x="1060704" y="1761190"/>
+            <a:ext cx="10058400" cy="4050792"/>
+          </a:xfrm>
+        </p:spPr>
         <p:txBody>
           <a:bodyPr/>
           <a:lstStyle/>
           <a:p>
-            <a:endParaRPr lang="pt-BR"/>
+            <a:r>
+              <a:rPr lang="pt-BR" dirty="0"/>
+              <a:t>Conexão de aprendizados: Tecnologias Hacker e Lógica da Computação</a:t>
+            </a:r>
+          </a:p>
+          <a:p>
+            <a:r>
+              <a:rPr lang="pt-BR" dirty="0"/>
+              <a:t>Contexto: início das aulas de Criptografia</a:t>
+            </a:r>
+          </a:p>
+        </p:txBody>
+      </p:sp>
+      <p:pic>
+        <p:nvPicPr>
+          <p:cNvPr id="5" name="Imagem 4">
+            <a:extLst>
+              <a:ext uri="{FF2B5EF4-FFF2-40B4-BE49-F238E27FC236}">
+                <a16:creationId xmlns:a16="http://schemas.microsoft.com/office/drawing/2014/main" id="{0C643F80-D28E-845D-ADB9-63A397A22CEF}"/>
+              </a:ext>
+            </a:extLst>
+          </p:cNvPr>
+          <p:cNvPicPr>
+            <a:picLocks noChangeAspect="1"/>
+          </p:cNvPicPr>
+          <p:nvPr/>
+        </p:nvPicPr>
+        <p:blipFill>
+          <a:blip r:embed="rId2"/>
+          <a:stretch>
+            <a:fillRect/>
+          </a:stretch>
+        </p:blipFill>
+        <p:spPr>
+          <a:xfrm>
+            <a:off x="875654" y="2743705"/>
+            <a:ext cx="7081075" cy="3874384"/>
+          </a:xfrm>
+          <a:prstGeom prst="rect">
+            <a:avLst/>
+          </a:prstGeom>
+        </p:spPr>
+      </p:pic>
+      <p:sp>
+        <p:nvSpPr>
+          <p:cNvPr id="6" name="Espaço Reservado para Conteúdo 2">
+            <a:extLst>
+              <a:ext uri="{FF2B5EF4-FFF2-40B4-BE49-F238E27FC236}">
+                <a16:creationId xmlns:a16="http://schemas.microsoft.com/office/drawing/2014/main" id="{C4F18A17-337C-6853-1780-06D2740170E1}"/>
+              </a:ext>
+            </a:extLst>
+          </p:cNvPr>
+          <p:cNvSpPr txBox="1">
+            <a:spLocks/>
+          </p:cNvSpPr>
+          <p:nvPr/>
+        </p:nvSpPr>
+        <p:spPr>
+          <a:xfrm>
+            <a:off x="8141779" y="2743705"/>
+            <a:ext cx="3595691" cy="3708878"/>
+          </a:xfrm>
+          <a:prstGeom prst="rect">
+            <a:avLst/>
+          </a:prstGeom>
+        </p:spPr>
+        <p:txBody>
+          <a:bodyPr vert="horz" lIns="91440" tIns="45720" rIns="91440" bIns="45720" rtlCol="0">
+            <a:normAutofit/>
+          </a:bodyPr>
+          <a:lstStyle>
+            <a:lvl1pPr marL="182880" indent="-182880" algn="l" defTabSz="914400" rtl="0" eaLnBrk="1" latinLnBrk="0" hangingPunct="1">
+              <a:lnSpc>
+                <a:spcPct val="90000"/>
+              </a:lnSpc>
+              <a:spcBef>
+                <a:spcPts val="1200"/>
+              </a:spcBef>
+              <a:buClr>
+                <a:schemeClr val="accent1">
+                  <a:lumMod val="75000"/>
+                </a:schemeClr>
+              </a:buClr>
+              <a:buSzPct val="85000"/>
+              <a:buFont typeface="Wingdings" pitchFamily="2" charset="2"/>
+              <a:buChar char="§"/>
+              <a:defRPr sz="2000" kern="1200">
+                <a:solidFill>
+                  <a:schemeClr val="tx1"/>
+                </a:solidFill>
+                <a:latin typeface="+mn-lt"/>
+                <a:ea typeface="+mn-ea"/>
+                <a:cs typeface="+mn-cs"/>
+              </a:defRPr>
+            </a:lvl1pPr>
+            <a:lvl2pPr marL="457200" indent="-182880" algn="l" defTabSz="914400" rtl="0" eaLnBrk="1" latinLnBrk="0" hangingPunct="1">
+              <a:lnSpc>
+                <a:spcPct val="90000"/>
+              </a:lnSpc>
+              <a:spcBef>
+                <a:spcPts val="400"/>
+              </a:spcBef>
+              <a:spcAft>
+                <a:spcPts val="200"/>
+              </a:spcAft>
+              <a:buClr>
+                <a:schemeClr val="accent1">
+                  <a:lumMod val="75000"/>
+                </a:schemeClr>
+              </a:buClr>
+              <a:buSzPct val="85000"/>
+              <a:buFont typeface="Wingdings" pitchFamily="2" charset="2"/>
+              <a:buChar char="§"/>
+              <a:defRPr sz="1800" kern="1200">
+                <a:solidFill>
+                  <a:schemeClr val="tx1"/>
+                </a:solidFill>
+                <a:latin typeface="+mn-lt"/>
+                <a:ea typeface="+mn-ea"/>
+                <a:cs typeface="+mn-cs"/>
+              </a:defRPr>
+            </a:lvl2pPr>
+            <a:lvl3pPr marL="731520" indent="-182880" algn="l" defTabSz="914400" rtl="0" eaLnBrk="1" latinLnBrk="0" hangingPunct="1">
+              <a:lnSpc>
+                <a:spcPct val="90000"/>
+              </a:lnSpc>
+              <a:spcBef>
+                <a:spcPts val="400"/>
+              </a:spcBef>
+              <a:spcAft>
+                <a:spcPts val="200"/>
+              </a:spcAft>
+              <a:buClr>
+                <a:schemeClr val="accent1">
+                  <a:lumMod val="75000"/>
+                </a:schemeClr>
+              </a:buClr>
+              <a:buSzPct val="85000"/>
+              <a:buFont typeface="Wingdings" pitchFamily="2" charset="2"/>
+              <a:buChar char="§"/>
+              <a:defRPr sz="1600" kern="1200">
+                <a:solidFill>
+                  <a:schemeClr val="tx1"/>
+                </a:solidFill>
+                <a:latin typeface="+mn-lt"/>
+                <a:ea typeface="+mn-ea"/>
+                <a:cs typeface="+mn-cs"/>
+              </a:defRPr>
+            </a:lvl3pPr>
+            <a:lvl4pPr marL="1005840" indent="-182880" algn="l" defTabSz="914400" rtl="0" eaLnBrk="1" latinLnBrk="0" hangingPunct="1">
+              <a:lnSpc>
+                <a:spcPct val="90000"/>
+              </a:lnSpc>
+              <a:spcBef>
+                <a:spcPts val="400"/>
+              </a:spcBef>
+              <a:spcAft>
+                <a:spcPts val="200"/>
+              </a:spcAft>
+              <a:buClr>
+                <a:schemeClr val="accent1">
+                  <a:lumMod val="75000"/>
+                </a:schemeClr>
+              </a:buClr>
+              <a:buSzPct val="85000"/>
+              <a:buFont typeface="Wingdings" pitchFamily="2" charset="2"/>
+              <a:buChar char="§"/>
+              <a:defRPr sz="1600" kern="1200">
+                <a:solidFill>
+                  <a:schemeClr val="tx1"/>
+                </a:solidFill>
+                <a:latin typeface="+mn-lt"/>
+                <a:ea typeface="+mn-ea"/>
+                <a:cs typeface="+mn-cs"/>
+              </a:defRPr>
+            </a:lvl4pPr>
+            <a:lvl5pPr marL="1280160" indent="-182880" algn="l" defTabSz="914400" rtl="0" eaLnBrk="1" latinLnBrk="0" hangingPunct="1">
+              <a:lnSpc>
+                <a:spcPct val="90000"/>
+              </a:lnSpc>
+              <a:spcBef>
+                <a:spcPts val="400"/>
+              </a:spcBef>
+              <a:spcAft>
+                <a:spcPts val="200"/>
+              </a:spcAft>
+              <a:buClr>
+                <a:schemeClr val="accent1">
+                  <a:lumMod val="75000"/>
+                </a:schemeClr>
+              </a:buClr>
+              <a:buSzPct val="85000"/>
+              <a:buFont typeface="Wingdings" pitchFamily="2" charset="2"/>
+              <a:buChar char="§"/>
+              <a:defRPr sz="1600" kern="1200">
+                <a:solidFill>
+                  <a:schemeClr val="tx1"/>
+                </a:solidFill>
+                <a:latin typeface="+mn-lt"/>
+                <a:ea typeface="+mn-ea"/>
+                <a:cs typeface="+mn-cs"/>
+              </a:defRPr>
+            </a:lvl5pPr>
+            <a:lvl6pPr marL="1600000" indent="-228600" algn="l" defTabSz="914400" rtl="0" eaLnBrk="1" latinLnBrk="0" hangingPunct="1">
+              <a:lnSpc>
+                <a:spcPct val="90000"/>
+              </a:lnSpc>
+              <a:spcBef>
+                <a:spcPts val="400"/>
+              </a:spcBef>
+              <a:spcAft>
+                <a:spcPts val="200"/>
+              </a:spcAft>
+              <a:buClr>
+                <a:schemeClr val="accent1">
+                  <a:lumMod val="75000"/>
+                </a:schemeClr>
+              </a:buClr>
+              <a:buSzPct val="85000"/>
+              <a:buFont typeface="Wingdings" pitchFamily="2" charset="2"/>
+              <a:buChar char="§"/>
+              <a:defRPr sz="1600" kern="1200">
+                <a:solidFill>
+                  <a:schemeClr val="tx1"/>
+                </a:solidFill>
+                <a:latin typeface="+mn-lt"/>
+                <a:ea typeface="+mn-ea"/>
+                <a:cs typeface="+mn-cs"/>
+              </a:defRPr>
+            </a:lvl6pPr>
+            <a:lvl7pPr marL="1900000" indent="-228600" algn="l" defTabSz="914400" rtl="0" eaLnBrk="1" latinLnBrk="0" hangingPunct="1">
+              <a:lnSpc>
+                <a:spcPct val="90000"/>
+              </a:lnSpc>
+              <a:spcBef>
+                <a:spcPts val="400"/>
+              </a:spcBef>
+              <a:spcAft>
+                <a:spcPts val="200"/>
+              </a:spcAft>
+              <a:buClr>
+                <a:schemeClr val="accent1">
+                  <a:lumMod val="75000"/>
+                </a:schemeClr>
+              </a:buClr>
+              <a:buSzPct val="85000"/>
+              <a:buFont typeface="Wingdings" pitchFamily="2" charset="2"/>
+              <a:buChar char="§"/>
+              <a:defRPr sz="1600" kern="1200">
+                <a:solidFill>
+                  <a:schemeClr val="tx1"/>
+                </a:solidFill>
+                <a:latin typeface="+mn-lt"/>
+                <a:ea typeface="+mn-ea"/>
+                <a:cs typeface="+mn-cs"/>
+              </a:defRPr>
+            </a:lvl7pPr>
+            <a:lvl8pPr marL="2200000" indent="-228600" algn="l" defTabSz="914400" rtl="0" eaLnBrk="1" latinLnBrk="0" hangingPunct="1">
+              <a:lnSpc>
+                <a:spcPct val="90000"/>
+              </a:lnSpc>
+              <a:spcBef>
+                <a:spcPts val="400"/>
+              </a:spcBef>
+              <a:spcAft>
+                <a:spcPts val="200"/>
+              </a:spcAft>
+              <a:buClr>
+                <a:schemeClr val="accent1">
+                  <a:lumMod val="75000"/>
+                </a:schemeClr>
+              </a:buClr>
+              <a:buSzPct val="85000"/>
+              <a:buFont typeface="Wingdings" pitchFamily="2" charset="2"/>
+              <a:buChar char="§"/>
+              <a:defRPr sz="1600" kern="1200">
+                <a:solidFill>
+                  <a:schemeClr val="tx1"/>
+                </a:solidFill>
+                <a:latin typeface="+mn-lt"/>
+                <a:ea typeface="+mn-ea"/>
+                <a:cs typeface="+mn-cs"/>
+              </a:defRPr>
+            </a:lvl8pPr>
+            <a:lvl9pPr marL="2500000" indent="-228600" algn="l" defTabSz="914400" rtl="0" eaLnBrk="1" latinLnBrk="0" hangingPunct="1">
+              <a:lnSpc>
+                <a:spcPct val="90000"/>
+              </a:lnSpc>
+              <a:spcBef>
+                <a:spcPts val="400"/>
+              </a:spcBef>
+              <a:spcAft>
+                <a:spcPts val="200"/>
+              </a:spcAft>
+              <a:buClr>
+                <a:schemeClr val="accent1">
+                  <a:lumMod val="75000"/>
+                </a:schemeClr>
+              </a:buClr>
+              <a:buSzPct val="85000"/>
+              <a:buFont typeface="Wingdings" pitchFamily="2" charset="2"/>
+              <a:buChar char="§"/>
+              <a:defRPr sz="1600" kern="1200">
+                <a:solidFill>
+                  <a:schemeClr val="tx1"/>
+                </a:solidFill>
+                <a:latin typeface="+mn-lt"/>
+                <a:ea typeface="+mn-ea"/>
+                <a:cs typeface="+mn-cs"/>
+              </a:defRPr>
+            </a:lvl9pPr>
+          </a:lstStyle>
+          <a:p>
+            <a:r>
+              <a:rPr lang="pt-BR" dirty="0"/>
+              <a:t>Aula do professor Rodolfo Avelino ao lado</a:t>
+            </a:r>
+          </a:p>
+          <a:p>
+            <a:r>
+              <a:rPr lang="pt-BR" dirty="0"/>
+              <a:t>Ademais, pensei na ideia de criptografar um programa de computador, resultando a mensagem real apenas para quem tem o compilador oficial. É a mesma ideia das chaves para </a:t>
+            </a:r>
+            <a:r>
+              <a:rPr lang="pt-BR" dirty="0" err="1"/>
+              <a:t>descriptografar</a:t>
+            </a:r>
+            <a:r>
+              <a:rPr lang="pt-BR" dirty="0"/>
+              <a:t>, porém de um jeito muito mais simples.</a:t>
+            </a:r>
           </a:p>
         </p:txBody>
       </p:sp>
@@ -5064,7 +7218,7 @@
           <p:cNvPr id="2" name="Título 1">
             <a:extLst>
               <a:ext uri="{FF2B5EF4-FFF2-40B4-BE49-F238E27FC236}">
-                <a16:creationId xmlns:a16="http://schemas.microsoft.com/office/drawing/2014/main" id="{A54E18B9-FAFB-E354-1764-F4A65E6E0845}"/>
+                <a16:creationId xmlns:a16="http://schemas.microsoft.com/office/drawing/2014/main" id="{EF7F0A8C-9CF4-4A6B-F999-3DBD4C572B6D}"/>
               </a:ext>
             </a:extLst>
           </p:cNvPr>
@@ -5082,7 +7236,7 @@
           <a:p>
             <a:r>
               <a:rPr lang="pt-BR" dirty="0"/>
-              <a:t>CARACTERÍSTICAS</a:t>
+              <a:t>Características da cifra de césar</a:t>
             </a:r>
           </a:p>
         </p:txBody>
@@ -5092,7 +7246,7 @@
           <p:cNvPr id="3" name="Espaço Reservado para Conteúdo 2">
             <a:extLst>
               <a:ext uri="{FF2B5EF4-FFF2-40B4-BE49-F238E27FC236}">
-                <a16:creationId xmlns:a16="http://schemas.microsoft.com/office/drawing/2014/main" id="{897F37FE-6580-73ED-374A-1583E1EA80D7}"/>
+                <a16:creationId xmlns:a16="http://schemas.microsoft.com/office/drawing/2014/main" id="{7EFC986D-E9B5-2BF7-6E95-96E2D4767D5C}"/>
               </a:ext>
             </a:extLst>
           </p:cNvPr>
@@ -5103,77 +7257,59 @@
             <p:ph idx="1"/>
           </p:nvPr>
         </p:nvSpPr>
-        <p:spPr/>
+        <p:spPr>
+          <a:xfrm>
+            <a:off x="1066800" y="1885881"/>
+            <a:ext cx="10058400" cy="4050792"/>
+          </a:xfrm>
+        </p:spPr>
         <p:txBody>
           <a:bodyPr/>
           <a:lstStyle/>
           <a:p>
             <a:r>
               <a:rPr lang="pt-BR" dirty="0"/>
-              <a:t>Linguagem C criptografada</a:t>
+              <a:t>É uma técnica de criptografia bem simples, na qual cada letra é substituída por outra. Por exemplo, caso o A seja substituído por G, o B seria pelo H, C pelo I, e assim por diante.</a:t>
+            </a:r>
+          </a:p>
+          <a:p>
+            <a:r>
+              <a:rPr lang="pt-BR" dirty="0"/>
+              <a:t>Nome porque Júlio César, um político romano, utilizava essa estratégia para se comunicar com seus militares</a:t>
+            </a:r>
+          </a:p>
+          <a:p>
+            <a:r>
+              <a:rPr lang="pt-BR" dirty="0"/>
+              <a:t>A minha cifragem utilizada:</a:t>
             </a:r>
           </a:p>
           <a:p>
             <a:pPr lvl="1"/>
             <a:r>
               <a:rPr lang="pt-BR" dirty="0"/>
-              <a:t>Função </a:t>
-            </a:r>
-            <a:r>
-              <a:rPr lang="pt-BR" dirty="0" err="1"/>
-              <a:t>main</a:t>
-            </a:r>
+              <a:t>Normal: ABCDEFGHIJKLMNOPQRSTUVWXYZ 0123456789</a:t>
+            </a:r>
+          </a:p>
+          <a:p>
+            <a:pPr lvl="1"/>
             <a:r>
               <a:rPr lang="pt-BR" dirty="0"/>
-              <a:t> (</a:t>
-            </a:r>
-            <a:r>
-              <a:rPr lang="pt-BR" dirty="0" err="1"/>
-              <a:t>thpu</a:t>
-            </a:r>
+              <a:t>Cifrado: HIJKLMNOPQRSTUVWXYZABCDEFG 3456789012</a:t>
+            </a:r>
+          </a:p>
+          <a:p>
             <a:r>
               <a:rPr lang="pt-BR" dirty="0"/>
-              <a:t>)</a:t>
-            </a:r>
-          </a:p>
-          <a:p>
-            <a:pPr lvl="1"/>
-            <a:endParaRPr lang="pt-BR" dirty="0"/>
-          </a:p>
-          <a:p>
-            <a:pPr lvl="1"/>
-            <a:endParaRPr lang="pt-BR" dirty="0"/>
-          </a:p>
-          <a:p>
-            <a:r>
-              <a:rPr lang="pt-BR" dirty="0"/>
-              <a:t>Diferenças</a:t>
-            </a:r>
-          </a:p>
-          <a:p>
-            <a:pPr lvl="1"/>
-            <a:r>
-              <a:rPr lang="pt-BR" dirty="0"/>
-              <a:t>Operações Aritméticas</a:t>
-            </a:r>
-          </a:p>
-          <a:p>
-            <a:pPr lvl="1"/>
-            <a:r>
-              <a:rPr lang="pt-BR" dirty="0"/>
-              <a:t>Operações Lógicas</a:t>
-            </a:r>
-          </a:p>
-          <a:p>
-            <a:pPr lvl="1"/>
-            <a:endParaRPr lang="pt-BR" dirty="0"/>
+              <a:t>Para quem tem conhecimento, é fácil de decifrar. Para quem não tem, se torna bem ilegível.</a:t>
+            </a:r>
           </a:p>
         </p:txBody>
       </p:sp>
     </p:spTree>
     <p:extLst>
       <p:ext uri="{BB962C8B-B14F-4D97-AF65-F5344CB8AC3E}">
-        <p14:creationId xmlns:p14="http://schemas.microsoft.com/office/powerpoint/2010/main" val="561920486"/>
+        <p14:creationId xmlns:p14="http://schemas.microsoft.com/office/powerpoint/2010/main" val="2115882191"/>
       </p:ext>
     </p:extLst>
   </p:cSld>
@@ -5244,12 +7380,370 @@
             <p:ph idx="1"/>
           </p:nvPr>
         </p:nvSpPr>
-        <p:spPr/>
+        <p:spPr>
+          <a:xfrm>
+            <a:off x="1066800" y="1747335"/>
+            <a:ext cx="10058400" cy="4050792"/>
+          </a:xfrm>
+        </p:spPr>
         <p:txBody>
           <a:bodyPr/>
           <a:lstStyle/>
           <a:p>
-            <a:endParaRPr lang="pt-BR"/>
+            <a:r>
+              <a:rPr lang="pt-BR" dirty="0"/>
+              <a:t>A </a:t>
+            </a:r>
+            <a:r>
+              <a:rPr lang="pt-BR" dirty="0" err="1"/>
+              <a:t>descriptografia</a:t>
+            </a:r>
+            <a:r>
+              <a:rPr lang="pt-BR" dirty="0"/>
+              <a:t> é realizada, por quem não tem conhecimento da técnica utilizada, por meio de técnicas, como a de Análise de Frequência</a:t>
+            </a:r>
+          </a:p>
+          <a:p>
+            <a:r>
+              <a:rPr lang="pt-BR" dirty="0"/>
+              <a:t>Por exemplo, na Língua Portuguesa, a frequência usada nas palavras de cada letra é:</a:t>
+            </a:r>
+          </a:p>
+          <a:p>
+            <a:endParaRPr lang="pt-BR" dirty="0"/>
+          </a:p>
+        </p:txBody>
+      </p:sp>
+      <p:pic>
+        <p:nvPicPr>
+          <p:cNvPr id="1026" name="Picture 2">
+            <a:extLst>
+              <a:ext uri="{FF2B5EF4-FFF2-40B4-BE49-F238E27FC236}">
+                <a16:creationId xmlns:a16="http://schemas.microsoft.com/office/drawing/2014/main" id="{54410216-34AA-E0B1-1F80-4243A86A4E90}"/>
+              </a:ext>
+            </a:extLst>
+          </p:cNvPr>
+          <p:cNvPicPr>
+            <a:picLocks noChangeAspect="1" noChangeArrowheads="1"/>
+          </p:cNvPicPr>
+          <p:nvPr/>
+        </p:nvPicPr>
+        <p:blipFill>
+          <a:blip r:embed="rId2">
+            <a:extLst>
+              <a:ext uri="{28A0092B-C50C-407E-A947-70E740481C1C}">
+                <a14:useLocalDpi xmlns:a14="http://schemas.microsoft.com/office/drawing/2010/main" val="0"/>
+              </a:ext>
+            </a:extLst>
+          </a:blip>
+          <a:srcRect/>
+          <a:stretch>
+            <a:fillRect/>
+          </a:stretch>
+        </p:blipFill>
+        <p:spPr bwMode="auto">
+          <a:xfrm>
+            <a:off x="1221228" y="3152288"/>
+            <a:ext cx="5189566" cy="3543732"/>
+          </a:xfrm>
+          <a:prstGeom prst="rect">
+            <a:avLst/>
+          </a:prstGeom>
+          <a:noFill/>
+          <a:extLst>
+            <a:ext uri="{909E8E84-426E-40DD-AFC4-6F175D3DCCD1}">
+              <a14:hiddenFill xmlns:a14="http://schemas.microsoft.com/office/drawing/2010/main">
+                <a:solidFill>
+                  <a:srgbClr val="FFFFFF"/>
+                </a:solidFill>
+              </a14:hiddenFill>
+            </a:ext>
+          </a:extLst>
+        </p:spPr>
+      </p:pic>
+      <p:sp>
+        <p:nvSpPr>
+          <p:cNvPr id="5" name="Espaço Reservado para Conteúdo 2">
+            <a:extLst>
+              <a:ext uri="{FF2B5EF4-FFF2-40B4-BE49-F238E27FC236}">
+                <a16:creationId xmlns:a16="http://schemas.microsoft.com/office/drawing/2014/main" id="{4EFC4BD3-C40A-8C10-2537-974D78D375D2}"/>
+              </a:ext>
+            </a:extLst>
+          </p:cNvPr>
+          <p:cNvSpPr txBox="1">
+            <a:spLocks/>
+          </p:cNvSpPr>
+          <p:nvPr/>
+        </p:nvSpPr>
+        <p:spPr>
+          <a:xfrm>
+            <a:off x="7173264" y="3059096"/>
+            <a:ext cx="3797508" cy="3730116"/>
+          </a:xfrm>
+          <a:prstGeom prst="rect">
+            <a:avLst/>
+          </a:prstGeom>
+        </p:spPr>
+        <p:txBody>
+          <a:bodyPr vert="horz" lIns="91440" tIns="45720" rIns="91440" bIns="45720" rtlCol="0">
+            <a:normAutofit/>
+          </a:bodyPr>
+          <a:lstStyle>
+            <a:lvl1pPr marL="182880" indent="-182880" algn="l" defTabSz="914400" rtl="0" eaLnBrk="1" latinLnBrk="0" hangingPunct="1">
+              <a:lnSpc>
+                <a:spcPct val="90000"/>
+              </a:lnSpc>
+              <a:spcBef>
+                <a:spcPts val="1200"/>
+              </a:spcBef>
+              <a:buClr>
+                <a:schemeClr val="accent1">
+                  <a:lumMod val="75000"/>
+                </a:schemeClr>
+              </a:buClr>
+              <a:buSzPct val="85000"/>
+              <a:buFont typeface="Wingdings" pitchFamily="2" charset="2"/>
+              <a:buChar char="§"/>
+              <a:defRPr sz="2000" kern="1200">
+                <a:solidFill>
+                  <a:schemeClr val="tx1"/>
+                </a:solidFill>
+                <a:latin typeface="+mn-lt"/>
+                <a:ea typeface="+mn-ea"/>
+                <a:cs typeface="+mn-cs"/>
+              </a:defRPr>
+            </a:lvl1pPr>
+            <a:lvl2pPr marL="457200" indent="-182880" algn="l" defTabSz="914400" rtl="0" eaLnBrk="1" latinLnBrk="0" hangingPunct="1">
+              <a:lnSpc>
+                <a:spcPct val="90000"/>
+              </a:lnSpc>
+              <a:spcBef>
+                <a:spcPts val="400"/>
+              </a:spcBef>
+              <a:spcAft>
+                <a:spcPts val="200"/>
+              </a:spcAft>
+              <a:buClr>
+                <a:schemeClr val="accent1">
+                  <a:lumMod val="75000"/>
+                </a:schemeClr>
+              </a:buClr>
+              <a:buSzPct val="85000"/>
+              <a:buFont typeface="Wingdings" pitchFamily="2" charset="2"/>
+              <a:buChar char="§"/>
+              <a:defRPr sz="1800" kern="1200">
+                <a:solidFill>
+                  <a:schemeClr val="tx1"/>
+                </a:solidFill>
+                <a:latin typeface="+mn-lt"/>
+                <a:ea typeface="+mn-ea"/>
+                <a:cs typeface="+mn-cs"/>
+              </a:defRPr>
+            </a:lvl2pPr>
+            <a:lvl3pPr marL="731520" indent="-182880" algn="l" defTabSz="914400" rtl="0" eaLnBrk="1" latinLnBrk="0" hangingPunct="1">
+              <a:lnSpc>
+                <a:spcPct val="90000"/>
+              </a:lnSpc>
+              <a:spcBef>
+                <a:spcPts val="400"/>
+              </a:spcBef>
+              <a:spcAft>
+                <a:spcPts val="200"/>
+              </a:spcAft>
+              <a:buClr>
+                <a:schemeClr val="accent1">
+                  <a:lumMod val="75000"/>
+                </a:schemeClr>
+              </a:buClr>
+              <a:buSzPct val="85000"/>
+              <a:buFont typeface="Wingdings" pitchFamily="2" charset="2"/>
+              <a:buChar char="§"/>
+              <a:defRPr sz="1600" kern="1200">
+                <a:solidFill>
+                  <a:schemeClr val="tx1"/>
+                </a:solidFill>
+                <a:latin typeface="+mn-lt"/>
+                <a:ea typeface="+mn-ea"/>
+                <a:cs typeface="+mn-cs"/>
+              </a:defRPr>
+            </a:lvl3pPr>
+            <a:lvl4pPr marL="1005840" indent="-182880" algn="l" defTabSz="914400" rtl="0" eaLnBrk="1" latinLnBrk="0" hangingPunct="1">
+              <a:lnSpc>
+                <a:spcPct val="90000"/>
+              </a:lnSpc>
+              <a:spcBef>
+                <a:spcPts val="400"/>
+              </a:spcBef>
+              <a:spcAft>
+                <a:spcPts val="200"/>
+              </a:spcAft>
+              <a:buClr>
+                <a:schemeClr val="accent1">
+                  <a:lumMod val="75000"/>
+                </a:schemeClr>
+              </a:buClr>
+              <a:buSzPct val="85000"/>
+              <a:buFont typeface="Wingdings" pitchFamily="2" charset="2"/>
+              <a:buChar char="§"/>
+              <a:defRPr sz="1600" kern="1200">
+                <a:solidFill>
+                  <a:schemeClr val="tx1"/>
+                </a:solidFill>
+                <a:latin typeface="+mn-lt"/>
+                <a:ea typeface="+mn-ea"/>
+                <a:cs typeface="+mn-cs"/>
+              </a:defRPr>
+            </a:lvl4pPr>
+            <a:lvl5pPr marL="1280160" indent="-182880" algn="l" defTabSz="914400" rtl="0" eaLnBrk="1" latinLnBrk="0" hangingPunct="1">
+              <a:lnSpc>
+                <a:spcPct val="90000"/>
+              </a:lnSpc>
+              <a:spcBef>
+                <a:spcPts val="400"/>
+              </a:spcBef>
+              <a:spcAft>
+                <a:spcPts val="200"/>
+              </a:spcAft>
+              <a:buClr>
+                <a:schemeClr val="accent1">
+                  <a:lumMod val="75000"/>
+                </a:schemeClr>
+              </a:buClr>
+              <a:buSzPct val="85000"/>
+              <a:buFont typeface="Wingdings" pitchFamily="2" charset="2"/>
+              <a:buChar char="§"/>
+              <a:defRPr sz="1600" kern="1200">
+                <a:solidFill>
+                  <a:schemeClr val="tx1"/>
+                </a:solidFill>
+                <a:latin typeface="+mn-lt"/>
+                <a:ea typeface="+mn-ea"/>
+                <a:cs typeface="+mn-cs"/>
+              </a:defRPr>
+            </a:lvl5pPr>
+            <a:lvl6pPr marL="1600000" indent="-228600" algn="l" defTabSz="914400" rtl="0" eaLnBrk="1" latinLnBrk="0" hangingPunct="1">
+              <a:lnSpc>
+                <a:spcPct val="90000"/>
+              </a:lnSpc>
+              <a:spcBef>
+                <a:spcPts val="400"/>
+              </a:spcBef>
+              <a:spcAft>
+                <a:spcPts val="200"/>
+              </a:spcAft>
+              <a:buClr>
+                <a:schemeClr val="accent1">
+                  <a:lumMod val="75000"/>
+                </a:schemeClr>
+              </a:buClr>
+              <a:buSzPct val="85000"/>
+              <a:buFont typeface="Wingdings" pitchFamily="2" charset="2"/>
+              <a:buChar char="§"/>
+              <a:defRPr sz="1600" kern="1200">
+                <a:solidFill>
+                  <a:schemeClr val="tx1"/>
+                </a:solidFill>
+                <a:latin typeface="+mn-lt"/>
+                <a:ea typeface="+mn-ea"/>
+                <a:cs typeface="+mn-cs"/>
+              </a:defRPr>
+            </a:lvl6pPr>
+            <a:lvl7pPr marL="1900000" indent="-228600" algn="l" defTabSz="914400" rtl="0" eaLnBrk="1" latinLnBrk="0" hangingPunct="1">
+              <a:lnSpc>
+                <a:spcPct val="90000"/>
+              </a:lnSpc>
+              <a:spcBef>
+                <a:spcPts val="400"/>
+              </a:spcBef>
+              <a:spcAft>
+                <a:spcPts val="200"/>
+              </a:spcAft>
+              <a:buClr>
+                <a:schemeClr val="accent1">
+                  <a:lumMod val="75000"/>
+                </a:schemeClr>
+              </a:buClr>
+              <a:buSzPct val="85000"/>
+              <a:buFont typeface="Wingdings" pitchFamily="2" charset="2"/>
+              <a:buChar char="§"/>
+              <a:defRPr sz="1600" kern="1200">
+                <a:solidFill>
+                  <a:schemeClr val="tx1"/>
+                </a:solidFill>
+                <a:latin typeface="+mn-lt"/>
+                <a:ea typeface="+mn-ea"/>
+                <a:cs typeface="+mn-cs"/>
+              </a:defRPr>
+            </a:lvl7pPr>
+            <a:lvl8pPr marL="2200000" indent="-228600" algn="l" defTabSz="914400" rtl="0" eaLnBrk="1" latinLnBrk="0" hangingPunct="1">
+              <a:lnSpc>
+                <a:spcPct val="90000"/>
+              </a:lnSpc>
+              <a:spcBef>
+                <a:spcPts val="400"/>
+              </a:spcBef>
+              <a:spcAft>
+                <a:spcPts val="200"/>
+              </a:spcAft>
+              <a:buClr>
+                <a:schemeClr val="accent1">
+                  <a:lumMod val="75000"/>
+                </a:schemeClr>
+              </a:buClr>
+              <a:buSzPct val="85000"/>
+              <a:buFont typeface="Wingdings" pitchFamily="2" charset="2"/>
+              <a:buChar char="§"/>
+              <a:defRPr sz="1600" kern="1200">
+                <a:solidFill>
+                  <a:schemeClr val="tx1"/>
+                </a:solidFill>
+                <a:latin typeface="+mn-lt"/>
+                <a:ea typeface="+mn-ea"/>
+                <a:cs typeface="+mn-cs"/>
+              </a:defRPr>
+            </a:lvl8pPr>
+            <a:lvl9pPr marL="2500000" indent="-228600" algn="l" defTabSz="914400" rtl="0" eaLnBrk="1" latinLnBrk="0" hangingPunct="1">
+              <a:lnSpc>
+                <a:spcPct val="90000"/>
+              </a:lnSpc>
+              <a:spcBef>
+                <a:spcPts val="400"/>
+              </a:spcBef>
+              <a:spcAft>
+                <a:spcPts val="200"/>
+              </a:spcAft>
+              <a:buClr>
+                <a:schemeClr val="accent1">
+                  <a:lumMod val="75000"/>
+                </a:schemeClr>
+              </a:buClr>
+              <a:buSzPct val="85000"/>
+              <a:buFont typeface="Wingdings" pitchFamily="2" charset="2"/>
+              <a:buChar char="§"/>
+              <a:defRPr sz="1600" kern="1200">
+                <a:solidFill>
+                  <a:schemeClr val="tx1"/>
+                </a:solidFill>
+                <a:latin typeface="+mn-lt"/>
+                <a:ea typeface="+mn-ea"/>
+                <a:cs typeface="+mn-cs"/>
+              </a:defRPr>
+            </a:lvl9pPr>
+          </a:lstStyle>
+          <a:p>
+            <a:r>
+              <a:rPr lang="pt-BR" dirty="0"/>
+              <a:t>Ou seja, se num texto criptografado de césar tiver uma frequência de 14% no texto, ou algo próximo, supõe-se que seja o A</a:t>
+            </a:r>
+          </a:p>
+          <a:p>
+            <a:r>
+              <a:rPr lang="pt-BR" dirty="0"/>
+              <a:t>Assim, vai se decifrando cada letra para conseguir o texto original</a:t>
+            </a:r>
+          </a:p>
+          <a:p>
+            <a:endParaRPr lang="pt-BR" dirty="0"/>
           </a:p>
         </p:txBody>
       </p:sp>
@@ -5288,7 +7782,7 @@
           <p:cNvPr id="2" name="Título 1">
             <a:extLst>
               <a:ext uri="{FF2B5EF4-FFF2-40B4-BE49-F238E27FC236}">
-                <a16:creationId xmlns:a16="http://schemas.microsoft.com/office/drawing/2014/main" id="{B014C2AF-D256-3500-7688-A0B60FBFDC90}"/>
+                <a16:creationId xmlns:a16="http://schemas.microsoft.com/office/drawing/2014/main" id="{A54E18B9-FAFB-E354-1764-F4A65E6E0845}"/>
               </a:ext>
             </a:extLst>
           </p:cNvPr>
@@ -5299,14 +7793,19 @@
             <p:ph type="title"/>
           </p:nvPr>
         </p:nvSpPr>
-        <p:spPr/>
+        <p:spPr>
+          <a:xfrm>
+            <a:off x="1069849" y="122474"/>
+            <a:ext cx="10058400" cy="1609344"/>
+          </a:xfrm>
+        </p:spPr>
         <p:txBody>
           <a:bodyPr/>
           <a:lstStyle/>
           <a:p>
             <a:r>
               <a:rPr lang="pt-BR" dirty="0"/>
-              <a:t>EXEMPLOS</a:t>
+              <a:t>CARACTERÍSTICAS da minha linguagem</a:t>
             </a:r>
           </a:p>
         </p:txBody>
@@ -5316,7 +7815,7 @@
           <p:cNvPr id="3" name="Espaço Reservado para Conteúdo 2">
             <a:extLst>
               <a:ext uri="{FF2B5EF4-FFF2-40B4-BE49-F238E27FC236}">
-                <a16:creationId xmlns:a16="http://schemas.microsoft.com/office/drawing/2014/main" id="{56AED061-2C1A-697F-E595-250137B7C841}"/>
+                <a16:creationId xmlns:a16="http://schemas.microsoft.com/office/drawing/2014/main" id="{897F37FE-6580-73ED-374A-1583E1EA80D7}"/>
               </a:ext>
             </a:extLst>
           </p:cNvPr>
@@ -5327,19 +7826,262 @@
             <p:ph idx="1"/>
           </p:nvPr>
         </p:nvSpPr>
-        <p:spPr/>
-        <p:txBody>
-          <a:bodyPr/>
+        <p:spPr>
+          <a:xfrm>
+            <a:off x="1063751" y="1496291"/>
+            <a:ext cx="10199993" cy="4849091"/>
+          </a:xfrm>
+        </p:spPr>
+        <p:txBody>
+          <a:bodyPr>
+            <a:normAutofit/>
+          </a:bodyPr>
           <a:lstStyle/>
           <a:p>
-            <a:endParaRPr lang="pt-BR"/>
+            <a:r>
+              <a:rPr lang="pt-BR" dirty="0"/>
+              <a:t>Linguagem C criptografada</a:t>
+            </a:r>
+          </a:p>
+          <a:p>
+            <a:pPr lvl="1"/>
+            <a:r>
+              <a:rPr lang="pt-BR" dirty="0"/>
+              <a:t>Função principal: </a:t>
+            </a:r>
+            <a:r>
+              <a:rPr lang="pt-BR" dirty="0" err="1"/>
+              <a:t>main</a:t>
+            </a:r>
+            <a:r>
+              <a:rPr lang="pt-BR" dirty="0"/>
+              <a:t> (</a:t>
+            </a:r>
+            <a:r>
+              <a:rPr lang="pt-BR" dirty="0" err="1"/>
+              <a:t>thpu</a:t>
+            </a:r>
+            <a:r>
+              <a:rPr lang="pt-BR" dirty="0"/>
+              <a:t>)</a:t>
+            </a:r>
+          </a:p>
+          <a:p>
+            <a:r>
+              <a:rPr lang="pt-BR" dirty="0"/>
+              <a:t>Diferenças</a:t>
+            </a:r>
+          </a:p>
+          <a:p>
+            <a:pPr lvl="1"/>
+            <a:r>
+              <a:rPr lang="pt-BR" dirty="0"/>
+              <a:t>Operações Aritméticas </a:t>
+            </a:r>
+          </a:p>
+          <a:p>
+            <a:pPr lvl="2"/>
+            <a:r>
+              <a:rPr lang="pt-BR" dirty="0"/>
+              <a:t>Normal:     a (   +     |      -     |    *   |  /   ) b</a:t>
+            </a:r>
+          </a:p>
+          <a:p>
+            <a:pPr lvl="2"/>
+            <a:r>
+              <a:rPr lang="pt-BR" dirty="0"/>
+              <a:t>Transição: a ( plus  | </a:t>
+            </a:r>
+            <a:r>
+              <a:rPr lang="pt-BR" dirty="0" err="1"/>
+              <a:t>minus</a:t>
+            </a:r>
+            <a:r>
+              <a:rPr lang="pt-BR" dirty="0"/>
+              <a:t> | </a:t>
+            </a:r>
+            <a:r>
+              <a:rPr lang="pt-BR" dirty="0" err="1"/>
+              <a:t>mult</a:t>
+            </a:r>
+            <a:r>
+              <a:rPr lang="pt-BR" dirty="0"/>
+              <a:t> | </a:t>
+            </a:r>
+            <a:r>
+              <a:rPr lang="pt-BR" dirty="0" err="1"/>
+              <a:t>div</a:t>
+            </a:r>
+            <a:r>
+              <a:rPr lang="pt-BR" dirty="0"/>
+              <a:t>) b</a:t>
+            </a:r>
+          </a:p>
+          <a:p>
+            <a:pPr lvl="2"/>
+            <a:r>
+              <a:rPr lang="pt-BR" dirty="0"/>
+              <a:t>Cifrada:     a (</a:t>
+            </a:r>
+            <a:r>
+              <a:rPr lang="pt-BR" dirty="0" err="1"/>
+              <a:t>wsbz</a:t>
+            </a:r>
+            <a:r>
+              <a:rPr lang="pt-BR" dirty="0"/>
+              <a:t> | </a:t>
+            </a:r>
+            <a:r>
+              <a:rPr lang="pt-BR" dirty="0" err="1"/>
+              <a:t>tpubz</a:t>
+            </a:r>
+            <a:r>
+              <a:rPr lang="pt-BR" dirty="0"/>
+              <a:t> | </a:t>
+            </a:r>
+            <a:r>
+              <a:rPr lang="pt-BR" dirty="0" err="1"/>
+              <a:t>tbsa</a:t>
+            </a:r>
+            <a:r>
+              <a:rPr lang="pt-BR" dirty="0"/>
+              <a:t> | </a:t>
+            </a:r>
+            <a:r>
+              <a:rPr lang="pt-BR" dirty="0" err="1"/>
+              <a:t>kpc</a:t>
+            </a:r>
+            <a:r>
+              <a:rPr lang="pt-BR" dirty="0"/>
+              <a:t>) b</a:t>
+            </a:r>
+          </a:p>
+          <a:p>
+            <a:pPr lvl="1"/>
+            <a:r>
+              <a:rPr lang="pt-BR" dirty="0"/>
+              <a:t>Operações Lógicas</a:t>
+            </a:r>
+          </a:p>
+          <a:p>
+            <a:pPr lvl="2"/>
+            <a:r>
+              <a:rPr lang="pt-BR" dirty="0"/>
+              <a:t>Normal:     a (&lt; | &gt; |  &amp;&amp;  |   || | ! ) b</a:t>
+            </a:r>
+          </a:p>
+          <a:p>
+            <a:pPr lvl="2"/>
+            <a:r>
+              <a:rPr lang="pt-BR" dirty="0"/>
+              <a:t>Transição: a (</a:t>
+            </a:r>
+            <a:r>
+              <a:rPr lang="pt-BR" dirty="0" err="1"/>
+              <a:t>lt</a:t>
+            </a:r>
+            <a:r>
+              <a:rPr lang="pt-BR" dirty="0"/>
+              <a:t> | </a:t>
+            </a:r>
+            <a:r>
+              <a:rPr lang="pt-BR" dirty="0" err="1"/>
+              <a:t>gt</a:t>
+            </a:r>
+            <a:r>
+              <a:rPr lang="pt-BR" dirty="0"/>
+              <a:t> | </a:t>
+            </a:r>
+            <a:r>
+              <a:rPr lang="pt-BR" dirty="0" err="1"/>
+              <a:t>and</a:t>
+            </a:r>
+            <a:r>
+              <a:rPr lang="pt-BR" dirty="0"/>
+              <a:t> |   </a:t>
+            </a:r>
+            <a:r>
+              <a:rPr lang="pt-BR" dirty="0" err="1"/>
+              <a:t>or</a:t>
+            </a:r>
+            <a:r>
+              <a:rPr lang="pt-BR" dirty="0"/>
+              <a:t> | </a:t>
+            </a:r>
+            <a:r>
+              <a:rPr lang="pt-BR" dirty="0" err="1"/>
+              <a:t>not</a:t>
+            </a:r>
+            <a:r>
+              <a:rPr lang="pt-BR" dirty="0"/>
+              <a:t> ) b </a:t>
+            </a:r>
+          </a:p>
+          <a:p>
+            <a:pPr lvl="2"/>
+            <a:r>
+              <a:rPr lang="pt-BR" dirty="0"/>
+              <a:t>Cifrada:     a (</a:t>
+            </a:r>
+            <a:r>
+              <a:rPr lang="pt-BR" dirty="0" err="1"/>
+              <a:t>sa</a:t>
+            </a:r>
+            <a:r>
+              <a:rPr lang="pt-BR" dirty="0"/>
+              <a:t>| na| </a:t>
+            </a:r>
+            <a:r>
+              <a:rPr lang="pt-BR" dirty="0" err="1"/>
+              <a:t>huk</a:t>
+            </a:r>
+            <a:r>
+              <a:rPr lang="pt-BR" dirty="0"/>
+              <a:t> |   </a:t>
+            </a:r>
+            <a:r>
+              <a:rPr lang="pt-BR" dirty="0" err="1"/>
+              <a:t>vy</a:t>
+            </a:r>
+            <a:r>
+              <a:rPr lang="pt-BR" dirty="0"/>
+              <a:t> | uva) b</a:t>
+            </a:r>
+          </a:p>
+          <a:p>
+            <a:r>
+              <a:rPr lang="pt-BR" dirty="0"/>
+              <a:t>Arquivo de extensão ‘.</a:t>
+            </a:r>
+            <a:r>
+              <a:rPr lang="pt-BR" dirty="0" err="1"/>
+              <a:t>cr</a:t>
+            </a:r>
+            <a:r>
+              <a:rPr lang="pt-BR" dirty="0"/>
+              <a:t>’</a:t>
+            </a:r>
+          </a:p>
+          <a:p>
+            <a:r>
+              <a:rPr lang="pt-BR" dirty="0" err="1"/>
+              <a:t>Identifiers</a:t>
+            </a:r>
+            <a:r>
+              <a:rPr lang="pt-BR" dirty="0"/>
+              <a:t> não podem começar com h ou j, porque eles representam { e }, respectivamente.</a:t>
+            </a:r>
+          </a:p>
+          <a:p>
+            <a:pPr lvl="1"/>
+            <a:endParaRPr lang="pt-BR" dirty="0"/>
           </a:p>
         </p:txBody>
       </p:sp>
     </p:spTree>
     <p:extLst>
       <p:ext uri="{BB962C8B-B14F-4D97-AF65-F5344CB8AC3E}">
-        <p14:creationId xmlns:p14="http://schemas.microsoft.com/office/powerpoint/2010/main" val="975028074"/>
+        <p14:creationId xmlns:p14="http://schemas.microsoft.com/office/powerpoint/2010/main" val="561920486"/>
       </p:ext>
     </p:extLst>
   </p:cSld>
@@ -5371,7 +8113,7 @@
           <p:cNvPr id="2" name="Título 1">
             <a:extLst>
               <a:ext uri="{FF2B5EF4-FFF2-40B4-BE49-F238E27FC236}">
-                <a16:creationId xmlns:a16="http://schemas.microsoft.com/office/drawing/2014/main" id="{77D458D2-46C2-303F-C843-661F5CE189DB}"/>
+                <a16:creationId xmlns:a16="http://schemas.microsoft.com/office/drawing/2014/main" id="{A54E18B9-FAFB-E354-1764-F4A65E6E0845}"/>
               </a:ext>
             </a:extLst>
           </p:cNvPr>
@@ -5389,7 +8131,35 @@
           <a:p>
             <a:r>
               <a:rPr lang="pt-BR" dirty="0"/>
-              <a:t>referências</a:t>
+              <a:t>CARACTERÍSTICAS da minha linguagem</a:t>
+            </a:r>
+          </a:p>
+        </p:txBody>
+      </p:sp>
+      <p:sp>
+        <p:nvSpPr>
+          <p:cNvPr id="6" name="Espaço Reservado para Texto 5">
+            <a:extLst>
+              <a:ext uri="{FF2B5EF4-FFF2-40B4-BE49-F238E27FC236}">
+                <a16:creationId xmlns:a16="http://schemas.microsoft.com/office/drawing/2014/main" id="{91CD31BD-3792-4DB6-6178-1E9245EC1869}"/>
+              </a:ext>
+            </a:extLst>
+          </p:cNvPr>
+          <p:cNvSpPr>
+            <a:spLocks noGrp="1"/>
+          </p:cNvSpPr>
+          <p:nvPr>
+            <p:ph type="body" idx="1"/>
+          </p:nvPr>
+        </p:nvSpPr>
+        <p:spPr/>
+        <p:txBody>
+          <a:bodyPr/>
+          <a:lstStyle/>
+          <a:p>
+            <a:r>
+              <a:rPr lang="pt-BR" dirty="0"/>
+              <a:t>Tokens que se mantiveram</a:t>
             </a:r>
           </a:p>
         </p:txBody>
@@ -5399,7 +8169,7 @@
           <p:cNvPr id="3" name="Espaço Reservado para Conteúdo 2">
             <a:extLst>
               <a:ext uri="{FF2B5EF4-FFF2-40B4-BE49-F238E27FC236}">
-                <a16:creationId xmlns:a16="http://schemas.microsoft.com/office/drawing/2014/main" id="{0E9000CF-4741-26E0-8B86-753B05DB42D2}"/>
+                <a16:creationId xmlns:a16="http://schemas.microsoft.com/office/drawing/2014/main" id="{897F37FE-6580-73ED-374A-1583E1EA80D7}"/>
               </a:ext>
             </a:extLst>
           </p:cNvPr>
@@ -5407,7 +8177,77 @@
             <a:spLocks noGrp="1"/>
           </p:cNvSpPr>
           <p:nvPr>
-            <p:ph idx="1"/>
+            <p:ph sz="half" idx="2"/>
+          </p:nvPr>
+        </p:nvSpPr>
+        <p:spPr/>
+        <p:txBody>
+          <a:bodyPr>
+            <a:normAutofit/>
+          </a:bodyPr>
+          <a:lstStyle/>
+          <a:p>
+            <a:r>
+              <a:rPr lang="pt-BR" dirty="0"/>
+              <a:t>,</a:t>
+            </a:r>
+          </a:p>
+          <a:p>
+            <a:r>
+              <a:rPr lang="pt-BR" dirty="0"/>
+              <a:t>(</a:t>
+            </a:r>
+          </a:p>
+          <a:p>
+            <a:r>
+              <a:rPr lang="pt-BR" dirty="0"/>
+              <a:t>)</a:t>
+            </a:r>
+          </a:p>
+          <a:p>
+            <a:r>
+              <a:rPr lang="pt-BR" dirty="0"/>
+              <a:t>.</a:t>
+            </a:r>
+          </a:p>
+          <a:p>
+            <a:r>
+              <a:rPr lang="pt-BR" dirty="0"/>
+              <a:t>;</a:t>
+            </a:r>
+          </a:p>
+          <a:p>
+            <a:pPr lvl="1"/>
+            <a:endParaRPr lang="pt-BR" dirty="0"/>
+          </a:p>
+          <a:p>
+            <a:pPr lvl="1"/>
+            <a:endParaRPr lang="pt-BR" dirty="0"/>
+          </a:p>
+          <a:p>
+            <a:pPr lvl="1"/>
+            <a:endParaRPr lang="pt-BR" dirty="0"/>
+          </a:p>
+          <a:p>
+            <a:pPr lvl="1"/>
+            <a:endParaRPr lang="pt-BR" dirty="0"/>
+          </a:p>
+        </p:txBody>
+      </p:sp>
+      <p:sp>
+        <p:nvSpPr>
+          <p:cNvPr id="7" name="Espaço Reservado para Texto 6">
+            <a:extLst>
+              <a:ext uri="{FF2B5EF4-FFF2-40B4-BE49-F238E27FC236}">
+                <a16:creationId xmlns:a16="http://schemas.microsoft.com/office/drawing/2014/main" id="{E44233F2-FC97-ABB1-638D-4F167C96ACD5}"/>
+              </a:ext>
+            </a:extLst>
+          </p:cNvPr>
+          <p:cNvSpPr>
+            <a:spLocks noGrp="1"/>
+          </p:cNvSpPr>
+          <p:nvPr>
+            <p:ph type="body" sz="quarter" idx="3"/>
           </p:nvPr>
         </p:nvSpPr>
         <p:spPr/>
@@ -5416,26 +8256,168 @@
           <a:lstStyle/>
           <a:p>
             <a:r>
-              <a:rPr lang="pt-BR" dirty="0">
-                <a:hlinkClick r:id="rId2"/>
-              </a:rPr>
-              <a:t> Minha implementação: </a:t>
-            </a:r>
-            <a:r>
-              <a:rPr lang="pt-BR" i="1" dirty="0">
-                <a:hlinkClick r:id="rId2"/>
-              </a:rPr>
-              <a:t>https://github.com/williamars/my-programming-language</a:t>
-            </a:r>
-          </a:p>
-          <a:p>
-            <a:r>
-              <a:rPr lang="pt-BR" dirty="0">
-                <a:hlinkClick r:id="rId2"/>
-              </a:rPr>
-              <a:t>https://marciapsilva.github.io/cifra-de-cesar/</a:t>
+              <a:rPr lang="pt-BR" dirty="0"/>
+              <a:t>Tokens que mudaram</a:t>
+            </a:r>
+          </a:p>
+        </p:txBody>
+      </p:sp>
+      <p:sp>
+        <p:nvSpPr>
+          <p:cNvPr id="8" name="Espaço Reservado para Conteúdo 7">
+            <a:extLst>
+              <a:ext uri="{FF2B5EF4-FFF2-40B4-BE49-F238E27FC236}">
+                <a16:creationId xmlns:a16="http://schemas.microsoft.com/office/drawing/2014/main" id="{36DD1537-29D2-F779-B8D9-4325391DB5CC}"/>
+              </a:ext>
+            </a:extLst>
+          </p:cNvPr>
+          <p:cNvSpPr>
+            <a:spLocks noGrp="1"/>
+          </p:cNvSpPr>
+          <p:nvPr>
+            <p:ph sz="quarter" idx="4"/>
+          </p:nvPr>
+        </p:nvSpPr>
+        <p:spPr/>
+        <p:txBody>
+          <a:bodyPr>
+            <a:normAutofit/>
+          </a:bodyPr>
+          <a:lstStyle/>
+          <a:p>
+            <a:r>
+              <a:rPr lang="pt-BR" dirty="0" err="1"/>
+              <a:t>if</a:t>
+            </a:r>
+            <a:r>
+              <a:rPr lang="pt-BR" dirty="0"/>
+              <a:t>: </a:t>
+            </a:r>
+            <a:r>
+              <a:rPr lang="pt-BR" dirty="0" err="1"/>
+              <a:t>pm</a:t>
             </a:r>
             <a:endParaRPr lang="pt-BR" dirty="0"/>
+          </a:p>
+          <a:p>
+            <a:r>
+              <a:rPr lang="pt-BR" dirty="0" err="1"/>
+              <a:t>else</a:t>
+            </a:r>
+            <a:r>
+              <a:rPr lang="pt-BR" dirty="0"/>
+              <a:t>: </a:t>
+            </a:r>
+            <a:r>
+              <a:rPr lang="pt-BR" dirty="0" err="1"/>
+              <a:t>lszl</a:t>
+            </a:r>
+            <a:endParaRPr lang="pt-BR" dirty="0"/>
+          </a:p>
+          <a:p>
+            <a:r>
+              <a:rPr lang="pt-BR" dirty="0" err="1"/>
+              <a:t>while</a:t>
+            </a:r>
+            <a:r>
+              <a:rPr lang="pt-BR" dirty="0"/>
+              <a:t>: </a:t>
+            </a:r>
+            <a:r>
+              <a:rPr lang="pt-BR" dirty="0" err="1"/>
+              <a:t>dopsl</a:t>
+            </a:r>
+            <a:endParaRPr lang="pt-BR" dirty="0"/>
+          </a:p>
+          <a:p>
+            <a:r>
+              <a:rPr lang="pt-BR" dirty="0" err="1"/>
+              <a:t>scanf</a:t>
+            </a:r>
+            <a:r>
+              <a:rPr lang="pt-BR" dirty="0"/>
+              <a:t>: </a:t>
+            </a:r>
+            <a:r>
+              <a:rPr lang="pt-BR" dirty="0" err="1"/>
+              <a:t>zjhum</a:t>
+            </a:r>
+            <a:endParaRPr lang="pt-BR" dirty="0"/>
+          </a:p>
+          <a:p>
+            <a:r>
+              <a:rPr lang="pt-BR" dirty="0"/>
+              <a:t>==: </a:t>
+            </a:r>
+            <a:r>
+              <a:rPr lang="pt-BR" dirty="0" err="1"/>
+              <a:t>pz</a:t>
+            </a:r>
+            <a:r>
+              <a:rPr lang="pt-BR" dirty="0"/>
+              <a:t> (vem de “</a:t>
+            </a:r>
+            <a:r>
+              <a:rPr lang="pt-BR" dirty="0" err="1"/>
+              <a:t>is</a:t>
+            </a:r>
+            <a:r>
+              <a:rPr lang="pt-BR" dirty="0"/>
+              <a:t>”)</a:t>
+            </a:r>
+          </a:p>
+          <a:p>
+            <a:r>
+              <a:rPr lang="pt-BR" dirty="0"/>
+              <a:t>=: </a:t>
+            </a:r>
+            <a:r>
+              <a:rPr lang="pt-BR" dirty="0" err="1"/>
+              <a:t>lxbhs</a:t>
+            </a:r>
+            <a:endParaRPr lang="pt-BR" dirty="0"/>
+          </a:p>
+          <a:p>
+            <a:r>
+              <a:rPr lang="pt-BR" dirty="0" err="1"/>
+              <a:t>str</a:t>
+            </a:r>
+            <a:r>
+              <a:rPr lang="pt-BR" dirty="0"/>
+              <a:t>, </a:t>
+            </a:r>
+            <a:r>
+              <a:rPr lang="pt-BR" dirty="0" err="1"/>
+              <a:t>int</a:t>
+            </a:r>
+            <a:r>
+              <a:rPr lang="pt-BR" dirty="0"/>
+              <a:t>, </a:t>
+            </a:r>
+            <a:r>
+              <a:rPr lang="pt-BR" dirty="0" err="1"/>
+              <a:t>void</a:t>
+            </a:r>
+            <a:r>
+              <a:rPr lang="pt-BR" dirty="0"/>
+              <a:t>: </a:t>
+            </a:r>
+            <a:r>
+              <a:rPr lang="pt-BR" dirty="0" err="1"/>
+              <a:t>zay</a:t>
+            </a:r>
+            <a:r>
+              <a:rPr lang="pt-BR" dirty="0"/>
+              <a:t>, pua, </a:t>
+            </a:r>
+            <a:r>
+              <a:rPr lang="pt-BR" dirty="0" err="1"/>
+              <a:t>cvpk</a:t>
+            </a:r>
+            <a:r>
+              <a:rPr lang="pt-BR" dirty="0"/>
+              <a:t> </a:t>
+            </a:r>
           </a:p>
           <a:p>
             <a:endParaRPr lang="pt-BR" dirty="0"/>
@@ -5445,7 +8427,7 @@
     </p:spTree>
     <p:extLst>
       <p:ext uri="{BB962C8B-B14F-4D97-AF65-F5344CB8AC3E}">
-        <p14:creationId xmlns:p14="http://schemas.microsoft.com/office/powerpoint/2010/main" val="2817449499"/>
+        <p14:creationId xmlns:p14="http://schemas.microsoft.com/office/powerpoint/2010/main" val="1062727990"/>
       </p:ext>
     </p:extLst>
   </p:cSld>
@@ -5477,7 +8459,7 @@
           <p:cNvPr id="2" name="Título 1">
             <a:extLst>
               <a:ext uri="{FF2B5EF4-FFF2-40B4-BE49-F238E27FC236}">
-                <a16:creationId xmlns:a16="http://schemas.microsoft.com/office/drawing/2014/main" id="{79C0CFB2-0C0D-0C63-4974-2E162DD76A3C}"/>
+                <a16:creationId xmlns:a16="http://schemas.microsoft.com/office/drawing/2014/main" id="{B014C2AF-D256-3500-7688-A0B60FBFDC90}"/>
               </a:ext>
             </a:extLst>
           </p:cNvPr>
@@ -5493,16 +8475,19 @@
           <a:bodyPr/>
           <a:lstStyle/>
           <a:p>
-            <a:endParaRPr lang="pt-BR" dirty="0"/>
-          </a:p>
-        </p:txBody>
-      </p:sp>
-      <p:sp>
-        <p:nvSpPr>
-          <p:cNvPr id="3" name="Espaço Reservado para Conteúdo 2">
+            <a:r>
+              <a:rPr lang="pt-BR" dirty="0"/>
+              <a:t>EXEMPLO 1</a:t>
+            </a:r>
+          </a:p>
+        </p:txBody>
+      </p:sp>
+      <p:sp>
+        <p:nvSpPr>
+          <p:cNvPr id="4" name="Espaço Reservado para Texto 3">
             <a:extLst>
               <a:ext uri="{FF2B5EF4-FFF2-40B4-BE49-F238E27FC236}">
-                <a16:creationId xmlns:a16="http://schemas.microsoft.com/office/drawing/2014/main" id="{9FC8DBD8-9F18-6D51-647D-BE4F2F1FC868}"/>
+                <a16:creationId xmlns:a16="http://schemas.microsoft.com/office/drawing/2014/main" id="{A366B20C-7F80-EC66-3010-3252BE04F46E}"/>
               </a:ext>
             </a:extLst>
           </p:cNvPr>
@@ -5510,7 +8495,7 @@
             <a:spLocks noGrp="1"/>
           </p:cNvSpPr>
           <p:nvPr>
-            <p:ph idx="1"/>
+            <p:ph type="body" idx="1"/>
           </p:nvPr>
         </p:nvSpPr>
         <p:spPr/>
@@ -5518,14 +8503,432 @@
           <a:bodyPr/>
           <a:lstStyle/>
           <a:p>
-            <a:endParaRPr lang="pt-BR"/>
+            <a:r>
+              <a:rPr lang="pt-BR" dirty="0"/>
+              <a:t>Linguagem C</a:t>
+            </a:r>
+          </a:p>
+        </p:txBody>
+      </p:sp>
+      <p:sp>
+        <p:nvSpPr>
+          <p:cNvPr id="6" name="Espaço Reservado para Texto 5">
+            <a:extLst>
+              <a:ext uri="{FF2B5EF4-FFF2-40B4-BE49-F238E27FC236}">
+                <a16:creationId xmlns:a16="http://schemas.microsoft.com/office/drawing/2014/main" id="{A41D93C6-4C47-8C29-5870-946CCFD4B28A}"/>
+              </a:ext>
+            </a:extLst>
+          </p:cNvPr>
+          <p:cNvSpPr>
+            <a:spLocks noGrp="1"/>
+          </p:cNvSpPr>
+          <p:nvPr>
+            <p:ph type="body" sz="quarter" idx="3"/>
+          </p:nvPr>
+        </p:nvSpPr>
+        <p:spPr/>
+        <p:txBody>
+          <a:bodyPr/>
+          <a:lstStyle/>
+          <a:p>
+            <a:r>
+              <a:rPr lang="pt-BR" dirty="0"/>
+              <a:t>Cifra de César</a:t>
+            </a:r>
+          </a:p>
+        </p:txBody>
+      </p:sp>
+      <p:pic>
+        <p:nvPicPr>
+          <p:cNvPr id="9" name="Imagem 8">
+            <a:extLst>
+              <a:ext uri="{FF2B5EF4-FFF2-40B4-BE49-F238E27FC236}">
+                <a16:creationId xmlns:a16="http://schemas.microsoft.com/office/drawing/2014/main" id="{1D79FC4A-7C67-2E25-262B-F46E673E6706}"/>
+              </a:ext>
+            </a:extLst>
+          </p:cNvPr>
+          <p:cNvPicPr>
+            <a:picLocks noChangeAspect="1"/>
+          </p:cNvPicPr>
+          <p:nvPr/>
+        </p:nvPicPr>
+        <p:blipFill>
+          <a:blip r:embed="rId2"/>
+          <a:stretch>
+            <a:fillRect/>
+          </a:stretch>
+        </p:blipFill>
+        <p:spPr>
+          <a:xfrm>
+            <a:off x="1066800" y="2743200"/>
+            <a:ext cx="2242348" cy="1170783"/>
+          </a:xfrm>
+          <a:prstGeom prst="rect">
+            <a:avLst/>
+          </a:prstGeom>
+        </p:spPr>
+      </p:pic>
+      <p:sp>
+        <p:nvSpPr>
+          <p:cNvPr id="10" name="Espaço Reservado para Texto 5">
+            <a:extLst>
+              <a:ext uri="{FF2B5EF4-FFF2-40B4-BE49-F238E27FC236}">
+                <a16:creationId xmlns:a16="http://schemas.microsoft.com/office/drawing/2014/main" id="{374D1837-7135-41DC-0D18-E42D42F0ABDE}"/>
+              </a:ext>
+            </a:extLst>
+          </p:cNvPr>
+          <p:cNvSpPr txBox="1">
+            <a:spLocks/>
+          </p:cNvSpPr>
+          <p:nvPr/>
+        </p:nvSpPr>
+        <p:spPr>
+          <a:xfrm>
+            <a:off x="1066800" y="4251960"/>
+            <a:ext cx="4754880" cy="640080"/>
+          </a:xfrm>
+          <a:prstGeom prst="rect">
+            <a:avLst/>
+          </a:prstGeom>
+        </p:spPr>
+        <p:txBody>
+          <a:bodyPr vert="horz" lIns="91440" tIns="45720" rIns="91440" bIns="45720" rtlCol="0" anchor="ctr">
+            <a:normAutofit/>
+          </a:bodyPr>
+          <a:lstStyle>
+            <a:lvl1pPr marL="0" indent="0" algn="l" defTabSz="914400" rtl="0" eaLnBrk="1" latinLnBrk="0" hangingPunct="1">
+              <a:lnSpc>
+                <a:spcPct val="90000"/>
+              </a:lnSpc>
+              <a:spcBef>
+                <a:spcPts val="1200"/>
+              </a:spcBef>
+              <a:buClr>
+                <a:schemeClr val="accent1">
+                  <a:lumMod val="75000"/>
+                </a:schemeClr>
+              </a:buClr>
+              <a:buSzPct val="85000"/>
+              <a:buFont typeface="Wingdings" pitchFamily="2" charset="2"/>
+              <a:buNone/>
+              <a:defRPr sz="2000" b="1" kern="1200">
+                <a:solidFill>
+                  <a:schemeClr val="accent1">
+                    <a:lumMod val="75000"/>
+                  </a:schemeClr>
+                </a:solidFill>
+                <a:latin typeface="+mn-lt"/>
+                <a:ea typeface="+mn-ea"/>
+                <a:cs typeface="+mn-cs"/>
+              </a:defRPr>
+            </a:lvl1pPr>
+            <a:lvl2pPr marL="457200" indent="0" algn="l" defTabSz="914400" rtl="0" eaLnBrk="1" latinLnBrk="0" hangingPunct="1">
+              <a:lnSpc>
+                <a:spcPct val="90000"/>
+              </a:lnSpc>
+              <a:spcBef>
+                <a:spcPts val="400"/>
+              </a:spcBef>
+              <a:spcAft>
+                <a:spcPts val="200"/>
+              </a:spcAft>
+              <a:buClr>
+                <a:schemeClr val="accent1">
+                  <a:lumMod val="75000"/>
+                </a:schemeClr>
+              </a:buClr>
+              <a:buSzPct val="85000"/>
+              <a:buFont typeface="Wingdings" pitchFamily="2" charset="2"/>
+              <a:buNone/>
+              <a:defRPr sz="2000" b="1" kern="1200">
+                <a:solidFill>
+                  <a:schemeClr val="tx1"/>
+                </a:solidFill>
+                <a:latin typeface="+mn-lt"/>
+                <a:ea typeface="+mn-ea"/>
+                <a:cs typeface="+mn-cs"/>
+              </a:defRPr>
+            </a:lvl2pPr>
+            <a:lvl3pPr marL="914400" indent="0" algn="l" defTabSz="914400" rtl="0" eaLnBrk="1" latinLnBrk="0" hangingPunct="1">
+              <a:lnSpc>
+                <a:spcPct val="90000"/>
+              </a:lnSpc>
+              <a:spcBef>
+                <a:spcPts val="400"/>
+              </a:spcBef>
+              <a:spcAft>
+                <a:spcPts val="200"/>
+              </a:spcAft>
+              <a:buClr>
+                <a:schemeClr val="accent1">
+                  <a:lumMod val="75000"/>
+                </a:schemeClr>
+              </a:buClr>
+              <a:buSzPct val="85000"/>
+              <a:buFont typeface="Wingdings" pitchFamily="2" charset="2"/>
+              <a:buNone/>
+              <a:defRPr sz="1800" b="1" kern="1200">
+                <a:solidFill>
+                  <a:schemeClr val="tx1"/>
+                </a:solidFill>
+                <a:latin typeface="+mn-lt"/>
+                <a:ea typeface="+mn-ea"/>
+                <a:cs typeface="+mn-cs"/>
+              </a:defRPr>
+            </a:lvl3pPr>
+            <a:lvl4pPr marL="1371600" indent="0" algn="l" defTabSz="914400" rtl="0" eaLnBrk="1" latinLnBrk="0" hangingPunct="1">
+              <a:lnSpc>
+                <a:spcPct val="90000"/>
+              </a:lnSpc>
+              <a:spcBef>
+                <a:spcPts val="400"/>
+              </a:spcBef>
+              <a:spcAft>
+                <a:spcPts val="200"/>
+              </a:spcAft>
+              <a:buClr>
+                <a:schemeClr val="accent1">
+                  <a:lumMod val="75000"/>
+                </a:schemeClr>
+              </a:buClr>
+              <a:buSzPct val="85000"/>
+              <a:buFont typeface="Wingdings" pitchFamily="2" charset="2"/>
+              <a:buNone/>
+              <a:defRPr sz="1600" b="1" kern="1200">
+                <a:solidFill>
+                  <a:schemeClr val="tx1"/>
+                </a:solidFill>
+                <a:latin typeface="+mn-lt"/>
+                <a:ea typeface="+mn-ea"/>
+                <a:cs typeface="+mn-cs"/>
+              </a:defRPr>
+            </a:lvl4pPr>
+            <a:lvl5pPr marL="1828800" indent="0" algn="l" defTabSz="914400" rtl="0" eaLnBrk="1" latinLnBrk="0" hangingPunct="1">
+              <a:lnSpc>
+                <a:spcPct val="90000"/>
+              </a:lnSpc>
+              <a:spcBef>
+                <a:spcPts val="400"/>
+              </a:spcBef>
+              <a:spcAft>
+                <a:spcPts val="200"/>
+              </a:spcAft>
+              <a:buClr>
+                <a:schemeClr val="accent1">
+                  <a:lumMod val="75000"/>
+                </a:schemeClr>
+              </a:buClr>
+              <a:buSzPct val="85000"/>
+              <a:buFont typeface="Wingdings" pitchFamily="2" charset="2"/>
+              <a:buNone/>
+              <a:defRPr sz="1600" b="1" kern="1200">
+                <a:solidFill>
+                  <a:schemeClr val="tx1"/>
+                </a:solidFill>
+                <a:latin typeface="+mn-lt"/>
+                <a:ea typeface="+mn-ea"/>
+                <a:cs typeface="+mn-cs"/>
+              </a:defRPr>
+            </a:lvl5pPr>
+            <a:lvl6pPr marL="2286000" indent="0" algn="l" defTabSz="914400" rtl="0" eaLnBrk="1" latinLnBrk="0" hangingPunct="1">
+              <a:lnSpc>
+                <a:spcPct val="90000"/>
+              </a:lnSpc>
+              <a:spcBef>
+                <a:spcPts val="400"/>
+              </a:spcBef>
+              <a:spcAft>
+                <a:spcPts val="200"/>
+              </a:spcAft>
+              <a:buClr>
+                <a:schemeClr val="accent1">
+                  <a:lumMod val="75000"/>
+                </a:schemeClr>
+              </a:buClr>
+              <a:buSzPct val="85000"/>
+              <a:buFont typeface="Wingdings" pitchFamily="2" charset="2"/>
+              <a:buNone/>
+              <a:defRPr sz="1600" b="1" kern="1200">
+                <a:solidFill>
+                  <a:schemeClr val="tx1"/>
+                </a:solidFill>
+                <a:latin typeface="+mn-lt"/>
+                <a:ea typeface="+mn-ea"/>
+                <a:cs typeface="+mn-cs"/>
+              </a:defRPr>
+            </a:lvl6pPr>
+            <a:lvl7pPr marL="2743200" indent="0" algn="l" defTabSz="914400" rtl="0" eaLnBrk="1" latinLnBrk="0" hangingPunct="1">
+              <a:lnSpc>
+                <a:spcPct val="90000"/>
+              </a:lnSpc>
+              <a:spcBef>
+                <a:spcPts val="400"/>
+              </a:spcBef>
+              <a:spcAft>
+                <a:spcPts val="200"/>
+              </a:spcAft>
+              <a:buClr>
+                <a:schemeClr val="accent1">
+                  <a:lumMod val="75000"/>
+                </a:schemeClr>
+              </a:buClr>
+              <a:buSzPct val="85000"/>
+              <a:buFont typeface="Wingdings" pitchFamily="2" charset="2"/>
+              <a:buNone/>
+              <a:defRPr sz="1600" b="1" kern="1200">
+                <a:solidFill>
+                  <a:schemeClr val="tx1"/>
+                </a:solidFill>
+                <a:latin typeface="+mn-lt"/>
+                <a:ea typeface="+mn-ea"/>
+                <a:cs typeface="+mn-cs"/>
+              </a:defRPr>
+            </a:lvl7pPr>
+            <a:lvl8pPr marL="3200400" indent="0" algn="l" defTabSz="914400" rtl="0" eaLnBrk="1" latinLnBrk="0" hangingPunct="1">
+              <a:lnSpc>
+                <a:spcPct val="90000"/>
+              </a:lnSpc>
+              <a:spcBef>
+                <a:spcPts val="400"/>
+              </a:spcBef>
+              <a:spcAft>
+                <a:spcPts val="200"/>
+              </a:spcAft>
+              <a:buClr>
+                <a:schemeClr val="accent1">
+                  <a:lumMod val="75000"/>
+                </a:schemeClr>
+              </a:buClr>
+              <a:buSzPct val="85000"/>
+              <a:buFont typeface="Wingdings" pitchFamily="2" charset="2"/>
+              <a:buNone/>
+              <a:defRPr sz="1600" b="1" kern="1200">
+                <a:solidFill>
+                  <a:schemeClr val="tx1"/>
+                </a:solidFill>
+                <a:latin typeface="+mn-lt"/>
+                <a:ea typeface="+mn-ea"/>
+                <a:cs typeface="+mn-cs"/>
+              </a:defRPr>
+            </a:lvl8pPr>
+            <a:lvl9pPr marL="3657600" indent="0" algn="l" defTabSz="914400" rtl="0" eaLnBrk="1" latinLnBrk="0" hangingPunct="1">
+              <a:lnSpc>
+                <a:spcPct val="90000"/>
+              </a:lnSpc>
+              <a:spcBef>
+                <a:spcPts val="400"/>
+              </a:spcBef>
+              <a:spcAft>
+                <a:spcPts val="200"/>
+              </a:spcAft>
+              <a:buClr>
+                <a:schemeClr val="accent1">
+                  <a:lumMod val="75000"/>
+                </a:schemeClr>
+              </a:buClr>
+              <a:buSzPct val="85000"/>
+              <a:buFont typeface="Wingdings" pitchFamily="2" charset="2"/>
+              <a:buNone/>
+              <a:defRPr sz="1600" b="1" kern="1200">
+                <a:solidFill>
+                  <a:schemeClr val="tx1"/>
+                </a:solidFill>
+                <a:latin typeface="+mn-lt"/>
+                <a:ea typeface="+mn-ea"/>
+                <a:cs typeface="+mn-cs"/>
+              </a:defRPr>
+            </a:lvl9pPr>
+          </a:lstStyle>
+          <a:p>
+            <a:r>
+              <a:rPr lang="pt-BR" dirty="0"/>
+              <a:t>Saída de Ambas</a:t>
+            </a:r>
+          </a:p>
+        </p:txBody>
+      </p:sp>
+      <p:pic>
+        <p:nvPicPr>
+          <p:cNvPr id="12" name="Imagem 11">
+            <a:extLst>
+              <a:ext uri="{FF2B5EF4-FFF2-40B4-BE49-F238E27FC236}">
+                <a16:creationId xmlns:a16="http://schemas.microsoft.com/office/drawing/2014/main" id="{C5AABCE4-6E41-8DBD-5587-3D3D7E94B159}"/>
+              </a:ext>
+            </a:extLst>
+          </p:cNvPr>
+          <p:cNvPicPr>
+            <a:picLocks noChangeAspect="1"/>
+          </p:cNvPicPr>
+          <p:nvPr/>
+        </p:nvPicPr>
+        <p:blipFill>
+          <a:blip r:embed="rId3"/>
+          <a:stretch>
+            <a:fillRect/>
+          </a:stretch>
+        </p:blipFill>
+        <p:spPr>
+          <a:xfrm>
+            <a:off x="6470073" y="2743200"/>
+            <a:ext cx="1887116" cy="1125647"/>
+          </a:xfrm>
+          <a:prstGeom prst="rect">
+            <a:avLst/>
+          </a:prstGeom>
+        </p:spPr>
+      </p:pic>
+      <p:sp>
+        <p:nvSpPr>
+          <p:cNvPr id="13" name="CaixaDeTexto 12">
+            <a:extLst>
+              <a:ext uri="{FF2B5EF4-FFF2-40B4-BE49-F238E27FC236}">
+                <a16:creationId xmlns:a16="http://schemas.microsoft.com/office/drawing/2014/main" id="{32459DCB-B142-CCB7-852F-C69F574F7F57}"/>
+              </a:ext>
+            </a:extLst>
+          </p:cNvPr>
+          <p:cNvSpPr txBox="1"/>
+          <p:nvPr/>
+        </p:nvSpPr>
+        <p:spPr>
+          <a:xfrm>
+            <a:off x="1066800" y="5045351"/>
+            <a:ext cx="3366655" cy="369332"/>
+          </a:xfrm>
+          <a:prstGeom prst="rect">
+            <a:avLst/>
+          </a:prstGeom>
+        </p:spPr>
+        <p:style>
+          <a:lnRef idx="2">
+            <a:schemeClr val="dk1"/>
+          </a:lnRef>
+          <a:fillRef idx="1">
+            <a:schemeClr val="lt1"/>
+          </a:fillRef>
+          <a:effectRef idx="0">
+            <a:schemeClr val="dk1"/>
+          </a:effectRef>
+          <a:fontRef idx="minor">
+            <a:schemeClr val="dk1"/>
+          </a:fontRef>
+        </p:style>
+        <p:txBody>
+          <a:bodyPr wrap="square" rtlCol="0">
+            <a:spAutoFit/>
+          </a:bodyPr>
+          <a:lstStyle/>
+          <a:p>
+            <a:r>
+              <a:rPr lang="pt-BR" dirty="0"/>
+              <a:t>2</a:t>
+            </a:r>
           </a:p>
         </p:txBody>
       </p:sp>
     </p:spTree>
     <p:extLst>
       <p:ext uri="{BB962C8B-B14F-4D97-AF65-F5344CB8AC3E}">
-        <p14:creationId xmlns:p14="http://schemas.microsoft.com/office/powerpoint/2010/main" val="3120225865"/>
+        <p14:creationId xmlns:p14="http://schemas.microsoft.com/office/powerpoint/2010/main" val="975028074"/>
       </p:ext>
     </p:extLst>
   </p:cSld>
@@ -5557,7 +8960,7 @@
           <p:cNvPr id="2" name="Título 1">
             <a:extLst>
               <a:ext uri="{FF2B5EF4-FFF2-40B4-BE49-F238E27FC236}">
-                <a16:creationId xmlns:a16="http://schemas.microsoft.com/office/drawing/2014/main" id="{99335932-ABF5-475E-D79B-C30A9024FB2A}"/>
+                <a16:creationId xmlns:a16="http://schemas.microsoft.com/office/drawing/2014/main" id="{B014C2AF-D256-3500-7688-A0B60FBFDC90}"/>
               </a:ext>
             </a:extLst>
           </p:cNvPr>
@@ -5568,21 +8971,29 @@
             <p:ph type="title"/>
           </p:nvPr>
         </p:nvSpPr>
-        <p:spPr/>
+        <p:spPr>
+          <a:xfrm>
+            <a:off x="778903" y="138268"/>
+            <a:ext cx="10058400" cy="1609344"/>
+          </a:xfrm>
+        </p:spPr>
         <p:txBody>
           <a:bodyPr/>
           <a:lstStyle/>
           <a:p>
-            <a:endParaRPr lang="pt-BR"/>
-          </a:p>
-        </p:txBody>
-      </p:sp>
-      <p:sp>
-        <p:nvSpPr>
-          <p:cNvPr id="3" name="Espaço Reservado para Conteúdo 2">
+            <a:r>
+              <a:rPr lang="pt-BR" dirty="0"/>
+              <a:t>EXEMPLO 2</a:t>
+            </a:r>
+          </a:p>
+        </p:txBody>
+      </p:sp>
+      <p:sp>
+        <p:nvSpPr>
+          <p:cNvPr id="4" name="Espaço Reservado para Texto 3">
             <a:extLst>
               <a:ext uri="{FF2B5EF4-FFF2-40B4-BE49-F238E27FC236}">
-                <a16:creationId xmlns:a16="http://schemas.microsoft.com/office/drawing/2014/main" id="{A589CD89-A475-AF85-11EC-3D2460E0C5AE}"/>
+                <a16:creationId xmlns:a16="http://schemas.microsoft.com/office/drawing/2014/main" id="{A366B20C-7F80-EC66-3010-3252BE04F46E}"/>
               </a:ext>
             </a:extLst>
           </p:cNvPr>
@@ -5590,22 +9001,468 @@
             <a:spLocks noGrp="1"/>
           </p:cNvSpPr>
           <p:nvPr>
-            <p:ph idx="1"/>
-          </p:nvPr>
-        </p:nvSpPr>
-        <p:spPr/>
+            <p:ph type="body" idx="1"/>
+          </p:nvPr>
+        </p:nvSpPr>
+        <p:spPr>
+          <a:xfrm>
+            <a:off x="775855" y="1427572"/>
+            <a:ext cx="4754880" cy="640080"/>
+          </a:xfrm>
+        </p:spPr>
         <p:txBody>
           <a:bodyPr/>
           <a:lstStyle/>
           <a:p>
-            <a:endParaRPr lang="pt-BR"/>
+            <a:r>
+              <a:rPr lang="pt-BR" dirty="0"/>
+              <a:t>Linguagem C (do compilador)</a:t>
+            </a:r>
+          </a:p>
+        </p:txBody>
+      </p:sp>
+      <p:sp>
+        <p:nvSpPr>
+          <p:cNvPr id="6" name="Espaço Reservado para Texto 5">
+            <a:extLst>
+              <a:ext uri="{FF2B5EF4-FFF2-40B4-BE49-F238E27FC236}">
+                <a16:creationId xmlns:a16="http://schemas.microsoft.com/office/drawing/2014/main" id="{A41D93C6-4C47-8C29-5870-946CCFD4B28A}"/>
+              </a:ext>
+            </a:extLst>
+          </p:cNvPr>
+          <p:cNvSpPr>
+            <a:spLocks noGrp="1"/>
+          </p:cNvSpPr>
+          <p:nvPr>
+            <p:ph type="body" sz="quarter" idx="3"/>
+          </p:nvPr>
+        </p:nvSpPr>
+        <p:spPr>
+          <a:xfrm>
+            <a:off x="5048735" y="1381852"/>
+            <a:ext cx="4754880" cy="640080"/>
+          </a:xfrm>
+        </p:spPr>
+        <p:txBody>
+          <a:bodyPr/>
+          <a:lstStyle/>
+          <a:p>
+            <a:r>
+              <a:rPr lang="pt-BR" dirty="0"/>
+              <a:t>Cifra de César</a:t>
+            </a:r>
+          </a:p>
+        </p:txBody>
+      </p:sp>
+      <p:pic>
+        <p:nvPicPr>
+          <p:cNvPr id="8" name="Imagem 7">
+            <a:extLst>
+              <a:ext uri="{FF2B5EF4-FFF2-40B4-BE49-F238E27FC236}">
+                <a16:creationId xmlns:a16="http://schemas.microsoft.com/office/drawing/2014/main" id="{01648556-21ED-E168-B865-3551764A8BB4}"/>
+              </a:ext>
+            </a:extLst>
+          </p:cNvPr>
+          <p:cNvPicPr>
+            <a:picLocks noChangeAspect="1"/>
+          </p:cNvPicPr>
+          <p:nvPr/>
+        </p:nvPicPr>
+        <p:blipFill>
+          <a:blip r:embed="rId2"/>
+          <a:stretch>
+            <a:fillRect/>
+          </a:stretch>
+        </p:blipFill>
+        <p:spPr>
+          <a:xfrm>
+            <a:off x="775855" y="2021932"/>
+            <a:ext cx="2812473" cy="3589604"/>
+          </a:xfrm>
+          <a:prstGeom prst="rect">
+            <a:avLst/>
+          </a:prstGeom>
+        </p:spPr>
+      </p:pic>
+      <p:pic>
+        <p:nvPicPr>
+          <p:cNvPr id="10" name="Imagem 9">
+            <a:extLst>
+              <a:ext uri="{FF2B5EF4-FFF2-40B4-BE49-F238E27FC236}">
+                <a16:creationId xmlns:a16="http://schemas.microsoft.com/office/drawing/2014/main" id="{F93D6566-34FB-4AF5-84D7-E86A238BEFE5}"/>
+              </a:ext>
+            </a:extLst>
+          </p:cNvPr>
+          <p:cNvPicPr>
+            <a:picLocks noChangeAspect="1"/>
+          </p:cNvPicPr>
+          <p:nvPr/>
+        </p:nvPicPr>
+        <p:blipFill>
+          <a:blip r:embed="rId3"/>
+          <a:stretch>
+            <a:fillRect/>
+          </a:stretch>
+        </p:blipFill>
+        <p:spPr>
+          <a:xfrm>
+            <a:off x="5081293" y="2021932"/>
+            <a:ext cx="3009467" cy="3589604"/>
+          </a:xfrm>
+          <a:prstGeom prst="rect">
+            <a:avLst/>
+          </a:prstGeom>
+        </p:spPr>
+      </p:pic>
+      <p:sp>
+        <p:nvSpPr>
+          <p:cNvPr id="11" name="Espaço Reservado para Texto 5">
+            <a:extLst>
+              <a:ext uri="{FF2B5EF4-FFF2-40B4-BE49-F238E27FC236}">
+                <a16:creationId xmlns:a16="http://schemas.microsoft.com/office/drawing/2014/main" id="{791280D0-45AE-BB2A-25B8-DFC683450CA2}"/>
+              </a:ext>
+            </a:extLst>
+          </p:cNvPr>
+          <p:cNvSpPr txBox="1">
+            <a:spLocks/>
+          </p:cNvSpPr>
+          <p:nvPr/>
+        </p:nvSpPr>
+        <p:spPr>
+          <a:xfrm>
+            <a:off x="8592659" y="1381852"/>
+            <a:ext cx="4754880" cy="640080"/>
+          </a:xfrm>
+          <a:prstGeom prst="rect">
+            <a:avLst/>
+          </a:prstGeom>
+        </p:spPr>
+        <p:txBody>
+          <a:bodyPr vert="horz" lIns="91440" tIns="45720" rIns="91440" bIns="45720" rtlCol="0" anchor="ctr">
+            <a:normAutofit/>
+          </a:bodyPr>
+          <a:lstStyle>
+            <a:lvl1pPr marL="0" indent="0" algn="l" defTabSz="914400" rtl="0" eaLnBrk="1" latinLnBrk="0" hangingPunct="1">
+              <a:lnSpc>
+                <a:spcPct val="90000"/>
+              </a:lnSpc>
+              <a:spcBef>
+                <a:spcPts val="1200"/>
+              </a:spcBef>
+              <a:buClr>
+                <a:schemeClr val="accent1">
+                  <a:lumMod val="75000"/>
+                </a:schemeClr>
+              </a:buClr>
+              <a:buSzPct val="85000"/>
+              <a:buFont typeface="Wingdings" pitchFamily="2" charset="2"/>
+              <a:buNone/>
+              <a:defRPr sz="2000" b="1" kern="1200">
+                <a:solidFill>
+                  <a:schemeClr val="accent1">
+                    <a:lumMod val="75000"/>
+                  </a:schemeClr>
+                </a:solidFill>
+                <a:latin typeface="+mn-lt"/>
+                <a:ea typeface="+mn-ea"/>
+                <a:cs typeface="+mn-cs"/>
+              </a:defRPr>
+            </a:lvl1pPr>
+            <a:lvl2pPr marL="457200" indent="0" algn="l" defTabSz="914400" rtl="0" eaLnBrk="1" latinLnBrk="0" hangingPunct="1">
+              <a:lnSpc>
+                <a:spcPct val="90000"/>
+              </a:lnSpc>
+              <a:spcBef>
+                <a:spcPts val="400"/>
+              </a:spcBef>
+              <a:spcAft>
+                <a:spcPts val="200"/>
+              </a:spcAft>
+              <a:buClr>
+                <a:schemeClr val="accent1">
+                  <a:lumMod val="75000"/>
+                </a:schemeClr>
+              </a:buClr>
+              <a:buSzPct val="85000"/>
+              <a:buFont typeface="Wingdings" pitchFamily="2" charset="2"/>
+              <a:buNone/>
+              <a:defRPr sz="2000" b="1" kern="1200">
+                <a:solidFill>
+                  <a:schemeClr val="tx1"/>
+                </a:solidFill>
+                <a:latin typeface="+mn-lt"/>
+                <a:ea typeface="+mn-ea"/>
+                <a:cs typeface="+mn-cs"/>
+              </a:defRPr>
+            </a:lvl2pPr>
+            <a:lvl3pPr marL="914400" indent="0" algn="l" defTabSz="914400" rtl="0" eaLnBrk="1" latinLnBrk="0" hangingPunct="1">
+              <a:lnSpc>
+                <a:spcPct val="90000"/>
+              </a:lnSpc>
+              <a:spcBef>
+                <a:spcPts val="400"/>
+              </a:spcBef>
+              <a:spcAft>
+                <a:spcPts val="200"/>
+              </a:spcAft>
+              <a:buClr>
+                <a:schemeClr val="accent1">
+                  <a:lumMod val="75000"/>
+                </a:schemeClr>
+              </a:buClr>
+              <a:buSzPct val="85000"/>
+              <a:buFont typeface="Wingdings" pitchFamily="2" charset="2"/>
+              <a:buNone/>
+              <a:defRPr sz="1800" b="1" kern="1200">
+                <a:solidFill>
+                  <a:schemeClr val="tx1"/>
+                </a:solidFill>
+                <a:latin typeface="+mn-lt"/>
+                <a:ea typeface="+mn-ea"/>
+                <a:cs typeface="+mn-cs"/>
+              </a:defRPr>
+            </a:lvl3pPr>
+            <a:lvl4pPr marL="1371600" indent="0" algn="l" defTabSz="914400" rtl="0" eaLnBrk="1" latinLnBrk="0" hangingPunct="1">
+              <a:lnSpc>
+                <a:spcPct val="90000"/>
+              </a:lnSpc>
+              <a:spcBef>
+                <a:spcPts val="400"/>
+              </a:spcBef>
+              <a:spcAft>
+                <a:spcPts val="200"/>
+              </a:spcAft>
+              <a:buClr>
+                <a:schemeClr val="accent1">
+                  <a:lumMod val="75000"/>
+                </a:schemeClr>
+              </a:buClr>
+              <a:buSzPct val="85000"/>
+              <a:buFont typeface="Wingdings" pitchFamily="2" charset="2"/>
+              <a:buNone/>
+              <a:defRPr sz="1600" b="1" kern="1200">
+                <a:solidFill>
+                  <a:schemeClr val="tx1"/>
+                </a:solidFill>
+                <a:latin typeface="+mn-lt"/>
+                <a:ea typeface="+mn-ea"/>
+                <a:cs typeface="+mn-cs"/>
+              </a:defRPr>
+            </a:lvl4pPr>
+            <a:lvl5pPr marL="1828800" indent="0" algn="l" defTabSz="914400" rtl="0" eaLnBrk="1" latinLnBrk="0" hangingPunct="1">
+              <a:lnSpc>
+                <a:spcPct val="90000"/>
+              </a:lnSpc>
+              <a:spcBef>
+                <a:spcPts val="400"/>
+              </a:spcBef>
+              <a:spcAft>
+                <a:spcPts val="200"/>
+              </a:spcAft>
+              <a:buClr>
+                <a:schemeClr val="accent1">
+                  <a:lumMod val="75000"/>
+                </a:schemeClr>
+              </a:buClr>
+              <a:buSzPct val="85000"/>
+              <a:buFont typeface="Wingdings" pitchFamily="2" charset="2"/>
+              <a:buNone/>
+              <a:defRPr sz="1600" b="1" kern="1200">
+                <a:solidFill>
+                  <a:schemeClr val="tx1"/>
+                </a:solidFill>
+                <a:latin typeface="+mn-lt"/>
+                <a:ea typeface="+mn-ea"/>
+                <a:cs typeface="+mn-cs"/>
+              </a:defRPr>
+            </a:lvl5pPr>
+            <a:lvl6pPr marL="2286000" indent="0" algn="l" defTabSz="914400" rtl="0" eaLnBrk="1" latinLnBrk="0" hangingPunct="1">
+              <a:lnSpc>
+                <a:spcPct val="90000"/>
+              </a:lnSpc>
+              <a:spcBef>
+                <a:spcPts val="400"/>
+              </a:spcBef>
+              <a:spcAft>
+                <a:spcPts val="200"/>
+              </a:spcAft>
+              <a:buClr>
+                <a:schemeClr val="accent1">
+                  <a:lumMod val="75000"/>
+                </a:schemeClr>
+              </a:buClr>
+              <a:buSzPct val="85000"/>
+              <a:buFont typeface="Wingdings" pitchFamily="2" charset="2"/>
+              <a:buNone/>
+              <a:defRPr sz="1600" b="1" kern="1200">
+                <a:solidFill>
+                  <a:schemeClr val="tx1"/>
+                </a:solidFill>
+                <a:latin typeface="+mn-lt"/>
+                <a:ea typeface="+mn-ea"/>
+                <a:cs typeface="+mn-cs"/>
+              </a:defRPr>
+            </a:lvl6pPr>
+            <a:lvl7pPr marL="2743200" indent="0" algn="l" defTabSz="914400" rtl="0" eaLnBrk="1" latinLnBrk="0" hangingPunct="1">
+              <a:lnSpc>
+                <a:spcPct val="90000"/>
+              </a:lnSpc>
+              <a:spcBef>
+                <a:spcPts val="400"/>
+              </a:spcBef>
+              <a:spcAft>
+                <a:spcPts val="200"/>
+              </a:spcAft>
+              <a:buClr>
+                <a:schemeClr val="accent1">
+                  <a:lumMod val="75000"/>
+                </a:schemeClr>
+              </a:buClr>
+              <a:buSzPct val="85000"/>
+              <a:buFont typeface="Wingdings" pitchFamily="2" charset="2"/>
+              <a:buNone/>
+              <a:defRPr sz="1600" b="1" kern="1200">
+                <a:solidFill>
+                  <a:schemeClr val="tx1"/>
+                </a:solidFill>
+                <a:latin typeface="+mn-lt"/>
+                <a:ea typeface="+mn-ea"/>
+                <a:cs typeface="+mn-cs"/>
+              </a:defRPr>
+            </a:lvl7pPr>
+            <a:lvl8pPr marL="3200400" indent="0" algn="l" defTabSz="914400" rtl="0" eaLnBrk="1" latinLnBrk="0" hangingPunct="1">
+              <a:lnSpc>
+                <a:spcPct val="90000"/>
+              </a:lnSpc>
+              <a:spcBef>
+                <a:spcPts val="400"/>
+              </a:spcBef>
+              <a:spcAft>
+                <a:spcPts val="200"/>
+              </a:spcAft>
+              <a:buClr>
+                <a:schemeClr val="accent1">
+                  <a:lumMod val="75000"/>
+                </a:schemeClr>
+              </a:buClr>
+              <a:buSzPct val="85000"/>
+              <a:buFont typeface="Wingdings" pitchFamily="2" charset="2"/>
+              <a:buNone/>
+              <a:defRPr sz="1600" b="1" kern="1200">
+                <a:solidFill>
+                  <a:schemeClr val="tx1"/>
+                </a:solidFill>
+                <a:latin typeface="+mn-lt"/>
+                <a:ea typeface="+mn-ea"/>
+                <a:cs typeface="+mn-cs"/>
+              </a:defRPr>
+            </a:lvl8pPr>
+            <a:lvl9pPr marL="3657600" indent="0" algn="l" defTabSz="914400" rtl="0" eaLnBrk="1" latinLnBrk="0" hangingPunct="1">
+              <a:lnSpc>
+                <a:spcPct val="90000"/>
+              </a:lnSpc>
+              <a:spcBef>
+                <a:spcPts val="400"/>
+              </a:spcBef>
+              <a:spcAft>
+                <a:spcPts val="200"/>
+              </a:spcAft>
+              <a:buClr>
+                <a:schemeClr val="accent1">
+                  <a:lumMod val="75000"/>
+                </a:schemeClr>
+              </a:buClr>
+              <a:buSzPct val="85000"/>
+              <a:buFont typeface="Wingdings" pitchFamily="2" charset="2"/>
+              <a:buNone/>
+              <a:defRPr sz="1600" b="1" kern="1200">
+                <a:solidFill>
+                  <a:schemeClr val="tx1"/>
+                </a:solidFill>
+                <a:latin typeface="+mn-lt"/>
+                <a:ea typeface="+mn-ea"/>
+                <a:cs typeface="+mn-cs"/>
+              </a:defRPr>
+            </a:lvl9pPr>
+          </a:lstStyle>
+          <a:p>
+            <a:r>
+              <a:rPr lang="pt-BR" dirty="0"/>
+              <a:t>Saída de Ambas</a:t>
+            </a:r>
+          </a:p>
+        </p:txBody>
+      </p:sp>
+      <p:sp>
+        <p:nvSpPr>
+          <p:cNvPr id="12" name="CaixaDeTexto 11">
+            <a:extLst>
+              <a:ext uri="{FF2B5EF4-FFF2-40B4-BE49-F238E27FC236}">
+                <a16:creationId xmlns:a16="http://schemas.microsoft.com/office/drawing/2014/main" id="{D9713173-A9BF-488C-D19D-F2994841828A}"/>
+              </a:ext>
+            </a:extLst>
+          </p:cNvPr>
+          <p:cNvSpPr txBox="1"/>
+          <p:nvPr/>
+        </p:nvSpPr>
+        <p:spPr>
+          <a:xfrm>
+            <a:off x="8592659" y="2067652"/>
+            <a:ext cx="3366655" cy="923330"/>
+          </a:xfrm>
+          <a:prstGeom prst="rect">
+            <a:avLst/>
+          </a:prstGeom>
+        </p:spPr>
+        <p:style>
+          <a:lnRef idx="2">
+            <a:schemeClr val="dk1"/>
+          </a:lnRef>
+          <a:fillRef idx="1">
+            <a:schemeClr val="lt1"/>
+          </a:fillRef>
+          <a:effectRef idx="0">
+            <a:schemeClr val="dk1"/>
+          </a:effectRef>
+          <a:fontRef idx="minor">
+            <a:schemeClr val="dk1"/>
+          </a:fontRef>
+        </p:style>
+        <p:txBody>
+          <a:bodyPr wrap="square" rtlCol="0">
+            <a:spAutoFit/>
+          </a:bodyPr>
+          <a:lstStyle/>
+          <a:p>
+            <a:r>
+              <a:rPr lang="pt-BR" dirty="0">
+                <a:latin typeface="Arial Nova" panose="020B0504020202020204" pitchFamily="34" charset="0"/>
+              </a:rPr>
+              <a:t>1</a:t>
+            </a:r>
+          </a:p>
+          <a:p>
+            <a:r>
+              <a:rPr lang="pt-BR" dirty="0">
+                <a:latin typeface="Arial Nova" panose="020B0504020202020204" pitchFamily="34" charset="0"/>
+              </a:rPr>
+              <a:t>1hello</a:t>
+            </a:r>
+          </a:p>
+          <a:p>
+            <a:r>
+              <a:rPr lang="pt-BR" dirty="0">
+                <a:latin typeface="Arial Nova" panose="020B0504020202020204" pitchFamily="34" charset="0"/>
+              </a:rPr>
+              <a:t>hello1</a:t>
+            </a:r>
           </a:p>
         </p:txBody>
       </p:sp>
     </p:spTree>
     <p:extLst>
       <p:ext uri="{BB962C8B-B14F-4D97-AF65-F5344CB8AC3E}">
-        <p14:creationId xmlns:p14="http://schemas.microsoft.com/office/powerpoint/2010/main" val="1207302036"/>
+        <p14:creationId xmlns:p14="http://schemas.microsoft.com/office/powerpoint/2010/main" val="4194557092"/>
       </p:ext>
     </p:extLst>
   </p:cSld>
@@ -5637,7 +9494,7 @@
           <p:cNvPr id="2" name="Título 1">
             <a:extLst>
               <a:ext uri="{FF2B5EF4-FFF2-40B4-BE49-F238E27FC236}">
-                <a16:creationId xmlns:a16="http://schemas.microsoft.com/office/drawing/2014/main" id="{B4CD52C4-EEE9-FDF7-B161-8DEB6930DDD1}"/>
+                <a16:creationId xmlns:a16="http://schemas.microsoft.com/office/drawing/2014/main" id="{B014C2AF-D256-3500-7688-A0B60FBFDC90}"/>
               </a:ext>
             </a:extLst>
           </p:cNvPr>
@@ -5648,21 +9505,29 @@
             <p:ph type="title"/>
           </p:nvPr>
         </p:nvSpPr>
-        <p:spPr/>
+        <p:spPr>
+          <a:xfrm>
+            <a:off x="778903" y="138268"/>
+            <a:ext cx="10058400" cy="1609344"/>
+          </a:xfrm>
+        </p:spPr>
         <p:txBody>
           <a:bodyPr/>
           <a:lstStyle/>
           <a:p>
-            <a:endParaRPr lang="pt-BR"/>
-          </a:p>
-        </p:txBody>
-      </p:sp>
-      <p:sp>
-        <p:nvSpPr>
-          <p:cNvPr id="3" name="Espaço Reservado para Conteúdo 2">
+            <a:r>
+              <a:rPr lang="pt-BR" dirty="0"/>
+              <a:t>EXEMPLO 3</a:t>
+            </a:r>
+          </a:p>
+        </p:txBody>
+      </p:sp>
+      <p:sp>
+        <p:nvSpPr>
+          <p:cNvPr id="4" name="Espaço Reservado para Texto 3">
             <a:extLst>
               <a:ext uri="{FF2B5EF4-FFF2-40B4-BE49-F238E27FC236}">
-                <a16:creationId xmlns:a16="http://schemas.microsoft.com/office/drawing/2014/main" id="{7F33DD75-3A4D-2B0F-94B3-DED58908F5D6}"/>
+                <a16:creationId xmlns:a16="http://schemas.microsoft.com/office/drawing/2014/main" id="{A366B20C-7F80-EC66-3010-3252BE04F46E}"/>
               </a:ext>
             </a:extLst>
           </p:cNvPr>
@@ -5670,22 +9535,495 @@
             <a:spLocks noGrp="1"/>
           </p:cNvSpPr>
           <p:nvPr>
-            <p:ph idx="1"/>
-          </p:nvPr>
-        </p:nvSpPr>
-        <p:spPr/>
+            <p:ph type="body" idx="1"/>
+          </p:nvPr>
+        </p:nvSpPr>
+        <p:spPr>
+          <a:xfrm>
+            <a:off x="775855" y="1427572"/>
+            <a:ext cx="4754880" cy="640080"/>
+          </a:xfrm>
+        </p:spPr>
         <p:txBody>
           <a:bodyPr/>
           <a:lstStyle/>
           <a:p>
-            <a:endParaRPr lang="pt-BR"/>
-          </a:p>
-        </p:txBody>
-      </p:sp>
+            <a:r>
+              <a:rPr lang="pt-BR" dirty="0"/>
+              <a:t>Linguagem C (do compilador)</a:t>
+            </a:r>
+          </a:p>
+        </p:txBody>
+      </p:sp>
+      <p:sp>
+        <p:nvSpPr>
+          <p:cNvPr id="6" name="Espaço Reservado para Texto 5">
+            <a:extLst>
+              <a:ext uri="{FF2B5EF4-FFF2-40B4-BE49-F238E27FC236}">
+                <a16:creationId xmlns:a16="http://schemas.microsoft.com/office/drawing/2014/main" id="{A41D93C6-4C47-8C29-5870-946CCFD4B28A}"/>
+              </a:ext>
+            </a:extLst>
+          </p:cNvPr>
+          <p:cNvSpPr>
+            <a:spLocks noGrp="1"/>
+          </p:cNvSpPr>
+          <p:nvPr>
+            <p:ph type="body" sz="quarter" idx="3"/>
+          </p:nvPr>
+        </p:nvSpPr>
+        <p:spPr>
+          <a:xfrm>
+            <a:off x="5048735" y="1381852"/>
+            <a:ext cx="4754880" cy="640080"/>
+          </a:xfrm>
+        </p:spPr>
+        <p:txBody>
+          <a:bodyPr/>
+          <a:lstStyle/>
+          <a:p>
+            <a:r>
+              <a:rPr lang="pt-BR" dirty="0"/>
+              <a:t>Cifra de César</a:t>
+            </a:r>
+          </a:p>
+        </p:txBody>
+      </p:sp>
+      <p:sp>
+        <p:nvSpPr>
+          <p:cNvPr id="11" name="Espaço Reservado para Texto 5">
+            <a:extLst>
+              <a:ext uri="{FF2B5EF4-FFF2-40B4-BE49-F238E27FC236}">
+                <a16:creationId xmlns:a16="http://schemas.microsoft.com/office/drawing/2014/main" id="{791280D0-45AE-BB2A-25B8-DFC683450CA2}"/>
+              </a:ext>
+            </a:extLst>
+          </p:cNvPr>
+          <p:cNvSpPr txBox="1">
+            <a:spLocks/>
+          </p:cNvSpPr>
+          <p:nvPr/>
+        </p:nvSpPr>
+        <p:spPr>
+          <a:xfrm>
+            <a:off x="8592659" y="1381852"/>
+            <a:ext cx="4754880" cy="640080"/>
+          </a:xfrm>
+          <a:prstGeom prst="rect">
+            <a:avLst/>
+          </a:prstGeom>
+        </p:spPr>
+        <p:txBody>
+          <a:bodyPr vert="horz" lIns="91440" tIns="45720" rIns="91440" bIns="45720" rtlCol="0" anchor="ctr">
+            <a:normAutofit/>
+          </a:bodyPr>
+          <a:lstStyle>
+            <a:lvl1pPr marL="0" indent="0" algn="l" defTabSz="914400" rtl="0" eaLnBrk="1" latinLnBrk="0" hangingPunct="1">
+              <a:lnSpc>
+                <a:spcPct val="90000"/>
+              </a:lnSpc>
+              <a:spcBef>
+                <a:spcPts val="1200"/>
+              </a:spcBef>
+              <a:buClr>
+                <a:schemeClr val="accent1">
+                  <a:lumMod val="75000"/>
+                </a:schemeClr>
+              </a:buClr>
+              <a:buSzPct val="85000"/>
+              <a:buFont typeface="Wingdings" pitchFamily="2" charset="2"/>
+              <a:buNone/>
+              <a:defRPr sz="2000" b="1" kern="1200">
+                <a:solidFill>
+                  <a:schemeClr val="accent1">
+                    <a:lumMod val="75000"/>
+                  </a:schemeClr>
+                </a:solidFill>
+                <a:latin typeface="+mn-lt"/>
+                <a:ea typeface="+mn-ea"/>
+                <a:cs typeface="+mn-cs"/>
+              </a:defRPr>
+            </a:lvl1pPr>
+            <a:lvl2pPr marL="457200" indent="0" algn="l" defTabSz="914400" rtl="0" eaLnBrk="1" latinLnBrk="0" hangingPunct="1">
+              <a:lnSpc>
+                <a:spcPct val="90000"/>
+              </a:lnSpc>
+              <a:spcBef>
+                <a:spcPts val="400"/>
+              </a:spcBef>
+              <a:spcAft>
+                <a:spcPts val="200"/>
+              </a:spcAft>
+              <a:buClr>
+                <a:schemeClr val="accent1">
+                  <a:lumMod val="75000"/>
+                </a:schemeClr>
+              </a:buClr>
+              <a:buSzPct val="85000"/>
+              <a:buFont typeface="Wingdings" pitchFamily="2" charset="2"/>
+              <a:buNone/>
+              <a:defRPr sz="2000" b="1" kern="1200">
+                <a:solidFill>
+                  <a:schemeClr val="tx1"/>
+                </a:solidFill>
+                <a:latin typeface="+mn-lt"/>
+                <a:ea typeface="+mn-ea"/>
+                <a:cs typeface="+mn-cs"/>
+              </a:defRPr>
+            </a:lvl2pPr>
+            <a:lvl3pPr marL="914400" indent="0" algn="l" defTabSz="914400" rtl="0" eaLnBrk="1" latinLnBrk="0" hangingPunct="1">
+              <a:lnSpc>
+                <a:spcPct val="90000"/>
+              </a:lnSpc>
+              <a:spcBef>
+                <a:spcPts val="400"/>
+              </a:spcBef>
+              <a:spcAft>
+                <a:spcPts val="200"/>
+              </a:spcAft>
+              <a:buClr>
+                <a:schemeClr val="accent1">
+                  <a:lumMod val="75000"/>
+                </a:schemeClr>
+              </a:buClr>
+              <a:buSzPct val="85000"/>
+              <a:buFont typeface="Wingdings" pitchFamily="2" charset="2"/>
+              <a:buNone/>
+              <a:defRPr sz="1800" b="1" kern="1200">
+                <a:solidFill>
+                  <a:schemeClr val="tx1"/>
+                </a:solidFill>
+                <a:latin typeface="+mn-lt"/>
+                <a:ea typeface="+mn-ea"/>
+                <a:cs typeface="+mn-cs"/>
+              </a:defRPr>
+            </a:lvl3pPr>
+            <a:lvl4pPr marL="1371600" indent="0" algn="l" defTabSz="914400" rtl="0" eaLnBrk="1" latinLnBrk="0" hangingPunct="1">
+              <a:lnSpc>
+                <a:spcPct val="90000"/>
+              </a:lnSpc>
+              <a:spcBef>
+                <a:spcPts val="400"/>
+              </a:spcBef>
+              <a:spcAft>
+                <a:spcPts val="200"/>
+              </a:spcAft>
+              <a:buClr>
+                <a:schemeClr val="accent1">
+                  <a:lumMod val="75000"/>
+                </a:schemeClr>
+              </a:buClr>
+              <a:buSzPct val="85000"/>
+              <a:buFont typeface="Wingdings" pitchFamily="2" charset="2"/>
+              <a:buNone/>
+              <a:defRPr sz="1600" b="1" kern="1200">
+                <a:solidFill>
+                  <a:schemeClr val="tx1"/>
+                </a:solidFill>
+                <a:latin typeface="+mn-lt"/>
+                <a:ea typeface="+mn-ea"/>
+                <a:cs typeface="+mn-cs"/>
+              </a:defRPr>
+            </a:lvl4pPr>
+            <a:lvl5pPr marL="1828800" indent="0" algn="l" defTabSz="914400" rtl="0" eaLnBrk="1" latinLnBrk="0" hangingPunct="1">
+              <a:lnSpc>
+                <a:spcPct val="90000"/>
+              </a:lnSpc>
+              <a:spcBef>
+                <a:spcPts val="400"/>
+              </a:spcBef>
+              <a:spcAft>
+                <a:spcPts val="200"/>
+              </a:spcAft>
+              <a:buClr>
+                <a:schemeClr val="accent1">
+                  <a:lumMod val="75000"/>
+                </a:schemeClr>
+              </a:buClr>
+              <a:buSzPct val="85000"/>
+              <a:buFont typeface="Wingdings" pitchFamily="2" charset="2"/>
+              <a:buNone/>
+              <a:defRPr sz="1600" b="1" kern="1200">
+                <a:solidFill>
+                  <a:schemeClr val="tx1"/>
+                </a:solidFill>
+                <a:latin typeface="+mn-lt"/>
+                <a:ea typeface="+mn-ea"/>
+                <a:cs typeface="+mn-cs"/>
+              </a:defRPr>
+            </a:lvl5pPr>
+            <a:lvl6pPr marL="2286000" indent="0" algn="l" defTabSz="914400" rtl="0" eaLnBrk="1" latinLnBrk="0" hangingPunct="1">
+              <a:lnSpc>
+                <a:spcPct val="90000"/>
+              </a:lnSpc>
+              <a:spcBef>
+                <a:spcPts val="400"/>
+              </a:spcBef>
+              <a:spcAft>
+                <a:spcPts val="200"/>
+              </a:spcAft>
+              <a:buClr>
+                <a:schemeClr val="accent1">
+                  <a:lumMod val="75000"/>
+                </a:schemeClr>
+              </a:buClr>
+              <a:buSzPct val="85000"/>
+              <a:buFont typeface="Wingdings" pitchFamily="2" charset="2"/>
+              <a:buNone/>
+              <a:defRPr sz="1600" b="1" kern="1200">
+                <a:solidFill>
+                  <a:schemeClr val="tx1"/>
+                </a:solidFill>
+                <a:latin typeface="+mn-lt"/>
+                <a:ea typeface="+mn-ea"/>
+                <a:cs typeface="+mn-cs"/>
+              </a:defRPr>
+            </a:lvl6pPr>
+            <a:lvl7pPr marL="2743200" indent="0" algn="l" defTabSz="914400" rtl="0" eaLnBrk="1" latinLnBrk="0" hangingPunct="1">
+              <a:lnSpc>
+                <a:spcPct val="90000"/>
+              </a:lnSpc>
+              <a:spcBef>
+                <a:spcPts val="400"/>
+              </a:spcBef>
+              <a:spcAft>
+                <a:spcPts val="200"/>
+              </a:spcAft>
+              <a:buClr>
+                <a:schemeClr val="accent1">
+                  <a:lumMod val="75000"/>
+                </a:schemeClr>
+              </a:buClr>
+              <a:buSzPct val="85000"/>
+              <a:buFont typeface="Wingdings" pitchFamily="2" charset="2"/>
+              <a:buNone/>
+              <a:defRPr sz="1600" b="1" kern="1200">
+                <a:solidFill>
+                  <a:schemeClr val="tx1"/>
+                </a:solidFill>
+                <a:latin typeface="+mn-lt"/>
+                <a:ea typeface="+mn-ea"/>
+                <a:cs typeface="+mn-cs"/>
+              </a:defRPr>
+            </a:lvl7pPr>
+            <a:lvl8pPr marL="3200400" indent="0" algn="l" defTabSz="914400" rtl="0" eaLnBrk="1" latinLnBrk="0" hangingPunct="1">
+              <a:lnSpc>
+                <a:spcPct val="90000"/>
+              </a:lnSpc>
+              <a:spcBef>
+                <a:spcPts val="400"/>
+              </a:spcBef>
+              <a:spcAft>
+                <a:spcPts val="200"/>
+              </a:spcAft>
+              <a:buClr>
+                <a:schemeClr val="accent1">
+                  <a:lumMod val="75000"/>
+                </a:schemeClr>
+              </a:buClr>
+              <a:buSzPct val="85000"/>
+              <a:buFont typeface="Wingdings" pitchFamily="2" charset="2"/>
+              <a:buNone/>
+              <a:defRPr sz="1600" b="1" kern="1200">
+                <a:solidFill>
+                  <a:schemeClr val="tx1"/>
+                </a:solidFill>
+                <a:latin typeface="+mn-lt"/>
+                <a:ea typeface="+mn-ea"/>
+                <a:cs typeface="+mn-cs"/>
+              </a:defRPr>
+            </a:lvl8pPr>
+            <a:lvl9pPr marL="3657600" indent="0" algn="l" defTabSz="914400" rtl="0" eaLnBrk="1" latinLnBrk="0" hangingPunct="1">
+              <a:lnSpc>
+                <a:spcPct val="90000"/>
+              </a:lnSpc>
+              <a:spcBef>
+                <a:spcPts val="400"/>
+              </a:spcBef>
+              <a:spcAft>
+                <a:spcPts val="200"/>
+              </a:spcAft>
+              <a:buClr>
+                <a:schemeClr val="accent1">
+                  <a:lumMod val="75000"/>
+                </a:schemeClr>
+              </a:buClr>
+              <a:buSzPct val="85000"/>
+              <a:buFont typeface="Wingdings" pitchFamily="2" charset="2"/>
+              <a:buNone/>
+              <a:defRPr sz="1600" b="1" kern="1200">
+                <a:solidFill>
+                  <a:schemeClr val="tx1"/>
+                </a:solidFill>
+                <a:latin typeface="+mn-lt"/>
+                <a:ea typeface="+mn-ea"/>
+                <a:cs typeface="+mn-cs"/>
+              </a:defRPr>
+            </a:lvl9pPr>
+          </a:lstStyle>
+          <a:p>
+            <a:r>
+              <a:rPr lang="pt-BR" dirty="0"/>
+              <a:t>Saída de Ambas</a:t>
+            </a:r>
+          </a:p>
+        </p:txBody>
+      </p:sp>
+      <p:sp>
+        <p:nvSpPr>
+          <p:cNvPr id="12" name="CaixaDeTexto 11">
+            <a:extLst>
+              <a:ext uri="{FF2B5EF4-FFF2-40B4-BE49-F238E27FC236}">
+                <a16:creationId xmlns:a16="http://schemas.microsoft.com/office/drawing/2014/main" id="{D9713173-A9BF-488C-D19D-F2994841828A}"/>
+              </a:ext>
+            </a:extLst>
+          </p:cNvPr>
+          <p:cNvSpPr txBox="1"/>
+          <p:nvPr/>
+        </p:nvSpPr>
+        <p:spPr>
+          <a:xfrm>
+            <a:off x="8592659" y="2035341"/>
+            <a:ext cx="3366655" cy="1754326"/>
+          </a:xfrm>
+          <a:prstGeom prst="rect">
+            <a:avLst/>
+          </a:prstGeom>
+        </p:spPr>
+        <p:style>
+          <a:lnRef idx="2">
+            <a:schemeClr val="dk1"/>
+          </a:lnRef>
+          <a:fillRef idx="1">
+            <a:schemeClr val="lt1"/>
+          </a:fillRef>
+          <a:effectRef idx="0">
+            <a:schemeClr val="dk1"/>
+          </a:effectRef>
+          <a:fontRef idx="minor">
+            <a:schemeClr val="dk1"/>
+          </a:fontRef>
+        </p:style>
+        <p:txBody>
+          <a:bodyPr wrap="square" rtlCol="0">
+            <a:spAutoFit/>
+          </a:bodyPr>
+          <a:lstStyle/>
+          <a:p>
+            <a:r>
+              <a:rPr lang="pt-BR" dirty="0">
+                <a:latin typeface="Arial Nova" panose="020B0504020202020204" pitchFamily="34" charset="0"/>
+              </a:rPr>
+              <a:t>5</a:t>
+            </a:r>
+          </a:p>
+          <a:p>
+            <a:r>
+              <a:rPr lang="pt-BR" dirty="0">
+                <a:latin typeface="Arial Nova" panose="020B0504020202020204" pitchFamily="34" charset="0"/>
+              </a:rPr>
+              <a:t>50</a:t>
+            </a:r>
+          </a:p>
+          <a:p>
+            <a:r>
+              <a:rPr lang="pt-BR" dirty="0">
+                <a:latin typeface="Arial Nova" panose="020B0504020202020204" pitchFamily="34" charset="0"/>
+              </a:rPr>
+              <a:t>5</a:t>
+            </a:r>
+          </a:p>
+          <a:p>
+            <a:r>
+              <a:rPr lang="pt-BR" dirty="0">
+                <a:latin typeface="Arial Nova" panose="020B0504020202020204" pitchFamily="34" charset="0"/>
+              </a:rPr>
+              <a:t>5</a:t>
+            </a:r>
+          </a:p>
+          <a:p>
+            <a:r>
+              <a:rPr lang="pt-BR" dirty="0">
+                <a:latin typeface="Arial Nova" panose="020B0504020202020204" pitchFamily="34" charset="0"/>
+              </a:rPr>
+              <a:t>0</a:t>
+            </a:r>
+          </a:p>
+          <a:p>
+            <a:r>
+              <a:rPr lang="pt-BR" dirty="0" err="1">
+                <a:latin typeface="Arial Nova" panose="020B0504020202020204" pitchFamily="34" charset="0"/>
+              </a:rPr>
+              <a:t>hello</a:t>
+            </a:r>
+            <a:endParaRPr lang="pt-BR" dirty="0">
+              <a:latin typeface="Arial Nova" panose="020B0504020202020204" pitchFamily="34" charset="0"/>
+            </a:endParaRPr>
+          </a:p>
+        </p:txBody>
+      </p:sp>
+      <p:pic>
+        <p:nvPicPr>
+          <p:cNvPr id="5" name="Imagem 4">
+            <a:extLst>
+              <a:ext uri="{FF2B5EF4-FFF2-40B4-BE49-F238E27FC236}">
+                <a16:creationId xmlns:a16="http://schemas.microsoft.com/office/drawing/2014/main" id="{42B3C8A5-455A-D17B-C95A-6C151FF225BD}"/>
+              </a:ext>
+            </a:extLst>
+          </p:cNvPr>
+          <p:cNvPicPr>
+            <a:picLocks noChangeAspect="1"/>
+          </p:cNvPicPr>
+          <p:nvPr/>
+        </p:nvPicPr>
+        <p:blipFill>
+          <a:blip r:embed="rId2"/>
+          <a:stretch>
+            <a:fillRect/>
+          </a:stretch>
+        </p:blipFill>
+        <p:spPr>
+          <a:xfrm>
+            <a:off x="795321" y="2021932"/>
+            <a:ext cx="1981410" cy="4489074"/>
+          </a:xfrm>
+          <a:prstGeom prst="rect">
+            <a:avLst/>
+          </a:prstGeom>
+        </p:spPr>
+      </p:pic>
+      <p:pic>
+        <p:nvPicPr>
+          <p:cNvPr id="9" name="Imagem 8">
+            <a:extLst>
+              <a:ext uri="{FF2B5EF4-FFF2-40B4-BE49-F238E27FC236}">
+                <a16:creationId xmlns:a16="http://schemas.microsoft.com/office/drawing/2014/main" id="{CF7F25DC-6ACD-39CE-250E-47A95717FD28}"/>
+              </a:ext>
+            </a:extLst>
+          </p:cNvPr>
+          <p:cNvPicPr>
+            <a:picLocks noChangeAspect="1"/>
+          </p:cNvPicPr>
+          <p:nvPr/>
+        </p:nvPicPr>
+        <p:blipFill>
+          <a:blip r:embed="rId3"/>
+          <a:stretch>
+            <a:fillRect/>
+          </a:stretch>
+        </p:blipFill>
+        <p:spPr>
+          <a:xfrm>
+            <a:off x="5070700" y="1976343"/>
+            <a:ext cx="2457793" cy="4534533"/>
+          </a:xfrm>
+          <a:prstGeom prst="rect">
+            <a:avLst/>
+          </a:prstGeom>
+        </p:spPr>
+      </p:pic>
     </p:spTree>
     <p:extLst>
       <p:ext uri="{BB962C8B-B14F-4D97-AF65-F5344CB8AC3E}">
-        <p14:creationId xmlns:p14="http://schemas.microsoft.com/office/powerpoint/2010/main" val="2762241266"/>
+        <p14:creationId xmlns:p14="http://schemas.microsoft.com/office/powerpoint/2010/main" val="3635071805"/>
       </p:ext>
     </p:extLst>
   </p:cSld>
